--- a/1_Presentaciones/Sesion_3_Practica.pptx
+++ b/1_Presentaciones/Sesion_3_Practica.pptx
@@ -22,19 +22,21 @@
     <p:sldId id="275" r:id="rId16"/>
     <p:sldId id="302" r:id="rId17"/>
     <p:sldId id="308" r:id="rId18"/>
-    <p:sldId id="309" r:id="rId19"/>
+    <p:sldId id="311" r:id="rId19"/>
     <p:sldId id="310" r:id="rId20"/>
-    <p:sldId id="311" r:id="rId21"/>
-    <p:sldId id="303" r:id="rId22"/>
-    <p:sldId id="312" r:id="rId23"/>
-    <p:sldId id="313" r:id="rId24"/>
-    <p:sldId id="314" r:id="rId25"/>
-    <p:sldId id="315" r:id="rId26"/>
-    <p:sldId id="317" r:id="rId27"/>
-    <p:sldId id="316" r:id="rId28"/>
-    <p:sldId id="296" r:id="rId29"/>
-    <p:sldId id="305" r:id="rId30"/>
-    <p:sldId id="306" r:id="rId31"/>
+    <p:sldId id="318" r:id="rId21"/>
+    <p:sldId id="309" r:id="rId22"/>
+    <p:sldId id="303" r:id="rId23"/>
+    <p:sldId id="312" r:id="rId24"/>
+    <p:sldId id="313" r:id="rId25"/>
+    <p:sldId id="314" r:id="rId26"/>
+    <p:sldId id="315" r:id="rId27"/>
+    <p:sldId id="317" r:id="rId28"/>
+    <p:sldId id="316" r:id="rId29"/>
+    <p:sldId id="296" r:id="rId30"/>
+    <p:sldId id="305" r:id="rId31"/>
+    <p:sldId id="306" r:id="rId32"/>
+    <p:sldId id="319" r:id="rId33"/>
   </p:sldIdLst>
   <p:sldSz cx="12192000" cy="6858000"/>
   <p:notesSz cx="6858000" cy="9144000"/>
@@ -3849,19 +3851,11 @@
           <a:lstStyle/>
           <a:p>
             <a:r>
-              <a:rPr lang="es-ES" dirty="0" err="1">
-                <a:highlight>
-                  <a:srgbClr val="FFFF00"/>
-                </a:highlight>
-              </a:rPr>
+              <a:rPr lang="es-ES" dirty="0" err="1"/>
               <a:t>Aggregate</a:t>
             </a:r>
             <a:r>
-              <a:rPr lang="es-ES" dirty="0">
-                <a:highlight>
-                  <a:srgbClr val="FFFF00"/>
-                </a:highlight>
-              </a:rPr>
+              <a:rPr lang="es-ES" dirty="0"/>
               <a:t>()</a:t>
             </a:r>
           </a:p>
@@ -3888,7 +3882,180 @@
           <a:bodyPr/>
           <a:lstStyle/>
           <a:p>
-            <a:endParaRPr lang="es-ES"/>
+            <a:r>
+              <a:rPr lang="es-ES_tradnl" dirty="0"/>
+              <a:t>Función de agregación de R</a:t>
+            </a:r>
+          </a:p>
+          <a:p>
+            <a:r>
+              <a:rPr lang="es-ES_tradnl" dirty="0"/>
+              <a:t>Agrega datos en base a una o varias variables índice</a:t>
+            </a:r>
+          </a:p>
+          <a:p>
+            <a:r>
+              <a:rPr lang="es-ES_tradnl" dirty="0"/>
+              <a:t>Aplica la función que se desee.</a:t>
+            </a:r>
+          </a:p>
+          <a:p>
+            <a:pPr lvl="1"/>
+            <a:r>
+              <a:rPr lang="es-ES_tradnl" dirty="0"/>
+              <a:t>Típicamente, </a:t>
+            </a:r>
+            <a:r>
+              <a:rPr lang="es-ES_tradnl" dirty="0" err="1"/>
+              <a:t>max</a:t>
+            </a:r>
+            <a:r>
+              <a:rPr lang="es-ES_tradnl" dirty="0"/>
+              <a:t>, min, mean, sum</a:t>
+            </a:r>
+          </a:p>
+          <a:p>
+            <a:pPr lvl="1"/>
+            <a:endParaRPr lang="es-ES_tradnl" dirty="0"/>
+          </a:p>
+          <a:p>
+            <a:pPr marL="0" indent="0">
+              <a:buNone/>
+            </a:pPr>
+            <a:r>
+              <a:rPr lang="es-ES" altLang="es-ES" dirty="0" err="1">
+                <a:latin typeface="Arial Unicode MS"/>
+              </a:rPr>
+              <a:t>group_mean</a:t>
+            </a:r>
+            <a:r>
+              <a:rPr lang="es-ES" altLang="es-ES" dirty="0">
+                <a:latin typeface="Arial Unicode MS"/>
+              </a:rPr>
+              <a:t> &lt;- </a:t>
+            </a:r>
+            <a:r>
+              <a:rPr lang="es-ES" altLang="es-ES" dirty="0" err="1">
+                <a:latin typeface="Arial Unicode MS"/>
+              </a:rPr>
+              <a:t>aggregate</a:t>
+            </a:r>
+            <a:r>
+              <a:rPr lang="es-ES" altLang="es-ES" dirty="0">
+                <a:latin typeface="Arial Unicode MS"/>
+              </a:rPr>
+              <a:t>(</a:t>
+            </a:r>
+            <a:r>
+              <a:rPr lang="es-ES" altLang="es-ES" dirty="0" err="1">
+                <a:latin typeface="Arial Unicode MS"/>
+              </a:rPr>
+              <a:t>df$weight</a:t>
+            </a:r>
+            <a:r>
+              <a:rPr lang="es-ES" altLang="es-ES" dirty="0">
+                <a:latin typeface="Arial Unicode MS"/>
+              </a:rPr>
+              <a:t>, </a:t>
+            </a:r>
+            <a:r>
+              <a:rPr lang="es-ES" altLang="es-ES" dirty="0" err="1">
+                <a:latin typeface="Arial Unicode MS"/>
+              </a:rPr>
+              <a:t>list</a:t>
+            </a:r>
+            <a:r>
+              <a:rPr lang="es-ES" altLang="es-ES" dirty="0">
+                <a:latin typeface="Arial Unicode MS"/>
+              </a:rPr>
+              <a:t>(</a:t>
+            </a:r>
+            <a:r>
+              <a:rPr lang="es-ES" altLang="es-ES" dirty="0" err="1">
+                <a:latin typeface="Arial Unicode MS"/>
+              </a:rPr>
+              <a:t>df$feed</a:t>
+            </a:r>
+            <a:r>
+              <a:rPr lang="es-ES" altLang="es-ES" dirty="0">
+                <a:latin typeface="Arial Unicode MS"/>
+              </a:rPr>
+              <a:t>), mean)</a:t>
+            </a:r>
+          </a:p>
+          <a:p>
+            <a:pPr marL="0" indent="0">
+              <a:buNone/>
+            </a:pPr>
+            <a:r>
+              <a:rPr lang="es-ES" altLang="es-ES" dirty="0" err="1">
+                <a:latin typeface="Arial Unicode MS"/>
+              </a:rPr>
+              <a:t>group_mean</a:t>
+            </a:r>
+            <a:r>
+              <a:rPr lang="es-ES" altLang="es-ES" dirty="0">
+                <a:latin typeface="Arial Unicode MS"/>
+              </a:rPr>
+              <a:t> &lt;- </a:t>
+            </a:r>
+            <a:r>
+              <a:rPr lang="es-ES" altLang="es-ES" dirty="0" err="1">
+                <a:latin typeface="Arial Unicode MS"/>
+              </a:rPr>
+              <a:t>aggregate</a:t>
+            </a:r>
+            <a:r>
+              <a:rPr lang="es-ES" altLang="es-ES" dirty="0">
+                <a:latin typeface="Arial Unicode MS"/>
+              </a:rPr>
+              <a:t>(</a:t>
+            </a:r>
+            <a:r>
+              <a:rPr lang="es-ES" altLang="es-ES" dirty="0" err="1">
+                <a:latin typeface="Arial Unicode MS"/>
+              </a:rPr>
+              <a:t>weight</a:t>
+            </a:r>
+            <a:r>
+              <a:rPr lang="es-ES" altLang="es-ES" dirty="0">
+                <a:latin typeface="Arial Unicode MS"/>
+              </a:rPr>
+              <a:t> ~ </a:t>
+            </a:r>
+            <a:r>
+              <a:rPr lang="es-ES" altLang="es-ES" dirty="0" err="1">
+                <a:latin typeface="Arial Unicode MS"/>
+              </a:rPr>
+              <a:t>feed</a:t>
+            </a:r>
+            <a:r>
+              <a:rPr lang="es-ES" altLang="es-ES" dirty="0">
+                <a:latin typeface="Arial Unicode MS"/>
+              </a:rPr>
+              <a:t>, data = </a:t>
+            </a:r>
+            <a:r>
+              <a:rPr lang="es-ES" altLang="es-ES" dirty="0" err="1">
+                <a:latin typeface="Arial Unicode MS"/>
+              </a:rPr>
+              <a:t>df</a:t>
+            </a:r>
+            <a:r>
+              <a:rPr lang="es-ES" altLang="es-ES" dirty="0">
+                <a:latin typeface="Arial Unicode MS"/>
+              </a:rPr>
+              <a:t>, mean) </a:t>
+            </a:r>
+            <a:endParaRPr lang="es-ES" altLang="es-ES" sz="5400" dirty="0">
+              <a:latin typeface="Arial" panose="020B0604020202020204" pitchFamily="34" charset="0"/>
+            </a:endParaRPr>
+          </a:p>
+          <a:p>
+            <a:pPr marL="0" indent="0">
+              <a:buNone/>
+            </a:pPr>
+            <a:endParaRPr lang="es-ES" dirty="0"/>
           </a:p>
         </p:txBody>
       </p:sp>
@@ -4219,11 +4386,7 @@
           <a:lstStyle/>
           <a:p>
             <a:r>
-              <a:rPr lang="es-ES" dirty="0">
-                <a:highlight>
-                  <a:srgbClr val="FFFF00"/>
-                </a:highlight>
-              </a:rPr>
+              <a:rPr lang="es-ES" dirty="0"/>
               <a:t>lm()</a:t>
             </a:r>
           </a:p>
@@ -4250,7 +4413,95 @@
           <a:bodyPr/>
           <a:lstStyle/>
           <a:p>
-            <a:endParaRPr lang="es-ES"/>
+            <a:r>
+              <a:rPr lang="es-ES_tradnl" dirty="0"/>
+              <a:t>Función para el cálculo de coeficientes de regresión</a:t>
+            </a:r>
+          </a:p>
+          <a:p>
+            <a:endParaRPr lang="es-ES_tradnl" dirty="0"/>
+          </a:p>
+          <a:p>
+            <a:pPr marL="0" indent="0">
+              <a:buNone/>
+            </a:pPr>
+            <a:r>
+              <a:rPr lang="en-US" dirty="0" err="1"/>
+              <a:t>lm</a:t>
+            </a:r>
+            <a:r>
+              <a:rPr lang="en-US" dirty="0"/>
+              <a:t>(</a:t>
+            </a:r>
+            <a:r>
+              <a:rPr lang="en-US" dirty="0" err="1"/>
+              <a:t>Summary_month$Load.kWh</a:t>
+            </a:r>
+            <a:r>
+              <a:rPr lang="en-US" dirty="0"/>
+              <a:t> ~ </a:t>
+            </a:r>
+            <a:r>
+              <a:rPr lang="en-US" dirty="0" err="1"/>
+              <a:t>Summary_month$HDD</a:t>
+            </a:r>
+            <a:r>
+              <a:rPr lang="en-US" dirty="0"/>
+              <a:t>)</a:t>
+            </a:r>
+          </a:p>
+          <a:p>
+            <a:pPr marL="0" indent="0">
+              <a:buNone/>
+            </a:pPr>
+            <a:endParaRPr lang="en-US" dirty="0"/>
+          </a:p>
+          <a:p>
+            <a:r>
+              <a:rPr lang="en-US" dirty="0"/>
+              <a:t>Forzando </a:t>
+            </a:r>
+            <a:r>
+              <a:rPr lang="en-US" dirty="0" err="1"/>
+              <a:t>intersección</a:t>
+            </a:r>
+            <a:r>
+              <a:rPr lang="en-US" dirty="0"/>
+              <a:t> </a:t>
+            </a:r>
+            <a:r>
+              <a:rPr lang="en-US" dirty="0" err="1"/>
+              <a:t>en</a:t>
+            </a:r>
+            <a:r>
+              <a:rPr lang="en-US" dirty="0"/>
+              <a:t> 0</a:t>
+            </a:r>
+          </a:p>
+          <a:p>
+            <a:pPr marL="0" indent="0">
+              <a:buNone/>
+            </a:pPr>
+            <a:r>
+              <a:rPr lang="en-US" dirty="0" err="1"/>
+              <a:t>lm</a:t>
+            </a:r>
+            <a:r>
+              <a:rPr lang="en-US" dirty="0"/>
+              <a:t>(</a:t>
+            </a:r>
+            <a:r>
+              <a:rPr lang="en-US" dirty="0" err="1"/>
+              <a:t>Summary_month$Load.kWh</a:t>
+            </a:r>
+            <a:r>
+              <a:rPr lang="en-US" dirty="0"/>
+              <a:t> ~ Summary_month$HDD+0)</a:t>
+            </a:r>
+            <a:endParaRPr lang="es-ES_tradnl" dirty="0"/>
+          </a:p>
+          <a:p>
+            <a:endParaRPr lang="es-ES" dirty="0"/>
           </a:p>
         </p:txBody>
       </p:sp>
@@ -4289,7 +4540,7 @@
           <p:cNvPr id="2" name="Título 1">
             <a:extLst>
               <a:ext uri="{FF2B5EF4-FFF2-40B4-BE49-F238E27FC236}">
-                <a16:creationId xmlns:a16="http://schemas.microsoft.com/office/drawing/2014/main" id="{78911189-F904-439D-BA2C-BFE40DEA1DE2}"/>
+                <a16:creationId xmlns:a16="http://schemas.microsoft.com/office/drawing/2014/main" id="{2183F28B-5C9A-4383-BBBA-902B64A38B7B}"/>
               </a:ext>
             </a:extLst>
           </p:cNvPr>
@@ -4306,22 +4557,22 @@
           <a:lstStyle/>
           <a:p>
             <a:r>
-              <a:rPr lang="es-ES" dirty="0">
-                <a:highlight>
-                  <a:srgbClr val="FFFF00"/>
-                </a:highlight>
-              </a:rPr>
-              <a:t>Grafica Q-Q</a:t>
-            </a:r>
-          </a:p>
-        </p:txBody>
-      </p:sp>
-      <p:sp>
-        <p:nvSpPr>
-          <p:cNvPr id="4" name="Marcador de contenido 3">
+              <a:rPr lang="es-ES" dirty="0" err="1"/>
+              <a:t>predict</a:t>
+            </a:r>
+            <a:r>
+              <a:rPr lang="es-ES" dirty="0"/>
+              <a:t>()</a:t>
+            </a:r>
+          </a:p>
+        </p:txBody>
+      </p:sp>
+      <p:sp>
+        <p:nvSpPr>
+          <p:cNvPr id="3" name="Marcador de contenido 2">
             <a:extLst>
               <a:ext uri="{FF2B5EF4-FFF2-40B4-BE49-F238E27FC236}">
-                <a16:creationId xmlns:a16="http://schemas.microsoft.com/office/drawing/2014/main" id="{A74D9D20-8892-42F1-AC0F-F5F07C391125}"/>
+                <a16:creationId xmlns:a16="http://schemas.microsoft.com/office/drawing/2014/main" id="{02D7F58E-B2A8-49CF-BACF-BAB8CFC774CE}"/>
               </a:ext>
             </a:extLst>
           </p:cNvPr>
@@ -4334,17 +4585,112 @@
         </p:nvSpPr>
         <p:spPr/>
         <p:txBody>
-          <a:bodyPr/>
-          <a:lstStyle/>
-          <a:p>
-            <a:endParaRPr lang="es-ES"/>
+          <a:bodyPr>
+            <a:normAutofit fontScale="92500" lnSpcReduction="20000"/>
+          </a:bodyPr>
+          <a:lstStyle/>
+          <a:p>
+            <a:r>
+              <a:rPr lang="es-ES_tradnl" dirty="0"/>
+              <a:t>Se emplea para aplicar un modelo calibrado sobre otra serie de datos.</a:t>
+            </a:r>
+          </a:p>
+          <a:p>
+            <a:pPr marL="514350" indent="-514350">
+              <a:buAutoNum type="arabicPeriod"/>
+            </a:pPr>
+            <a:r>
+              <a:rPr lang="es-ES_tradnl" dirty="0"/>
+              <a:t>Se predice un modelo.</a:t>
+            </a:r>
+          </a:p>
+          <a:p>
+            <a:pPr lvl="1"/>
+            <a:r>
+              <a:rPr lang="es-ES_tradnl" dirty="0"/>
+              <a:t>Datos del año 1</a:t>
+            </a:r>
+          </a:p>
+          <a:p>
+            <a:pPr lvl="2"/>
+            <a:r>
+              <a:rPr lang="es-ES_tradnl" dirty="0"/>
+              <a:t>Se conoce el clima y la carga</a:t>
+            </a:r>
+          </a:p>
+          <a:p>
+            <a:pPr lvl="1"/>
+            <a:r>
+              <a:rPr lang="es-ES_tradnl" dirty="0"/>
+              <a:t>Se obtienen los coeficientes</a:t>
+            </a:r>
+          </a:p>
+          <a:p>
+            <a:pPr lvl="2"/>
+            <a:r>
+              <a:rPr lang="es-ES_tradnl" dirty="0"/>
+              <a:t>Por ejemplo con lm()</a:t>
+            </a:r>
+          </a:p>
+          <a:p>
+            <a:pPr marL="514350" indent="-514350">
+              <a:buFont typeface="+mj-lt"/>
+              <a:buAutoNum type="arabicPeriod"/>
+            </a:pPr>
+            <a:r>
+              <a:rPr lang="es-ES" dirty="0"/>
+              <a:t>Se proyecta un modelo</a:t>
+            </a:r>
+          </a:p>
+          <a:p>
+            <a:pPr lvl="1"/>
+            <a:r>
+              <a:rPr lang="es-ES_tradnl" dirty="0"/>
+              <a:t>Datos del año 2</a:t>
+            </a:r>
+          </a:p>
+          <a:p>
+            <a:pPr lvl="2"/>
+            <a:r>
+              <a:rPr lang="es-ES_tradnl" dirty="0"/>
+              <a:t>Se conoce el clima</a:t>
+            </a:r>
+          </a:p>
+          <a:p>
+            <a:pPr lvl="1"/>
+            <a:r>
+              <a:rPr lang="es-ES_tradnl" dirty="0"/>
+              <a:t>Coeficientes obtenidos en el año 1</a:t>
+            </a:r>
+          </a:p>
+          <a:p>
+            <a:pPr lvl="1"/>
+            <a:r>
+              <a:rPr lang="es-ES_tradnl" dirty="0"/>
+              <a:t>Se estiman las cargas</a:t>
+            </a:r>
+          </a:p>
+          <a:p>
+            <a:pPr lvl="2"/>
+            <a:r>
+              <a:rPr lang="es-ES_tradnl" dirty="0"/>
+              <a:t>Con </a:t>
+            </a:r>
+            <a:r>
+              <a:rPr lang="es-ES_tradnl" dirty="0" err="1"/>
+              <a:t>predict</a:t>
+            </a:r>
+            <a:r>
+              <a:rPr lang="es-ES_tradnl" dirty="0"/>
+              <a:t>()</a:t>
+            </a:r>
           </a:p>
         </p:txBody>
       </p:sp>
     </p:spTree>
     <p:extLst>
       <p:ext uri="{BB962C8B-B14F-4D97-AF65-F5344CB8AC3E}">
-        <p14:creationId xmlns:p14="http://schemas.microsoft.com/office/powerpoint/2010/main" val="2626982128"/>
+        <p14:creationId xmlns:p14="http://schemas.microsoft.com/office/powerpoint/2010/main" val="1881463716"/>
       </p:ext>
     </p:extLst>
   </p:cSld>
@@ -4424,7 +4770,11 @@
           <a:bodyPr/>
           <a:lstStyle/>
           <a:p>
-            <a:endParaRPr lang="es-ES"/>
+            <a:r>
+              <a:rPr lang="es-ES_tradnl" dirty="0"/>
+              <a:t>Carga (Q) vs Tiempo (t)</a:t>
+            </a:r>
+            <a:endParaRPr lang="es-ES" dirty="0"/>
           </a:p>
         </p:txBody>
       </p:sp>
@@ -4590,7 +4940,7 @@
           <p:cNvPr id="2" name="Título 1">
             <a:extLst>
               <a:ext uri="{FF2B5EF4-FFF2-40B4-BE49-F238E27FC236}">
-                <a16:creationId xmlns:a16="http://schemas.microsoft.com/office/drawing/2014/main" id="{2183F28B-5C9A-4383-BBBA-902B64A38B7B}"/>
+                <a16:creationId xmlns:a16="http://schemas.microsoft.com/office/drawing/2014/main" id="{257DDC4C-8E59-48AA-9A4F-08F7C598D17D}"/>
               </a:ext>
             </a:extLst>
           </p:cNvPr>
@@ -4607,21 +4957,18 @@
           <a:lstStyle/>
           <a:p>
             <a:r>
-              <a:rPr lang="es-ES" dirty="0" err="1">
+              <a:rPr lang="es-ES_tradnl" dirty="0">
                 <a:highlight>
                   <a:srgbClr val="FFFF00"/>
                 </a:highlight>
               </a:rPr>
-              <a:t>Predict</a:t>
-            </a:r>
-            <a:r>
-              <a:rPr lang="es-ES" dirty="0">
-                <a:highlight>
-                  <a:srgbClr val="FFFF00"/>
-                </a:highlight>
-              </a:rPr>
-              <a:t>()</a:t>
-            </a:r>
+              <a:t>Grafica Q-T</a:t>
+            </a:r>
+            <a:endParaRPr lang="es-ES" dirty="0">
+              <a:highlight>
+                <a:srgbClr val="FFFF00"/>
+              </a:highlight>
+            </a:endParaRPr>
           </a:p>
         </p:txBody>
       </p:sp>
@@ -4630,7 +4977,7 @@
           <p:cNvPr id="3" name="Marcador de contenido 2">
             <a:extLst>
               <a:ext uri="{FF2B5EF4-FFF2-40B4-BE49-F238E27FC236}">
-                <a16:creationId xmlns:a16="http://schemas.microsoft.com/office/drawing/2014/main" id="{02D7F58E-B2A8-49CF-BACF-BAB8CFC774CE}"/>
+                <a16:creationId xmlns:a16="http://schemas.microsoft.com/office/drawing/2014/main" id="{A971AEFC-292E-45E0-9C61-9AB8AF71D593}"/>
               </a:ext>
             </a:extLst>
           </p:cNvPr>
@@ -4646,14 +4993,18 @@
           <a:bodyPr/>
           <a:lstStyle/>
           <a:p>
-            <a:endParaRPr lang="es-ES"/>
+            <a:r>
+              <a:rPr lang="es-ES_tradnl" dirty="0"/>
+              <a:t>Carga (Q) vs Temperatura (T)</a:t>
+            </a:r>
+            <a:endParaRPr lang="es-ES" dirty="0"/>
           </a:p>
         </p:txBody>
       </p:sp>
     </p:spTree>
     <p:extLst>
       <p:ext uri="{BB962C8B-B14F-4D97-AF65-F5344CB8AC3E}">
-        <p14:creationId xmlns:p14="http://schemas.microsoft.com/office/powerpoint/2010/main" val="1881463716"/>
+        <p14:creationId xmlns:p14="http://schemas.microsoft.com/office/powerpoint/2010/main" val="1393315176"/>
       </p:ext>
     </p:extLst>
   </p:cSld>
@@ -4685,7 +5036,7 @@
           <p:cNvPr id="2" name="Título 1">
             <a:extLst>
               <a:ext uri="{FF2B5EF4-FFF2-40B4-BE49-F238E27FC236}">
-                <a16:creationId xmlns:a16="http://schemas.microsoft.com/office/drawing/2014/main" id="{7AA7784B-A5CB-4BC9-BAD7-AC16D02BE565}"/>
+                <a16:creationId xmlns:a16="http://schemas.microsoft.com/office/drawing/2014/main" id="{78911189-F904-439D-BA2C-BFE40DEA1DE2}"/>
               </a:ext>
             </a:extLst>
           </p:cNvPr>
@@ -4702,138 +5053,49 @@
           <a:lstStyle/>
           <a:p>
             <a:r>
-              <a:rPr lang="en-GB" dirty="0"/>
-              <a:t>ASHRAE Changepoint </a:t>
-            </a:r>
-            <a:r>
-              <a:rPr lang="es-ES" dirty="0"/>
-              <a:t>[Script 3]</a:t>
-            </a:r>
-            <a:endParaRPr lang="en-GB" dirty="0"/>
-          </a:p>
-        </p:txBody>
-      </p:sp>
-      <p:sp>
-        <p:nvSpPr>
-          <p:cNvPr id="3" name="Marcador de contenido 2">
-            <a:extLst>
-              <a:ext uri="{FF2B5EF4-FFF2-40B4-BE49-F238E27FC236}">
-                <a16:creationId xmlns:a16="http://schemas.microsoft.com/office/drawing/2014/main" id="{52181411-16DD-4714-8888-AA3FCFE00BA5}"/>
-              </a:ext>
-            </a:extLst>
-          </p:cNvPr>
-          <p:cNvSpPr>
-            <a:spLocks noGrp="1"/>
-          </p:cNvSpPr>
-          <p:nvPr>
-            <p:ph idx="1"/>
-          </p:nvPr>
-        </p:nvSpPr>
-        <p:spPr/>
-        <p:txBody>
-          <a:bodyPr>
-            <a:normAutofit/>
-          </a:bodyPr>
-          <a:lstStyle/>
-          <a:p>
-            <a:pPr marL="0" indent="0">
-              <a:buNone/>
-            </a:pPr>
-            <a:r>
-              <a:rPr lang="es-ES" sz="11500" dirty="0"/>
-              <a:t>[SCRIPT3]</a:t>
-            </a:r>
-          </a:p>
-          <a:p>
-            <a:pPr marL="0" indent="0">
-              <a:buNone/>
-            </a:pPr>
-            <a:r>
-              <a:rPr lang="es-ES" sz="1600" dirty="0">
+              <a:rPr lang="es-ES" dirty="0">
                 <a:highlight>
                   <a:srgbClr val="FFFF00"/>
                 </a:highlight>
               </a:rPr>
-              <a:t>1. Instalación y activación de librerías</a:t>
-            </a:r>
-          </a:p>
-          <a:p>
-            <a:pPr marL="0" indent="0">
-              <a:buNone/>
-            </a:pPr>
-            <a:r>
-              <a:rPr lang="es-ES" sz="1600" dirty="0">
-                <a:highlight>
-                  <a:srgbClr val="FFFF00"/>
-                </a:highlight>
-              </a:rPr>
-              <a:t>2. Apertura de 1 archivo CSV</a:t>
-            </a:r>
-          </a:p>
-          <a:p>
-            <a:pPr marL="0" indent="0">
-              <a:buNone/>
-            </a:pPr>
-            <a:r>
-              <a:rPr lang="es-ES" sz="1600" dirty="0">
-                <a:highlight>
-                  <a:srgbClr val="FFFF00"/>
-                </a:highlight>
-              </a:rPr>
-              <a:t>3. Calculo de </a:t>
-            </a:r>
-            <a:r>
-              <a:rPr lang="es-ES" sz="1600" dirty="0" err="1">
-                <a:highlight>
-                  <a:srgbClr val="FFFF00"/>
-                </a:highlight>
-              </a:rPr>
-              <a:t>Heating</a:t>
-            </a:r>
-            <a:r>
-              <a:rPr lang="es-ES" sz="1600" dirty="0">
-                <a:highlight>
-                  <a:srgbClr val="FFFF00"/>
-                </a:highlight>
-              </a:rPr>
-              <a:t> </a:t>
-            </a:r>
-            <a:r>
-              <a:rPr lang="es-ES" sz="1600" dirty="0" err="1">
-                <a:highlight>
-                  <a:srgbClr val="FFFF00"/>
-                </a:highlight>
-              </a:rPr>
-              <a:t>Degree</a:t>
-            </a:r>
-            <a:r>
-              <a:rPr lang="es-ES" sz="1600" dirty="0">
-                <a:highlight>
-                  <a:srgbClr val="FFFF00"/>
-                </a:highlight>
-              </a:rPr>
-              <a:t> </a:t>
-            </a:r>
-            <a:r>
-              <a:rPr lang="es-ES" sz="1600" dirty="0" err="1">
-                <a:highlight>
-                  <a:srgbClr val="FFFF00"/>
-                </a:highlight>
-              </a:rPr>
-              <a:t>Days</a:t>
-            </a:r>
-            <a:endParaRPr lang="en-GB" sz="11500" dirty="0">
-              <a:highlight>
-                <a:srgbClr val="FFFF00"/>
-              </a:highlight>
-            </a:endParaRPr>
+              <a:t>Grafica Q-Q</a:t>
+            </a:r>
+          </a:p>
+        </p:txBody>
+      </p:sp>
+      <p:sp>
+        <p:nvSpPr>
+          <p:cNvPr id="4" name="Marcador de contenido 3">
+            <a:extLst>
+              <a:ext uri="{FF2B5EF4-FFF2-40B4-BE49-F238E27FC236}">
+                <a16:creationId xmlns:a16="http://schemas.microsoft.com/office/drawing/2014/main" id="{A74D9D20-8892-42F1-AC0F-F5F07C391125}"/>
+              </a:ext>
+            </a:extLst>
+          </p:cNvPr>
+          <p:cNvSpPr>
+            <a:spLocks noGrp="1"/>
+          </p:cNvSpPr>
+          <p:nvPr>
+            <p:ph idx="1"/>
+          </p:nvPr>
+        </p:nvSpPr>
+        <p:spPr/>
+        <p:txBody>
+          <a:bodyPr/>
+          <a:lstStyle/>
+          <a:p>
+            <a:r>
+              <a:rPr lang="es-ES_tradnl" dirty="0"/>
+              <a:t>Carga del modelo (Q) vs Carga real (Q)</a:t>
+            </a:r>
+            <a:endParaRPr lang="es-ES" dirty="0"/>
           </a:p>
         </p:txBody>
       </p:sp>
     </p:spTree>
     <p:extLst>
       <p:ext uri="{BB962C8B-B14F-4D97-AF65-F5344CB8AC3E}">
-        <p14:creationId xmlns:p14="http://schemas.microsoft.com/office/powerpoint/2010/main" val="3522853494"/>
+        <p14:creationId xmlns:p14="http://schemas.microsoft.com/office/powerpoint/2010/main" val="2626982128"/>
       </p:ext>
     </p:extLst>
   </p:cSld>
@@ -4865,7 +5127,7 @@
           <p:cNvPr id="2" name="Título 1">
             <a:extLst>
               <a:ext uri="{FF2B5EF4-FFF2-40B4-BE49-F238E27FC236}">
-                <a16:creationId xmlns:a16="http://schemas.microsoft.com/office/drawing/2014/main" id="{2183F28B-5C9A-4383-BBBA-902B64A38B7B}"/>
+                <a16:creationId xmlns:a16="http://schemas.microsoft.com/office/drawing/2014/main" id="{7AA7784B-A5CB-4BC9-BAD7-AC16D02BE565}"/>
               </a:ext>
             </a:extLst>
           </p:cNvPr>
@@ -4882,53 +5144,138 @@
           <a:lstStyle/>
           <a:p>
             <a:r>
-              <a:rPr lang="es-ES" dirty="0" err="1">
+              <a:rPr lang="en-GB" dirty="0"/>
+              <a:t>ASHRAE Changepoint </a:t>
+            </a:r>
+            <a:r>
+              <a:rPr lang="es-ES" dirty="0"/>
+              <a:t>[Script 3]</a:t>
+            </a:r>
+            <a:endParaRPr lang="en-GB" dirty="0"/>
+          </a:p>
+        </p:txBody>
+      </p:sp>
+      <p:sp>
+        <p:nvSpPr>
+          <p:cNvPr id="3" name="Marcador de contenido 2">
+            <a:extLst>
+              <a:ext uri="{FF2B5EF4-FFF2-40B4-BE49-F238E27FC236}">
+                <a16:creationId xmlns:a16="http://schemas.microsoft.com/office/drawing/2014/main" id="{52181411-16DD-4714-8888-AA3FCFE00BA5}"/>
+              </a:ext>
+            </a:extLst>
+          </p:cNvPr>
+          <p:cNvSpPr>
+            <a:spLocks noGrp="1"/>
+          </p:cNvSpPr>
+          <p:nvPr>
+            <p:ph idx="1"/>
+          </p:nvPr>
+        </p:nvSpPr>
+        <p:spPr/>
+        <p:txBody>
+          <a:bodyPr>
+            <a:normAutofit/>
+          </a:bodyPr>
+          <a:lstStyle/>
+          <a:p>
+            <a:pPr marL="0" indent="0">
+              <a:buNone/>
+            </a:pPr>
+            <a:r>
+              <a:rPr lang="es-ES" sz="11500" dirty="0"/>
+              <a:t>[SCRIPT3]</a:t>
+            </a:r>
+          </a:p>
+          <a:p>
+            <a:pPr marL="0" indent="0">
+              <a:buNone/>
+            </a:pPr>
+            <a:r>
+              <a:rPr lang="es-ES" sz="1600" dirty="0">
                 <a:highlight>
                   <a:srgbClr val="FFFF00"/>
                 </a:highlight>
               </a:rPr>
-              <a:t>function</a:t>
-            </a:r>
-            <a:r>
-              <a:rPr lang="es-ES" dirty="0">
+              <a:t>1. Instalación y activación de librerías</a:t>
+            </a:r>
+          </a:p>
+          <a:p>
+            <a:pPr marL="0" indent="0">
+              <a:buNone/>
+            </a:pPr>
+            <a:r>
+              <a:rPr lang="es-ES" sz="1600" dirty="0">
                 <a:highlight>
                   <a:srgbClr val="FFFF00"/>
                 </a:highlight>
               </a:rPr>
-              <a:t>()</a:t>
-            </a:r>
-          </a:p>
-        </p:txBody>
-      </p:sp>
-      <p:sp>
-        <p:nvSpPr>
-          <p:cNvPr id="3" name="Marcador de contenido 2">
-            <a:extLst>
-              <a:ext uri="{FF2B5EF4-FFF2-40B4-BE49-F238E27FC236}">
-                <a16:creationId xmlns:a16="http://schemas.microsoft.com/office/drawing/2014/main" id="{02D7F58E-B2A8-49CF-BACF-BAB8CFC774CE}"/>
-              </a:ext>
-            </a:extLst>
-          </p:cNvPr>
-          <p:cNvSpPr>
-            <a:spLocks noGrp="1"/>
-          </p:cNvSpPr>
-          <p:nvPr>
-            <p:ph idx="1"/>
-          </p:nvPr>
-        </p:nvSpPr>
-        <p:spPr/>
-        <p:txBody>
-          <a:bodyPr/>
-          <a:lstStyle/>
-          <a:p>
-            <a:endParaRPr lang="es-ES"/>
+              <a:t>2. Apertura de 1 archivo CSV</a:t>
+            </a:r>
+          </a:p>
+          <a:p>
+            <a:pPr marL="0" indent="0">
+              <a:buNone/>
+            </a:pPr>
+            <a:r>
+              <a:rPr lang="es-ES" sz="1600" dirty="0">
+                <a:highlight>
+                  <a:srgbClr val="FFFF00"/>
+                </a:highlight>
+              </a:rPr>
+              <a:t>3. Calculo de </a:t>
+            </a:r>
+            <a:r>
+              <a:rPr lang="es-ES" sz="1600" dirty="0" err="1">
+                <a:highlight>
+                  <a:srgbClr val="FFFF00"/>
+                </a:highlight>
+              </a:rPr>
+              <a:t>Heating</a:t>
+            </a:r>
+            <a:r>
+              <a:rPr lang="es-ES" sz="1600" dirty="0">
+                <a:highlight>
+                  <a:srgbClr val="FFFF00"/>
+                </a:highlight>
+              </a:rPr>
+              <a:t> </a:t>
+            </a:r>
+            <a:r>
+              <a:rPr lang="es-ES" sz="1600" dirty="0" err="1">
+                <a:highlight>
+                  <a:srgbClr val="FFFF00"/>
+                </a:highlight>
+              </a:rPr>
+              <a:t>Degree</a:t>
+            </a:r>
+            <a:r>
+              <a:rPr lang="es-ES" sz="1600" dirty="0">
+                <a:highlight>
+                  <a:srgbClr val="FFFF00"/>
+                </a:highlight>
+              </a:rPr>
+              <a:t> </a:t>
+            </a:r>
+            <a:r>
+              <a:rPr lang="es-ES" sz="1600" dirty="0" err="1">
+                <a:highlight>
+                  <a:srgbClr val="FFFF00"/>
+                </a:highlight>
+              </a:rPr>
+              <a:t>Days</a:t>
+            </a:r>
+            <a:endParaRPr lang="en-GB" sz="11500" dirty="0">
+              <a:highlight>
+                <a:srgbClr val="FFFF00"/>
+              </a:highlight>
+            </a:endParaRPr>
           </a:p>
         </p:txBody>
       </p:sp>
     </p:spTree>
     <p:extLst>
       <p:ext uri="{BB962C8B-B14F-4D97-AF65-F5344CB8AC3E}">
-        <p14:creationId xmlns:p14="http://schemas.microsoft.com/office/powerpoint/2010/main" val="1697033936"/>
+        <p14:creationId xmlns:p14="http://schemas.microsoft.com/office/powerpoint/2010/main" val="3522853494"/>
       </p:ext>
     </p:extLst>
   </p:cSld>
@@ -4977,22 +5324,22 @@
           <a:lstStyle/>
           <a:p>
             <a:r>
-              <a:rPr lang="es-ES" dirty="0">
-                <a:highlight>
-                  <a:srgbClr val="FFFF00"/>
-                </a:highlight>
-              </a:rPr>
-              <a:t>R2 &amp; MAE</a:t>
-            </a:r>
-          </a:p>
-        </p:txBody>
-      </p:sp>
-      <p:sp>
-        <p:nvSpPr>
-          <p:cNvPr id="3" name="Marcador de contenido 2">
+              <a:rPr lang="es-ES" dirty="0" err="1"/>
+              <a:t>function</a:t>
+            </a:r>
+            <a:r>
+              <a:rPr lang="es-ES" dirty="0"/>
+              <a:t>()</a:t>
+            </a:r>
+          </a:p>
+        </p:txBody>
+      </p:sp>
+      <p:sp>
+        <p:nvSpPr>
+          <p:cNvPr id="4" name="Marcador de contenido 2">
             <a:extLst>
               <a:ext uri="{FF2B5EF4-FFF2-40B4-BE49-F238E27FC236}">
-                <a16:creationId xmlns:a16="http://schemas.microsoft.com/office/drawing/2014/main" id="{02D7F58E-B2A8-49CF-BACF-BAB8CFC774CE}"/>
+                <a16:creationId xmlns:a16="http://schemas.microsoft.com/office/drawing/2014/main" id="{C6FB961F-A781-4266-9B70-291BEB6DA4AB}"/>
               </a:ext>
             </a:extLst>
           </p:cNvPr>
@@ -5003,25 +5350,872 @@
             <p:ph idx="1"/>
           </p:nvPr>
         </p:nvSpPr>
-        <p:spPr/>
-        <p:txBody>
-          <a:bodyPr/>
-          <a:lstStyle/>
-          <a:p>
-            <a:endParaRPr lang="es-ES"/>
-          </a:p>
-        </p:txBody>
-      </p:sp>
+        <p:spPr>
+          <a:xfrm>
+            <a:off x="838200" y="1825626"/>
+            <a:ext cx="10515600" cy="4014736"/>
+          </a:xfrm>
+        </p:spPr>
+        <p:txBody>
+          <a:bodyPr>
+            <a:normAutofit fontScale="92500" lnSpcReduction="10000"/>
+          </a:bodyPr>
+          <a:lstStyle/>
+          <a:p>
+            <a:pPr marL="0" indent="0">
+              <a:buNone/>
+            </a:pPr>
+            <a:r>
+              <a:rPr lang="en-GB" dirty="0" err="1"/>
+              <a:t>sumario_carga_mes</a:t>
+            </a:r>
+            <a:r>
+              <a:rPr lang="en-GB" dirty="0"/>
+              <a:t>&lt;- function(</a:t>
+            </a:r>
+            <a:r>
+              <a:rPr lang="en-GB" dirty="0" err="1"/>
+              <a:t>dataset,month</a:t>
+            </a:r>
+            <a:r>
+              <a:rPr lang="en-GB" dirty="0"/>
+              <a:t>)</a:t>
+            </a:r>
+          </a:p>
+          <a:p>
+            <a:pPr marL="0" indent="0">
+              <a:buNone/>
+            </a:pPr>
+            <a:r>
+              <a:rPr lang="en-GB" dirty="0"/>
+              <a:t>{</a:t>
+            </a:r>
+          </a:p>
+          <a:p>
+            <a:pPr marL="0" indent="0">
+              <a:buNone/>
+            </a:pPr>
+            <a:r>
+              <a:rPr lang="en-GB" dirty="0"/>
+              <a:t> 	subset		&lt;- dataset[</a:t>
+            </a:r>
+            <a:r>
+              <a:rPr lang="en-GB" dirty="0" err="1"/>
+              <a:t>dataset$Month</a:t>
+            </a:r>
+            <a:r>
+              <a:rPr lang="en-GB" dirty="0"/>
+              <a:t>==month,]</a:t>
+            </a:r>
+          </a:p>
+          <a:p>
+            <a:pPr marL="0" indent="0">
+              <a:buNone/>
+            </a:pPr>
+            <a:r>
+              <a:rPr lang="en-GB" dirty="0"/>
+              <a:t>	MIN		&lt;-min(</a:t>
+            </a:r>
+            <a:r>
+              <a:rPr lang="en-GB" dirty="0" err="1"/>
+              <a:t>subset$Power.kW</a:t>
+            </a:r>
+            <a:r>
+              <a:rPr lang="en-GB" dirty="0"/>
+              <a:t>.)</a:t>
+            </a:r>
+          </a:p>
+          <a:p>
+            <a:pPr marL="0" indent="0">
+              <a:buNone/>
+            </a:pPr>
+            <a:r>
+              <a:rPr lang="en-GB" dirty="0"/>
+              <a:t>	MEAN		&lt;-mean(</a:t>
+            </a:r>
+            <a:r>
+              <a:rPr lang="en-GB" dirty="0" err="1"/>
+              <a:t>subset$Power.kW</a:t>
+            </a:r>
+            <a:r>
+              <a:rPr lang="en-GB" dirty="0"/>
+              <a:t>.)</a:t>
+            </a:r>
+          </a:p>
+          <a:p>
+            <a:pPr marL="0" indent="0">
+              <a:buNone/>
+            </a:pPr>
+            <a:r>
+              <a:rPr lang="en-GB" dirty="0"/>
+              <a:t>	MAX		&lt;-max(</a:t>
+            </a:r>
+            <a:r>
+              <a:rPr lang="en-GB" dirty="0" err="1"/>
+              <a:t>subset$Power.kW</a:t>
+            </a:r>
+            <a:r>
+              <a:rPr lang="en-GB" dirty="0"/>
+              <a:t>.)</a:t>
+            </a:r>
+          </a:p>
+          <a:p>
+            <a:pPr marL="0" indent="0">
+              <a:buNone/>
+            </a:pPr>
+            <a:r>
+              <a:rPr lang="en-GB" dirty="0"/>
+              <a:t>	VAR_SALIDA	&lt;-c(MIN, MEAN, MAX)</a:t>
+            </a:r>
+          </a:p>
+          <a:p>
+            <a:pPr marL="0" indent="0">
+              <a:buNone/>
+            </a:pPr>
+            <a:r>
+              <a:rPr lang="en-GB" dirty="0"/>
+              <a:t>	return(VAR_SALIDA)</a:t>
+            </a:r>
+          </a:p>
+          <a:p>
+            <a:pPr marL="0" indent="0">
+              <a:buNone/>
+            </a:pPr>
+            <a:r>
+              <a:rPr lang="en-GB" dirty="0"/>
+              <a:t>}</a:t>
+            </a:r>
+          </a:p>
+        </p:txBody>
+      </p:sp>
+      <p:sp>
+        <p:nvSpPr>
+          <p:cNvPr id="5" name="CuadroTexto 4">
+            <a:extLst>
+              <a:ext uri="{FF2B5EF4-FFF2-40B4-BE49-F238E27FC236}">
+                <a16:creationId xmlns:a16="http://schemas.microsoft.com/office/drawing/2014/main" id="{64EBF576-7C2A-4A81-A92B-D69644060895}"/>
+              </a:ext>
+            </a:extLst>
+          </p:cNvPr>
+          <p:cNvSpPr txBox="1"/>
+          <p:nvPr/>
+        </p:nvSpPr>
+        <p:spPr>
+          <a:xfrm>
+            <a:off x="7810501" y="1155700"/>
+            <a:ext cx="4381500" cy="4801314"/>
+          </a:xfrm>
+          <a:prstGeom prst="rect">
+            <a:avLst/>
+          </a:prstGeom>
+          <a:noFill/>
+        </p:spPr>
+        <p:txBody>
+          <a:bodyPr wrap="square" rtlCol="0">
+            <a:spAutoFit/>
+          </a:bodyPr>
+          <a:lstStyle/>
+          <a:p>
+            <a:r>
+              <a:rPr lang="es-ES" dirty="0">
+                <a:solidFill>
+                  <a:srgbClr val="FF0000"/>
+                </a:solidFill>
+              </a:rPr>
+              <a:t>2 variables de entrada</a:t>
+            </a:r>
+          </a:p>
+          <a:p>
+            <a:endParaRPr lang="es-ES" dirty="0">
+              <a:solidFill>
+                <a:srgbClr val="FF0000"/>
+              </a:solidFill>
+            </a:endParaRPr>
+          </a:p>
+          <a:p>
+            <a:endParaRPr lang="es-ES" dirty="0">
+              <a:solidFill>
+                <a:srgbClr val="FF0000"/>
+              </a:solidFill>
+            </a:endParaRPr>
+          </a:p>
+          <a:p>
+            <a:endParaRPr lang="es-ES" dirty="0">
+              <a:solidFill>
+                <a:srgbClr val="FF0000"/>
+              </a:solidFill>
+            </a:endParaRPr>
+          </a:p>
+          <a:p>
+            <a:r>
+              <a:rPr lang="es-ES" dirty="0">
+                <a:solidFill>
+                  <a:srgbClr val="FF0000"/>
+                </a:solidFill>
+              </a:rPr>
+              <a:t>Cálculos intermedios</a:t>
+            </a:r>
+          </a:p>
+          <a:p>
+            <a:endParaRPr lang="es-ES" dirty="0">
+              <a:solidFill>
+                <a:srgbClr val="FF0000"/>
+              </a:solidFill>
+            </a:endParaRPr>
+          </a:p>
+          <a:p>
+            <a:endParaRPr lang="es-ES" dirty="0">
+              <a:solidFill>
+                <a:srgbClr val="FF0000"/>
+              </a:solidFill>
+            </a:endParaRPr>
+          </a:p>
+          <a:p>
+            <a:endParaRPr lang="es-ES" dirty="0">
+              <a:solidFill>
+                <a:srgbClr val="FF0000"/>
+              </a:solidFill>
+            </a:endParaRPr>
+          </a:p>
+          <a:p>
+            <a:endParaRPr lang="es-ES" dirty="0">
+              <a:solidFill>
+                <a:srgbClr val="FF0000"/>
+              </a:solidFill>
+            </a:endParaRPr>
+          </a:p>
+          <a:p>
+            <a:endParaRPr lang="es-ES" dirty="0">
+              <a:solidFill>
+                <a:srgbClr val="FF0000"/>
+              </a:solidFill>
+            </a:endParaRPr>
+          </a:p>
+          <a:p>
+            <a:endParaRPr lang="es-ES" dirty="0">
+              <a:solidFill>
+                <a:srgbClr val="FF0000"/>
+              </a:solidFill>
+            </a:endParaRPr>
+          </a:p>
+          <a:p>
+            <a:endParaRPr lang="es-ES" dirty="0">
+              <a:solidFill>
+                <a:srgbClr val="FF0000"/>
+              </a:solidFill>
+            </a:endParaRPr>
+          </a:p>
+          <a:p>
+            <a:r>
+              <a:rPr lang="es-ES" dirty="0">
+                <a:solidFill>
+                  <a:srgbClr val="FF0000"/>
+                </a:solidFill>
+              </a:rPr>
+              <a:t>Agrupa las variables de salida en un único vector</a:t>
+            </a:r>
+          </a:p>
+          <a:p>
+            <a:r>
+              <a:rPr lang="es-ES" dirty="0">
+                <a:solidFill>
+                  <a:srgbClr val="FF0000"/>
+                </a:solidFill>
+              </a:rPr>
+              <a:t>(podría ser un </a:t>
+            </a:r>
+            <a:r>
+              <a:rPr lang="es-ES" dirty="0" err="1">
+                <a:solidFill>
+                  <a:srgbClr val="FF0000"/>
+                </a:solidFill>
+              </a:rPr>
+              <a:t>dataframe</a:t>
+            </a:r>
+            <a:r>
+              <a:rPr lang="es-ES" dirty="0">
+                <a:solidFill>
+                  <a:srgbClr val="FF0000"/>
+                </a:solidFill>
+              </a:rPr>
+              <a:t>, lista,…)</a:t>
+            </a:r>
+          </a:p>
+          <a:p>
+            <a:endParaRPr lang="es-ES" dirty="0">
+              <a:solidFill>
+                <a:srgbClr val="FF0000"/>
+              </a:solidFill>
+            </a:endParaRPr>
+          </a:p>
+          <a:p>
+            <a:r>
+              <a:rPr lang="es-ES" dirty="0">
+                <a:solidFill>
+                  <a:srgbClr val="FF0000"/>
+                </a:solidFill>
+              </a:rPr>
+              <a:t>Define la salida</a:t>
+            </a:r>
+            <a:endParaRPr lang="en-GB" dirty="0">
+              <a:solidFill>
+                <a:srgbClr val="FF0000"/>
+              </a:solidFill>
+            </a:endParaRPr>
+          </a:p>
+        </p:txBody>
+      </p:sp>
+      <p:cxnSp>
+        <p:nvCxnSpPr>
+          <p:cNvPr id="6" name="Conector recto de flecha 5">
+            <a:extLst>
+              <a:ext uri="{FF2B5EF4-FFF2-40B4-BE49-F238E27FC236}">
+                <a16:creationId xmlns:a16="http://schemas.microsoft.com/office/drawing/2014/main" id="{F129A38E-D8A2-4B3D-B46A-7EF54551D0BC}"/>
+              </a:ext>
+            </a:extLst>
+          </p:cNvPr>
+          <p:cNvCxnSpPr>
+            <a:cxnSpLocks/>
+          </p:cNvCxnSpPr>
+          <p:nvPr/>
+        </p:nvCxnSpPr>
+        <p:spPr>
+          <a:xfrm flipH="1">
+            <a:off x="6972300" y="1346200"/>
+            <a:ext cx="838201" cy="479426"/>
+          </a:xfrm>
+          <a:prstGeom prst="straightConnector1">
+            <a:avLst/>
+          </a:prstGeom>
+          <a:ln>
+            <a:solidFill>
+              <a:srgbClr val="FF0000"/>
+            </a:solidFill>
+            <a:tailEnd type="triangle"/>
+          </a:ln>
+        </p:spPr>
+        <p:style>
+          <a:lnRef idx="1">
+            <a:schemeClr val="accent1"/>
+          </a:lnRef>
+          <a:fillRef idx="0">
+            <a:schemeClr val="accent1"/>
+          </a:fillRef>
+          <a:effectRef idx="0">
+            <a:schemeClr val="accent1"/>
+          </a:effectRef>
+          <a:fontRef idx="minor">
+            <a:schemeClr val="tx1"/>
+          </a:fontRef>
+        </p:style>
+      </p:cxnSp>
+      <p:cxnSp>
+        <p:nvCxnSpPr>
+          <p:cNvPr id="7" name="Conector recto de flecha 6">
+            <a:extLst>
+              <a:ext uri="{FF2B5EF4-FFF2-40B4-BE49-F238E27FC236}">
+                <a16:creationId xmlns:a16="http://schemas.microsoft.com/office/drawing/2014/main" id="{5C406935-7187-4369-A38F-10C7FB5E8FC8}"/>
+              </a:ext>
+            </a:extLst>
+          </p:cNvPr>
+          <p:cNvCxnSpPr>
+            <a:cxnSpLocks/>
+          </p:cNvCxnSpPr>
+          <p:nvPr/>
+        </p:nvCxnSpPr>
+        <p:spPr>
+          <a:xfrm flipH="1">
+            <a:off x="6972300" y="2432050"/>
+            <a:ext cx="838202" cy="239713"/>
+          </a:xfrm>
+          <a:prstGeom prst="straightConnector1">
+            <a:avLst/>
+          </a:prstGeom>
+          <a:ln>
+            <a:solidFill>
+              <a:srgbClr val="FF0000"/>
+            </a:solidFill>
+            <a:tailEnd type="triangle"/>
+          </a:ln>
+        </p:spPr>
+        <p:style>
+          <a:lnRef idx="1">
+            <a:schemeClr val="accent1"/>
+          </a:lnRef>
+          <a:fillRef idx="0">
+            <a:schemeClr val="accent1"/>
+          </a:fillRef>
+          <a:effectRef idx="0">
+            <a:schemeClr val="accent1"/>
+          </a:effectRef>
+          <a:fontRef idx="minor">
+            <a:schemeClr val="tx1"/>
+          </a:fontRef>
+        </p:style>
+      </p:cxnSp>
+      <p:cxnSp>
+        <p:nvCxnSpPr>
+          <p:cNvPr id="8" name="Conector recto de flecha 7">
+            <a:extLst>
+              <a:ext uri="{FF2B5EF4-FFF2-40B4-BE49-F238E27FC236}">
+                <a16:creationId xmlns:a16="http://schemas.microsoft.com/office/drawing/2014/main" id="{B3456F3B-933A-4D92-8F16-5106BDA71F74}"/>
+              </a:ext>
+            </a:extLst>
+          </p:cNvPr>
+          <p:cNvCxnSpPr>
+            <a:cxnSpLocks/>
+          </p:cNvCxnSpPr>
+          <p:nvPr/>
+        </p:nvCxnSpPr>
+        <p:spPr>
+          <a:xfrm flipH="1">
+            <a:off x="6756400" y="4699000"/>
+            <a:ext cx="1054101" cy="0"/>
+          </a:xfrm>
+          <a:prstGeom prst="straightConnector1">
+            <a:avLst/>
+          </a:prstGeom>
+          <a:ln>
+            <a:solidFill>
+              <a:srgbClr val="FF0000"/>
+            </a:solidFill>
+            <a:tailEnd type="triangle"/>
+          </a:ln>
+        </p:spPr>
+        <p:style>
+          <a:lnRef idx="1">
+            <a:schemeClr val="accent1"/>
+          </a:lnRef>
+          <a:fillRef idx="0">
+            <a:schemeClr val="accent1"/>
+          </a:fillRef>
+          <a:effectRef idx="0">
+            <a:schemeClr val="accent1"/>
+          </a:effectRef>
+          <a:fontRef idx="minor">
+            <a:schemeClr val="tx1"/>
+          </a:fontRef>
+        </p:style>
+      </p:cxnSp>
+      <p:cxnSp>
+        <p:nvCxnSpPr>
+          <p:cNvPr id="9" name="Conector recto de flecha 8">
+            <a:extLst>
+              <a:ext uri="{FF2B5EF4-FFF2-40B4-BE49-F238E27FC236}">
+                <a16:creationId xmlns:a16="http://schemas.microsoft.com/office/drawing/2014/main" id="{1D45B188-999B-4697-AFEE-2D2E3CD38D64}"/>
+              </a:ext>
+            </a:extLst>
+          </p:cNvPr>
+          <p:cNvCxnSpPr>
+            <a:cxnSpLocks/>
+          </p:cNvCxnSpPr>
+          <p:nvPr/>
+        </p:nvCxnSpPr>
+        <p:spPr>
+          <a:xfrm flipH="1" flipV="1">
+            <a:off x="4749800" y="5168900"/>
+            <a:ext cx="3060701" cy="533400"/>
+          </a:xfrm>
+          <a:prstGeom prst="straightConnector1">
+            <a:avLst/>
+          </a:prstGeom>
+          <a:ln>
+            <a:solidFill>
+              <a:srgbClr val="FF0000"/>
+            </a:solidFill>
+            <a:tailEnd type="triangle"/>
+          </a:ln>
+        </p:spPr>
+        <p:style>
+          <a:lnRef idx="1">
+            <a:schemeClr val="accent1"/>
+          </a:lnRef>
+          <a:fillRef idx="0">
+            <a:schemeClr val="accent1"/>
+          </a:fillRef>
+          <a:effectRef idx="0">
+            <a:schemeClr val="accent1"/>
+          </a:effectRef>
+          <a:fontRef idx="minor">
+            <a:schemeClr val="tx1"/>
+          </a:fontRef>
+        </p:style>
+      </p:cxnSp>
     </p:spTree>
     <p:extLst>
       <p:ext uri="{BB962C8B-B14F-4D97-AF65-F5344CB8AC3E}">
-        <p14:creationId xmlns:p14="http://schemas.microsoft.com/office/powerpoint/2010/main" val="3390969382"/>
+        <p14:creationId xmlns:p14="http://schemas.microsoft.com/office/powerpoint/2010/main" val="1697033936"/>
       </p:ext>
     </p:extLst>
   </p:cSld>
   <p:clrMapOvr>
     <a:masterClrMapping/>
   </p:clrMapOvr>
+  <p:timing>
+    <p:tnLst>
+      <p:par>
+        <p:cTn id="1" dur="indefinite" restart="never" nodeType="tmRoot">
+          <p:childTnLst>
+            <p:seq concurrent="1" nextAc="seek">
+              <p:cTn id="2" dur="indefinite" nodeType="mainSeq">
+                <p:childTnLst>
+                  <p:par>
+                    <p:cTn id="3" fill="hold">
+                      <p:stCondLst>
+                        <p:cond delay="indefinite"/>
+                      </p:stCondLst>
+                      <p:childTnLst>
+                        <p:par>
+                          <p:cTn id="4" fill="hold">
+                            <p:stCondLst>
+                              <p:cond delay="0"/>
+                            </p:stCondLst>
+                            <p:childTnLst>
+                              <p:par>
+                                <p:cTn id="5" presetID="1" presetClass="entr" presetSubtype="0" fill="hold" nodeType="clickEffect">
+                                  <p:stCondLst>
+                                    <p:cond delay="0"/>
+                                  </p:stCondLst>
+                                  <p:childTnLst>
+                                    <p:set>
+                                      <p:cBhvr>
+                                        <p:cTn id="6" dur="1" fill="hold">
+                                          <p:stCondLst>
+                                            <p:cond delay="0"/>
+                                          </p:stCondLst>
+                                        </p:cTn>
+                                        <p:tgtEl>
+                                          <p:spTgt spid="5">
+                                            <p:txEl>
+                                              <p:pRg st="0" end="0"/>
+                                            </p:txEl>
+                                          </p:spTgt>
+                                        </p:tgtEl>
+                                        <p:attrNameLst>
+                                          <p:attrName>style.visibility</p:attrName>
+                                        </p:attrNameLst>
+                                      </p:cBhvr>
+                                      <p:to>
+                                        <p:strVal val="visible"/>
+                                      </p:to>
+                                    </p:set>
+                                  </p:childTnLst>
+                                </p:cTn>
+                              </p:par>
+                              <p:par>
+                                <p:cTn id="7" presetID="1" presetClass="entr" presetSubtype="0" fill="hold" nodeType="withEffect">
+                                  <p:stCondLst>
+                                    <p:cond delay="0"/>
+                                  </p:stCondLst>
+                                  <p:childTnLst>
+                                    <p:set>
+                                      <p:cBhvr>
+                                        <p:cTn id="8" dur="1" fill="hold">
+                                          <p:stCondLst>
+                                            <p:cond delay="0"/>
+                                          </p:stCondLst>
+                                        </p:cTn>
+                                        <p:tgtEl>
+                                          <p:spTgt spid="6"/>
+                                        </p:tgtEl>
+                                        <p:attrNameLst>
+                                          <p:attrName>style.visibility</p:attrName>
+                                        </p:attrNameLst>
+                                      </p:cBhvr>
+                                      <p:to>
+                                        <p:strVal val="visible"/>
+                                      </p:to>
+                                    </p:set>
+                                  </p:childTnLst>
+                                </p:cTn>
+                              </p:par>
+                            </p:childTnLst>
+                          </p:cTn>
+                        </p:par>
+                      </p:childTnLst>
+                    </p:cTn>
+                  </p:par>
+                  <p:par>
+                    <p:cTn id="9" fill="hold">
+                      <p:stCondLst>
+                        <p:cond delay="indefinite"/>
+                      </p:stCondLst>
+                      <p:childTnLst>
+                        <p:par>
+                          <p:cTn id="10" fill="hold">
+                            <p:stCondLst>
+                              <p:cond delay="0"/>
+                            </p:stCondLst>
+                            <p:childTnLst>
+                              <p:par>
+                                <p:cTn id="11" presetID="1" presetClass="entr" presetSubtype="0" fill="hold" nodeType="clickEffect">
+                                  <p:stCondLst>
+                                    <p:cond delay="0"/>
+                                  </p:stCondLst>
+                                  <p:childTnLst>
+                                    <p:set>
+                                      <p:cBhvr>
+                                        <p:cTn id="12" dur="1" fill="hold">
+                                          <p:stCondLst>
+                                            <p:cond delay="0"/>
+                                          </p:stCondLst>
+                                        </p:cTn>
+                                        <p:tgtEl>
+                                          <p:spTgt spid="5">
+                                            <p:txEl>
+                                              <p:pRg st="4" end="4"/>
+                                            </p:txEl>
+                                          </p:spTgt>
+                                        </p:tgtEl>
+                                        <p:attrNameLst>
+                                          <p:attrName>style.visibility</p:attrName>
+                                        </p:attrNameLst>
+                                      </p:cBhvr>
+                                      <p:to>
+                                        <p:strVal val="visible"/>
+                                      </p:to>
+                                    </p:set>
+                                  </p:childTnLst>
+                                </p:cTn>
+                              </p:par>
+                              <p:par>
+                                <p:cTn id="13" presetID="1" presetClass="entr" presetSubtype="0" fill="hold" nodeType="withEffect">
+                                  <p:stCondLst>
+                                    <p:cond delay="0"/>
+                                  </p:stCondLst>
+                                  <p:childTnLst>
+                                    <p:set>
+                                      <p:cBhvr>
+                                        <p:cTn id="14" dur="1" fill="hold">
+                                          <p:stCondLst>
+                                            <p:cond delay="0"/>
+                                          </p:stCondLst>
+                                        </p:cTn>
+                                        <p:tgtEl>
+                                          <p:spTgt spid="7"/>
+                                        </p:tgtEl>
+                                        <p:attrNameLst>
+                                          <p:attrName>style.visibility</p:attrName>
+                                        </p:attrNameLst>
+                                      </p:cBhvr>
+                                      <p:to>
+                                        <p:strVal val="visible"/>
+                                      </p:to>
+                                    </p:set>
+                                  </p:childTnLst>
+                                </p:cTn>
+                              </p:par>
+                            </p:childTnLst>
+                          </p:cTn>
+                        </p:par>
+                      </p:childTnLst>
+                    </p:cTn>
+                  </p:par>
+                  <p:par>
+                    <p:cTn id="15" fill="hold">
+                      <p:stCondLst>
+                        <p:cond delay="indefinite"/>
+                      </p:stCondLst>
+                      <p:childTnLst>
+                        <p:par>
+                          <p:cTn id="16" fill="hold">
+                            <p:stCondLst>
+                              <p:cond delay="0"/>
+                            </p:stCondLst>
+                            <p:childTnLst>
+                              <p:par>
+                                <p:cTn id="17" presetID="1" presetClass="entr" presetSubtype="0" fill="hold" nodeType="clickEffect">
+                                  <p:stCondLst>
+                                    <p:cond delay="0"/>
+                                  </p:stCondLst>
+                                  <p:childTnLst>
+                                    <p:set>
+                                      <p:cBhvr>
+                                        <p:cTn id="18" dur="1" fill="hold">
+                                          <p:stCondLst>
+                                            <p:cond delay="0"/>
+                                          </p:stCondLst>
+                                        </p:cTn>
+                                        <p:tgtEl>
+                                          <p:spTgt spid="5">
+                                            <p:txEl>
+                                              <p:pRg st="12" end="12"/>
+                                            </p:txEl>
+                                          </p:spTgt>
+                                        </p:tgtEl>
+                                        <p:attrNameLst>
+                                          <p:attrName>style.visibility</p:attrName>
+                                        </p:attrNameLst>
+                                      </p:cBhvr>
+                                      <p:to>
+                                        <p:strVal val="visible"/>
+                                      </p:to>
+                                    </p:set>
+                                  </p:childTnLst>
+                                </p:cTn>
+                              </p:par>
+                              <p:par>
+                                <p:cTn id="19" presetID="1" presetClass="entr" presetSubtype="0" fill="hold" nodeType="withEffect">
+                                  <p:stCondLst>
+                                    <p:cond delay="0"/>
+                                  </p:stCondLst>
+                                  <p:childTnLst>
+                                    <p:set>
+                                      <p:cBhvr>
+                                        <p:cTn id="20" dur="1" fill="hold">
+                                          <p:stCondLst>
+                                            <p:cond delay="0"/>
+                                          </p:stCondLst>
+                                        </p:cTn>
+                                        <p:tgtEl>
+                                          <p:spTgt spid="5">
+                                            <p:txEl>
+                                              <p:pRg st="13" end="13"/>
+                                            </p:txEl>
+                                          </p:spTgt>
+                                        </p:tgtEl>
+                                        <p:attrNameLst>
+                                          <p:attrName>style.visibility</p:attrName>
+                                        </p:attrNameLst>
+                                      </p:cBhvr>
+                                      <p:to>
+                                        <p:strVal val="visible"/>
+                                      </p:to>
+                                    </p:set>
+                                  </p:childTnLst>
+                                </p:cTn>
+                              </p:par>
+                              <p:par>
+                                <p:cTn id="21" presetID="1" presetClass="entr" presetSubtype="0" fill="hold" nodeType="withEffect">
+                                  <p:stCondLst>
+                                    <p:cond delay="0"/>
+                                  </p:stCondLst>
+                                  <p:childTnLst>
+                                    <p:set>
+                                      <p:cBhvr>
+                                        <p:cTn id="22" dur="1" fill="hold">
+                                          <p:stCondLst>
+                                            <p:cond delay="0"/>
+                                          </p:stCondLst>
+                                        </p:cTn>
+                                        <p:tgtEl>
+                                          <p:spTgt spid="8"/>
+                                        </p:tgtEl>
+                                        <p:attrNameLst>
+                                          <p:attrName>style.visibility</p:attrName>
+                                        </p:attrNameLst>
+                                      </p:cBhvr>
+                                      <p:to>
+                                        <p:strVal val="visible"/>
+                                      </p:to>
+                                    </p:set>
+                                  </p:childTnLst>
+                                </p:cTn>
+                              </p:par>
+                            </p:childTnLst>
+                          </p:cTn>
+                        </p:par>
+                      </p:childTnLst>
+                    </p:cTn>
+                  </p:par>
+                  <p:par>
+                    <p:cTn id="23" fill="hold">
+                      <p:stCondLst>
+                        <p:cond delay="indefinite"/>
+                      </p:stCondLst>
+                      <p:childTnLst>
+                        <p:par>
+                          <p:cTn id="24" fill="hold">
+                            <p:stCondLst>
+                              <p:cond delay="0"/>
+                            </p:stCondLst>
+                            <p:childTnLst>
+                              <p:par>
+                                <p:cTn id="25" presetID="1" presetClass="entr" presetSubtype="0" fill="hold" nodeType="clickEffect">
+                                  <p:stCondLst>
+                                    <p:cond delay="0"/>
+                                  </p:stCondLst>
+                                  <p:childTnLst>
+                                    <p:set>
+                                      <p:cBhvr>
+                                        <p:cTn id="26" dur="1" fill="hold">
+                                          <p:stCondLst>
+                                            <p:cond delay="0"/>
+                                          </p:stCondLst>
+                                        </p:cTn>
+                                        <p:tgtEl>
+                                          <p:spTgt spid="5">
+                                            <p:txEl>
+                                              <p:pRg st="15" end="15"/>
+                                            </p:txEl>
+                                          </p:spTgt>
+                                        </p:tgtEl>
+                                        <p:attrNameLst>
+                                          <p:attrName>style.visibility</p:attrName>
+                                        </p:attrNameLst>
+                                      </p:cBhvr>
+                                      <p:to>
+                                        <p:strVal val="visible"/>
+                                      </p:to>
+                                    </p:set>
+                                  </p:childTnLst>
+                                </p:cTn>
+                              </p:par>
+                              <p:par>
+                                <p:cTn id="27" presetID="1" presetClass="entr" presetSubtype="0" fill="hold" nodeType="withEffect">
+                                  <p:stCondLst>
+                                    <p:cond delay="0"/>
+                                  </p:stCondLst>
+                                  <p:childTnLst>
+                                    <p:set>
+                                      <p:cBhvr>
+                                        <p:cTn id="28" dur="1" fill="hold">
+                                          <p:stCondLst>
+                                            <p:cond delay="0"/>
+                                          </p:stCondLst>
+                                        </p:cTn>
+                                        <p:tgtEl>
+                                          <p:spTgt spid="9"/>
+                                        </p:tgtEl>
+                                        <p:attrNameLst>
+                                          <p:attrName>style.visibility</p:attrName>
+                                        </p:attrNameLst>
+                                      </p:cBhvr>
+                                      <p:to>
+                                        <p:strVal val="visible"/>
+                                      </p:to>
+                                    </p:set>
+                                  </p:childTnLst>
+                                </p:cTn>
+                              </p:par>
+                            </p:childTnLst>
+                          </p:cTn>
+                        </p:par>
+                      </p:childTnLst>
+                    </p:cTn>
+                  </p:par>
+                </p:childTnLst>
+              </p:cTn>
+              <p:prevCondLst>
+                <p:cond evt="onPrev" delay="0">
+                  <p:tgtEl>
+                    <p:sldTgt/>
+                  </p:tgtEl>
+                </p:cond>
+              </p:prevCondLst>
+              <p:nextCondLst>
+                <p:cond evt="onNext" delay="0">
+                  <p:tgtEl>
+                    <p:sldTgt/>
+                  </p:tgtEl>
+                </p:cond>
+              </p:nextCondLst>
+            </p:seq>
+          </p:childTnLst>
+        </p:cTn>
+      </p:par>
+    </p:tnLst>
+  </p:timing>
 </p:sld>
 </file>
 
@@ -5064,20 +6258,8 @@
           <a:lstStyle/>
           <a:p>
             <a:r>
-              <a:rPr lang="es-ES" dirty="0" err="1">
-                <a:highlight>
-                  <a:srgbClr val="FFFF00"/>
-                </a:highlight>
-              </a:rPr>
-              <a:t>quantile</a:t>
-            </a:r>
-            <a:r>
-              <a:rPr lang="es-ES" dirty="0">
-                <a:highlight>
-                  <a:srgbClr val="FFFF00"/>
-                </a:highlight>
-              </a:rPr>
-              <a:t>()</a:t>
+              <a:rPr lang="es-ES" dirty="0"/>
+              <a:t>R2 &amp; MAE</a:t>
             </a:r>
           </a:p>
         </p:txBody>
@@ -5098,19 +6280,171 @@
             <p:ph idx="1"/>
           </p:nvPr>
         </p:nvSpPr>
-        <p:spPr/>
+        <p:spPr>
+          <a:xfrm>
+            <a:off x="838200" y="1825626"/>
+            <a:ext cx="5219193" cy="4014736"/>
+          </a:xfrm>
+        </p:spPr>
         <p:txBody>
           <a:bodyPr/>
           <a:lstStyle/>
           <a:p>
-            <a:endParaRPr lang="es-ES"/>
-          </a:p>
-        </p:txBody>
-      </p:sp>
+            <a:r>
+              <a:rPr lang="es-ES_tradnl" dirty="0"/>
+              <a:t>MAE (Mean Absolute Error)</a:t>
+            </a:r>
+          </a:p>
+          <a:p>
+            <a:pPr lvl="1"/>
+            <a:r>
+              <a:rPr lang="es-ES_tradnl" dirty="0"/>
+              <a:t>Indicativo del error global</a:t>
+            </a:r>
+          </a:p>
+          <a:p>
+            <a:pPr lvl="1"/>
+            <a:endParaRPr lang="es-ES_tradnl" dirty="0"/>
+          </a:p>
+          <a:p>
+            <a:pPr marL="457200" lvl="1" indent="0">
+              <a:buNone/>
+            </a:pPr>
+            <a:endParaRPr lang="es-ES_tradnl" dirty="0"/>
+          </a:p>
+          <a:p>
+            <a:r>
+              <a:rPr lang="es-ES_tradnl" dirty="0"/>
+              <a:t>R2.</a:t>
+            </a:r>
+          </a:p>
+          <a:p>
+            <a:pPr lvl="1"/>
+            <a:r>
+              <a:rPr lang="es-ES_tradnl" dirty="0"/>
+              <a:t>Capacidad del modelo de explicar los datos (0-1)</a:t>
+            </a:r>
+          </a:p>
+          <a:p>
+            <a:pPr lvl="1"/>
+            <a:r>
+              <a:rPr lang="es-ES_tradnl" dirty="0"/>
+              <a:t>Indicativo de la dispersión del modelo</a:t>
+            </a:r>
+            <a:endParaRPr lang="es-ES" dirty="0"/>
+          </a:p>
+        </p:txBody>
+      </p:sp>
+      <p:pic>
+        <p:nvPicPr>
+          <p:cNvPr id="4" name="Imagen 3">
+            <a:extLst>
+              <a:ext uri="{FF2B5EF4-FFF2-40B4-BE49-F238E27FC236}">
+                <a16:creationId xmlns:a16="http://schemas.microsoft.com/office/drawing/2014/main" id="{21362708-3551-4F25-B82D-1A43D4B361E9}"/>
+              </a:ext>
+            </a:extLst>
+          </p:cNvPr>
+          <p:cNvPicPr>
+            <a:picLocks noChangeAspect="1"/>
+          </p:cNvPicPr>
+          <p:nvPr/>
+        </p:nvPicPr>
+        <p:blipFill>
+          <a:blip r:embed="rId2"/>
+          <a:stretch>
+            <a:fillRect/>
+          </a:stretch>
+        </p:blipFill>
+        <p:spPr>
+          <a:xfrm>
+            <a:off x="5901120" y="1825626"/>
+            <a:ext cx="5248275" cy="1076325"/>
+          </a:xfrm>
+          <a:prstGeom prst="rect">
+            <a:avLst/>
+          </a:prstGeom>
+        </p:spPr>
+      </p:pic>
+      <p:sp>
+        <p:nvSpPr>
+          <p:cNvPr id="5" name="Rectángulo 4">
+            <a:extLst>
+              <a:ext uri="{FF2B5EF4-FFF2-40B4-BE49-F238E27FC236}">
+                <a16:creationId xmlns:a16="http://schemas.microsoft.com/office/drawing/2014/main" id="{5A5EAB84-B29D-420B-A68F-41664F81630E}"/>
+              </a:ext>
+            </a:extLst>
+          </p:cNvPr>
+          <p:cNvSpPr/>
+          <p:nvPr/>
+        </p:nvSpPr>
+        <p:spPr>
+          <a:xfrm>
+            <a:off x="3242500" y="6040288"/>
+            <a:ext cx="8353569" cy="646331"/>
+          </a:xfrm>
+          <a:prstGeom prst="rect">
+            <a:avLst/>
+          </a:prstGeom>
+        </p:spPr>
+        <p:txBody>
+          <a:bodyPr wrap="none">
+            <a:spAutoFit/>
+          </a:bodyPr>
+          <a:lstStyle/>
+          <a:p>
+            <a:r>
+              <a:rPr lang="es-ES" dirty="0">
+                <a:hlinkClick r:id="rId3"/>
+              </a:rPr>
+              <a:t>https://en.wikipedia.org/wiki/Mean_absolute_error</a:t>
+            </a:r>
+            <a:endParaRPr lang="es-ES" dirty="0"/>
+          </a:p>
+          <a:p>
+            <a:r>
+              <a:rPr lang="es-ES" dirty="0">
+                <a:hlinkClick r:id="rId4"/>
+              </a:rPr>
+              <a:t>https://stackoverflow.com/questions/40901445/function-to-calculate-r2-r-squared-in-r</a:t>
+            </a:r>
+            <a:endParaRPr lang="es-ES" dirty="0"/>
+          </a:p>
+        </p:txBody>
+      </p:sp>
+      <p:pic>
+        <p:nvPicPr>
+          <p:cNvPr id="7" name="Imagen 6">
+            <a:extLst>
+              <a:ext uri="{FF2B5EF4-FFF2-40B4-BE49-F238E27FC236}">
+                <a16:creationId xmlns:a16="http://schemas.microsoft.com/office/drawing/2014/main" id="{BBAEC950-2498-4F7F-ADA2-273AC15DAA5A}"/>
+              </a:ext>
+            </a:extLst>
+          </p:cNvPr>
+          <p:cNvPicPr>
+            <a:picLocks noChangeAspect="1"/>
+          </p:cNvPicPr>
+          <p:nvPr/>
+        </p:nvPicPr>
+        <p:blipFill>
+          <a:blip r:embed="rId5"/>
+          <a:stretch>
+            <a:fillRect/>
+          </a:stretch>
+        </p:blipFill>
+        <p:spPr>
+          <a:xfrm>
+            <a:off x="6057393" y="3832994"/>
+            <a:ext cx="5092002" cy="848667"/>
+          </a:xfrm>
+          <a:prstGeom prst="rect">
+            <a:avLst/>
+          </a:prstGeom>
+        </p:spPr>
+      </p:pic>
     </p:spTree>
     <p:extLst>
       <p:ext uri="{BB962C8B-B14F-4D97-AF65-F5344CB8AC3E}">
-        <p14:creationId xmlns:p14="http://schemas.microsoft.com/office/powerpoint/2010/main" val="2476114152"/>
+        <p14:creationId xmlns:p14="http://schemas.microsoft.com/office/powerpoint/2010/main" val="3390969382"/>
       </p:ext>
     </p:extLst>
   </p:cSld>
@@ -5142,7 +6476,7 @@
           <p:cNvPr id="2" name="Título 1">
             <a:extLst>
               <a:ext uri="{FF2B5EF4-FFF2-40B4-BE49-F238E27FC236}">
-                <a16:creationId xmlns:a16="http://schemas.microsoft.com/office/drawing/2014/main" id="{801C56BC-4C58-4985-B4CF-5BD463831B5F}"/>
+                <a16:creationId xmlns:a16="http://schemas.microsoft.com/office/drawing/2014/main" id="{2183F28B-5C9A-4383-BBBA-902B64A38B7B}"/>
               </a:ext>
             </a:extLst>
           </p:cNvPr>
@@ -5159,18 +6493,13 @@
           <a:lstStyle/>
           <a:p>
             <a:r>
-              <a:rPr lang="es-ES_tradnl" dirty="0" err="1">
-                <a:highlight>
-                  <a:srgbClr val="FFFF00"/>
-                </a:highlight>
-              </a:rPr>
-              <a:t>Changepoint</a:t>
-            </a:r>
-            <a:endParaRPr lang="es-ES" dirty="0">
-              <a:highlight>
-                <a:srgbClr val="FFFF00"/>
-              </a:highlight>
-            </a:endParaRPr>
+              <a:rPr lang="es-ES" dirty="0" err="1"/>
+              <a:t>quantile</a:t>
+            </a:r>
+            <a:r>
+              <a:rPr lang="es-ES" dirty="0"/>
+              <a:t>()</a:t>
+            </a:r>
           </a:p>
         </p:txBody>
       </p:sp>
@@ -5179,7 +6508,7 @@
           <p:cNvPr id="3" name="Marcador de contenido 2">
             <a:extLst>
               <a:ext uri="{FF2B5EF4-FFF2-40B4-BE49-F238E27FC236}">
-                <a16:creationId xmlns:a16="http://schemas.microsoft.com/office/drawing/2014/main" id="{26FFB6C1-8FA6-4675-A384-3B599AC3F3A5}"/>
+                <a16:creationId xmlns:a16="http://schemas.microsoft.com/office/drawing/2014/main" id="{02D7F58E-B2A8-49CF-BACF-BAB8CFC774CE}"/>
               </a:ext>
             </a:extLst>
           </p:cNvPr>
@@ -5195,14 +6524,76 @@
           <a:bodyPr/>
           <a:lstStyle/>
           <a:p>
-            <a:endParaRPr lang="es-ES"/>
-          </a:p>
-        </p:txBody>
-      </p:sp>
+            <a:r>
+              <a:rPr lang="es-ES_tradnl" dirty="0"/>
+              <a:t>Calcula los cuantiles (percentiles) de una muestra</a:t>
+            </a:r>
+          </a:p>
+          <a:p>
+            <a:r>
+              <a:rPr lang="es-ES_tradnl" dirty="0"/>
+              <a:t>Valor que supera una determinada fracción de una muestra</a:t>
+            </a:r>
+          </a:p>
+          <a:p>
+            <a:endParaRPr lang="es-ES_tradnl" dirty="0"/>
+          </a:p>
+          <a:p>
+            <a:pPr marL="0" indent="0">
+              <a:buNone/>
+            </a:pPr>
+            <a:r>
+              <a:rPr lang="es-ES_tradnl" dirty="0" err="1"/>
+              <a:t>quantile</a:t>
+            </a:r>
+            <a:r>
+              <a:rPr lang="es-ES_tradnl" dirty="0"/>
+              <a:t> (datos, 0.25) 		valor que supera al 25% de la muestra</a:t>
+            </a:r>
+            <a:endParaRPr lang="es-ES" dirty="0"/>
+          </a:p>
+        </p:txBody>
+      </p:sp>
+      <p:pic>
+        <p:nvPicPr>
+          <p:cNvPr id="6" name="Imagen 5" descr="Gráfico, Histograma&#10;&#10;Descripción generada automáticamente">
+            <a:extLst>
+              <a:ext uri="{FF2B5EF4-FFF2-40B4-BE49-F238E27FC236}">
+                <a16:creationId xmlns:a16="http://schemas.microsoft.com/office/drawing/2014/main" id="{71F2A0FE-D7DA-4C5F-8C7C-3FDF311FFCB8}"/>
+              </a:ext>
+            </a:extLst>
+          </p:cNvPr>
+          <p:cNvPicPr>
+            <a:picLocks noChangeAspect="1"/>
+          </p:cNvPicPr>
+          <p:nvPr/>
+        </p:nvPicPr>
+        <p:blipFill>
+          <a:blip r:embed="rId2">
+            <a:extLst>
+              <a:ext uri="{28A0092B-C50C-407E-A947-70E740481C1C}">
+                <a14:useLocalDpi xmlns:a14="http://schemas.microsoft.com/office/drawing/2010/main" val="0"/>
+              </a:ext>
+            </a:extLst>
+          </a:blip>
+          <a:stretch>
+            <a:fillRect/>
+          </a:stretch>
+        </p:blipFill>
+        <p:spPr>
+          <a:xfrm>
+            <a:off x="3311769" y="3905302"/>
+            <a:ext cx="4399085" cy="2741683"/>
+          </a:xfrm>
+          <a:prstGeom prst="rect">
+            <a:avLst/>
+          </a:prstGeom>
+        </p:spPr>
+      </p:pic>
     </p:spTree>
     <p:extLst>
       <p:ext uri="{BB962C8B-B14F-4D97-AF65-F5344CB8AC3E}">
-        <p14:creationId xmlns:p14="http://schemas.microsoft.com/office/powerpoint/2010/main" val="3324831747"/>
+        <p14:creationId xmlns:p14="http://schemas.microsoft.com/office/powerpoint/2010/main" val="2476114152"/>
       </p:ext>
     </p:extLst>
   </p:cSld>
@@ -5234,7 +6625,7 @@
           <p:cNvPr id="2" name="Título 1">
             <a:extLst>
               <a:ext uri="{FF2B5EF4-FFF2-40B4-BE49-F238E27FC236}">
-                <a16:creationId xmlns:a16="http://schemas.microsoft.com/office/drawing/2014/main" id="{DAE7DD4B-587B-4451-B139-20B486818DDC}"/>
+                <a16:creationId xmlns:a16="http://schemas.microsoft.com/office/drawing/2014/main" id="{801C56BC-4C58-4985-B4CF-5BD463831B5F}"/>
               </a:ext>
             </a:extLst>
           </p:cNvPr>
@@ -5256,31 +6647,7 @@
                   <a:srgbClr val="FFFF00"/>
                 </a:highlight>
               </a:rPr>
-              <a:t>max</a:t>
-            </a:r>
-            <a:r>
-              <a:rPr lang="es-ES_tradnl" dirty="0">
-                <a:highlight>
-                  <a:srgbClr val="FFFF00"/>
-                </a:highlight>
-              </a:rPr>
-              <a:t>() vs </a:t>
-            </a:r>
-            <a:r>
-              <a:rPr lang="es-ES_tradnl" dirty="0" err="1">
-                <a:highlight>
-                  <a:srgbClr val="FFFF00"/>
-                </a:highlight>
-              </a:rPr>
-              <a:t>pmax</a:t>
-            </a:r>
-            <a:r>
-              <a:rPr lang="es-ES_tradnl" dirty="0">
-                <a:highlight>
-                  <a:srgbClr val="FFFF00"/>
-                </a:highlight>
-              </a:rPr>
-              <a:t>()</a:t>
+              <a:t>Changepoint</a:t>
             </a:r>
             <a:endParaRPr lang="es-ES" dirty="0">
               <a:highlight>
@@ -5295,7 +6662,7 @@
           <p:cNvPr id="3" name="Marcador de contenido 2">
             <a:extLst>
               <a:ext uri="{FF2B5EF4-FFF2-40B4-BE49-F238E27FC236}">
-                <a16:creationId xmlns:a16="http://schemas.microsoft.com/office/drawing/2014/main" id="{05DE7D79-925A-4B92-9D3C-6DB1010810D1}"/>
+                <a16:creationId xmlns:a16="http://schemas.microsoft.com/office/drawing/2014/main" id="{26FFB6C1-8FA6-4675-A384-3B599AC3F3A5}"/>
               </a:ext>
             </a:extLst>
           </p:cNvPr>
@@ -5311,14 +6678,14 @@
           <a:bodyPr/>
           <a:lstStyle/>
           <a:p>
-            <a:endParaRPr lang="es-ES"/>
+            <a:endParaRPr lang="es-ES" dirty="0"/>
           </a:p>
         </p:txBody>
       </p:sp>
     </p:spTree>
     <p:extLst>
       <p:ext uri="{BB962C8B-B14F-4D97-AF65-F5344CB8AC3E}">
-        <p14:creationId xmlns:p14="http://schemas.microsoft.com/office/powerpoint/2010/main" val="3732996418"/>
+        <p14:creationId xmlns:p14="http://schemas.microsoft.com/office/powerpoint/2010/main" val="3324831747"/>
       </p:ext>
     </p:extLst>
   </p:cSld>
@@ -5350,6 +6717,158 @@
           <p:cNvPr id="2" name="Título 1">
             <a:extLst>
               <a:ext uri="{FF2B5EF4-FFF2-40B4-BE49-F238E27FC236}">
+                <a16:creationId xmlns:a16="http://schemas.microsoft.com/office/drawing/2014/main" id="{DAE7DD4B-587B-4451-B139-20B486818DDC}"/>
+              </a:ext>
+            </a:extLst>
+          </p:cNvPr>
+          <p:cNvSpPr>
+            <a:spLocks noGrp="1"/>
+          </p:cNvSpPr>
+          <p:nvPr>
+            <p:ph type="title"/>
+          </p:nvPr>
+        </p:nvSpPr>
+        <p:spPr/>
+        <p:txBody>
+          <a:bodyPr/>
+          <a:lstStyle/>
+          <a:p>
+            <a:r>
+              <a:rPr lang="es-ES_tradnl" dirty="0" err="1"/>
+              <a:t>max</a:t>
+            </a:r>
+            <a:r>
+              <a:rPr lang="es-ES_tradnl" dirty="0"/>
+              <a:t>() vs </a:t>
+            </a:r>
+            <a:r>
+              <a:rPr lang="es-ES_tradnl" dirty="0" err="1"/>
+              <a:t>pmax</a:t>
+            </a:r>
+            <a:r>
+              <a:rPr lang="es-ES_tradnl" dirty="0"/>
+              <a:t>()</a:t>
+            </a:r>
+            <a:endParaRPr lang="es-ES" dirty="0"/>
+          </a:p>
+        </p:txBody>
+      </p:sp>
+      <p:sp>
+        <p:nvSpPr>
+          <p:cNvPr id="3" name="Marcador de contenido 2">
+            <a:extLst>
+              <a:ext uri="{FF2B5EF4-FFF2-40B4-BE49-F238E27FC236}">
+                <a16:creationId xmlns:a16="http://schemas.microsoft.com/office/drawing/2014/main" id="{05DE7D79-925A-4B92-9D3C-6DB1010810D1}"/>
+              </a:ext>
+            </a:extLst>
+          </p:cNvPr>
+          <p:cNvSpPr>
+            <a:spLocks noGrp="1"/>
+          </p:cNvSpPr>
+          <p:nvPr>
+            <p:ph idx="1"/>
+          </p:nvPr>
+        </p:nvSpPr>
+        <p:spPr/>
+        <p:txBody>
+          <a:bodyPr/>
+          <a:lstStyle/>
+          <a:p>
+            <a:r>
+              <a:rPr lang="es-ES_tradnl" dirty="0" err="1"/>
+              <a:t>max</a:t>
+            </a:r>
+            <a:r>
+              <a:rPr lang="es-ES_tradnl" dirty="0"/>
+              <a:t>	() 		1 valor máximo de un conjunto de datos</a:t>
+            </a:r>
+          </a:p>
+          <a:p>
+            <a:r>
+              <a:rPr lang="es-ES_tradnl" dirty="0" err="1"/>
+              <a:t>pmax</a:t>
+            </a:r>
+            <a:r>
+              <a:rPr lang="es-ES_tradnl" dirty="0"/>
+              <a:t>()</a:t>
+            </a:r>
+          </a:p>
+          <a:p>
+            <a:pPr lvl="1"/>
+            <a:r>
+              <a:rPr lang="es-ES_tradnl" dirty="0"/>
+              <a:t>compara 2 vectores de igual longitud</a:t>
+            </a:r>
+          </a:p>
+          <a:p>
+            <a:pPr lvl="1"/>
+            <a:r>
+              <a:rPr lang="es-ES_tradnl" dirty="0"/>
+              <a:t>Devuelve un vector</a:t>
+            </a:r>
+          </a:p>
+          <a:p>
+            <a:pPr lvl="1"/>
+            <a:r>
+              <a:rPr lang="es-ES_tradnl" dirty="0"/>
+              <a:t>cada valor [i] es igual al valor máximo de las posiciones [i] de los vectores originales</a:t>
+            </a:r>
+          </a:p>
+          <a:p>
+            <a:r>
+              <a:rPr lang="es-ES_tradnl" dirty="0" err="1"/>
+              <a:t>Idem</a:t>
+            </a:r>
+            <a:r>
+              <a:rPr lang="es-ES_tradnl" dirty="0"/>
+              <a:t> con min() vs </a:t>
+            </a:r>
+            <a:r>
+              <a:rPr lang="es-ES_tradnl" dirty="0" err="1"/>
+              <a:t>pmin</a:t>
+            </a:r>
+            <a:r>
+              <a:rPr lang="es-ES_tradnl" dirty="0"/>
+              <a:t>()</a:t>
+            </a:r>
+          </a:p>
+        </p:txBody>
+      </p:sp>
+    </p:spTree>
+    <p:extLst>
+      <p:ext uri="{BB962C8B-B14F-4D97-AF65-F5344CB8AC3E}">
+        <p14:creationId xmlns:p14="http://schemas.microsoft.com/office/powerpoint/2010/main" val="3732996418"/>
+      </p:ext>
+    </p:extLst>
+  </p:cSld>
+  <p:clrMapOvr>
+    <a:masterClrMapping/>
+  </p:clrMapOvr>
+</p:sld>
+</file>
+
+<file path=ppt/slides/slide28.xml><?xml version="1.0" encoding="utf-8"?>
+<p:sld xmlns:a="http://schemas.openxmlformats.org/drawingml/2006/main" xmlns:r="http://schemas.openxmlformats.org/officeDocument/2006/relationships" xmlns:p="http://schemas.openxmlformats.org/presentationml/2006/main">
+  <p:cSld>
+    <p:spTree>
+      <p:nvGrpSpPr>
+        <p:cNvPr id="1" name=""/>
+        <p:cNvGrpSpPr/>
+        <p:nvPr/>
+      </p:nvGrpSpPr>
+      <p:grpSpPr>
+        <a:xfrm>
+          <a:off x="0" y="0"/>
+          <a:ext cx="0" cy="0"/>
+          <a:chOff x="0" y="0"/>
+          <a:chExt cx="0" cy="0"/>
+        </a:xfrm>
+      </p:grpSpPr>
+      <p:sp>
+        <p:nvSpPr>
+          <p:cNvPr id="2" name="Título 1">
+            <a:extLst>
+              <a:ext uri="{FF2B5EF4-FFF2-40B4-BE49-F238E27FC236}">
                 <a16:creationId xmlns:a16="http://schemas.microsoft.com/office/drawing/2014/main" id="{801C56BC-4C58-4985-B4CF-5BD463831B5F}"/>
               </a:ext>
             </a:extLst>
@@ -5420,7 +6939,7 @@
 </p:sld>
 </file>
 
-<file path=ppt/slides/slide28.xml><?xml version="1.0" encoding="utf-8"?>
+<file path=ppt/slides/slide29.xml><?xml version="1.0" encoding="utf-8"?>
 <p:sld xmlns:a="http://schemas.openxmlformats.org/drawingml/2006/main" xmlns:r="http://schemas.openxmlformats.org/officeDocument/2006/relationships" xmlns:p="http://schemas.openxmlformats.org/presentationml/2006/main">
   <p:cSld>
     <p:spTree>
@@ -5506,106 +7025,6 @@
     <p:extLst>
       <p:ext uri="{BB962C8B-B14F-4D97-AF65-F5344CB8AC3E}">
         <p14:creationId xmlns:p14="http://schemas.microsoft.com/office/powerpoint/2010/main" val="2500902547"/>
-      </p:ext>
-    </p:extLst>
-  </p:cSld>
-  <p:clrMapOvr>
-    <a:masterClrMapping/>
-  </p:clrMapOvr>
-</p:sld>
-</file>
-
-<file path=ppt/slides/slide29.xml><?xml version="1.0" encoding="utf-8"?>
-<p:sld xmlns:a="http://schemas.openxmlformats.org/drawingml/2006/main" xmlns:r="http://schemas.openxmlformats.org/officeDocument/2006/relationships" xmlns:p="http://schemas.openxmlformats.org/presentationml/2006/main">
-  <p:cSld>
-    <p:spTree>
-      <p:nvGrpSpPr>
-        <p:cNvPr id="1" name=""/>
-        <p:cNvGrpSpPr/>
-        <p:nvPr/>
-      </p:nvGrpSpPr>
-      <p:grpSpPr>
-        <a:xfrm>
-          <a:off x="0" y="0"/>
-          <a:ext cx="0" cy="0"/>
-          <a:chOff x="0" y="0"/>
-          <a:chExt cx="0" cy="0"/>
-        </a:xfrm>
-      </p:grpSpPr>
-      <p:sp>
-        <p:nvSpPr>
-          <p:cNvPr id="2" name="Título 1">
-            <a:extLst>
-              <a:ext uri="{FF2B5EF4-FFF2-40B4-BE49-F238E27FC236}">
-                <a16:creationId xmlns:a16="http://schemas.microsoft.com/office/drawing/2014/main" id="{7AA7784B-A5CB-4BC9-BAD7-AC16D02BE565}"/>
-              </a:ext>
-            </a:extLst>
-          </p:cNvPr>
-          <p:cNvSpPr>
-            <a:spLocks noGrp="1"/>
-          </p:cNvSpPr>
-          <p:nvPr>
-            <p:ph type="title"/>
-          </p:nvPr>
-        </p:nvSpPr>
-        <p:spPr/>
-        <p:txBody>
-          <a:bodyPr/>
-          <a:lstStyle/>
-          <a:p>
-            <a:r>
-              <a:rPr lang="en-GB" dirty="0"/>
-              <a:t>Variables </a:t>
-            </a:r>
-            <a:r>
-              <a:rPr lang="en-GB" dirty="0" err="1"/>
-              <a:t>Relevantes</a:t>
-            </a:r>
-            <a:endParaRPr lang="en-GB" dirty="0"/>
-          </a:p>
-        </p:txBody>
-      </p:sp>
-      <p:sp>
-        <p:nvSpPr>
-          <p:cNvPr id="3" name="Marcador de contenido 2">
-            <a:extLst>
-              <a:ext uri="{FF2B5EF4-FFF2-40B4-BE49-F238E27FC236}">
-                <a16:creationId xmlns:a16="http://schemas.microsoft.com/office/drawing/2014/main" id="{52181411-16DD-4714-8888-AA3FCFE00BA5}"/>
-              </a:ext>
-            </a:extLst>
-          </p:cNvPr>
-          <p:cNvSpPr>
-            <a:spLocks noGrp="1"/>
-          </p:cNvSpPr>
-          <p:nvPr>
-            <p:ph idx="1"/>
-          </p:nvPr>
-        </p:nvSpPr>
-        <p:spPr/>
-        <p:txBody>
-          <a:bodyPr>
-            <a:normAutofit/>
-          </a:bodyPr>
-          <a:lstStyle/>
-          <a:p>
-            <a:pPr marL="0" indent="0">
-              <a:buNone/>
-            </a:pPr>
-            <a:r>
-              <a:rPr lang="es-ES" sz="11500" dirty="0">
-                <a:highlight>
-                  <a:srgbClr val="FFFF00"/>
-                </a:highlight>
-              </a:rPr>
-              <a:t>TEORIA</a:t>
-            </a:r>
-          </a:p>
-        </p:txBody>
-      </p:sp>
-    </p:spTree>
-    <p:extLst>
-      <p:ext uri="{BB962C8B-B14F-4D97-AF65-F5344CB8AC3E}">
-        <p14:creationId xmlns:p14="http://schemas.microsoft.com/office/powerpoint/2010/main" val="4210259360"/>
       </p:ext>
     </p:extLst>
   </p:cSld>
@@ -6996,14 +8415,6 @@
               <a:rPr lang="en-GB" dirty="0" err="1"/>
               <a:t>Relevantes</a:t>
             </a:r>
-            <a:r>
-              <a:rPr lang="en-GB" dirty="0"/>
-              <a:t> </a:t>
-            </a:r>
-            <a:r>
-              <a:rPr lang="es-ES" dirty="0"/>
-              <a:t>[Script 4]</a:t>
-            </a:r>
             <a:endParaRPr lang="en-GB" dirty="0"/>
           </a:p>
         </p:txBody>
@@ -7035,6 +8446,114 @@
               <a:buNone/>
             </a:pPr>
             <a:r>
+              <a:rPr lang="es-ES" sz="11500" dirty="0">
+                <a:highlight>
+                  <a:srgbClr val="FFFF00"/>
+                </a:highlight>
+              </a:rPr>
+              <a:t>TEORIA</a:t>
+            </a:r>
+          </a:p>
+        </p:txBody>
+      </p:sp>
+    </p:spTree>
+    <p:extLst>
+      <p:ext uri="{BB962C8B-B14F-4D97-AF65-F5344CB8AC3E}">
+        <p14:creationId xmlns:p14="http://schemas.microsoft.com/office/powerpoint/2010/main" val="4210259360"/>
+      </p:ext>
+    </p:extLst>
+  </p:cSld>
+  <p:clrMapOvr>
+    <a:masterClrMapping/>
+  </p:clrMapOvr>
+</p:sld>
+</file>
+
+<file path=ppt/slides/slide31.xml><?xml version="1.0" encoding="utf-8"?>
+<p:sld xmlns:a="http://schemas.openxmlformats.org/drawingml/2006/main" xmlns:r="http://schemas.openxmlformats.org/officeDocument/2006/relationships" xmlns:p="http://schemas.openxmlformats.org/presentationml/2006/main">
+  <p:cSld>
+    <p:spTree>
+      <p:nvGrpSpPr>
+        <p:cNvPr id="1" name=""/>
+        <p:cNvGrpSpPr/>
+        <p:nvPr/>
+      </p:nvGrpSpPr>
+      <p:grpSpPr>
+        <a:xfrm>
+          <a:off x="0" y="0"/>
+          <a:ext cx="0" cy="0"/>
+          <a:chOff x="0" y="0"/>
+          <a:chExt cx="0" cy="0"/>
+        </a:xfrm>
+      </p:grpSpPr>
+      <p:sp>
+        <p:nvSpPr>
+          <p:cNvPr id="2" name="Título 1">
+            <a:extLst>
+              <a:ext uri="{FF2B5EF4-FFF2-40B4-BE49-F238E27FC236}">
+                <a16:creationId xmlns:a16="http://schemas.microsoft.com/office/drawing/2014/main" id="{7AA7784B-A5CB-4BC9-BAD7-AC16D02BE565}"/>
+              </a:ext>
+            </a:extLst>
+          </p:cNvPr>
+          <p:cNvSpPr>
+            <a:spLocks noGrp="1"/>
+          </p:cNvSpPr>
+          <p:nvPr>
+            <p:ph type="title"/>
+          </p:nvPr>
+        </p:nvSpPr>
+        <p:spPr/>
+        <p:txBody>
+          <a:bodyPr/>
+          <a:lstStyle/>
+          <a:p>
+            <a:r>
+              <a:rPr lang="en-GB" dirty="0"/>
+              <a:t>Variables </a:t>
+            </a:r>
+            <a:r>
+              <a:rPr lang="en-GB" dirty="0" err="1"/>
+              <a:t>Relevantes</a:t>
+            </a:r>
+            <a:r>
+              <a:rPr lang="en-GB" dirty="0"/>
+              <a:t> </a:t>
+            </a:r>
+            <a:r>
+              <a:rPr lang="es-ES" dirty="0"/>
+              <a:t>[Script 4]</a:t>
+            </a:r>
+            <a:endParaRPr lang="en-GB" dirty="0"/>
+          </a:p>
+        </p:txBody>
+      </p:sp>
+      <p:sp>
+        <p:nvSpPr>
+          <p:cNvPr id="3" name="Marcador de contenido 2">
+            <a:extLst>
+              <a:ext uri="{FF2B5EF4-FFF2-40B4-BE49-F238E27FC236}">
+                <a16:creationId xmlns:a16="http://schemas.microsoft.com/office/drawing/2014/main" id="{52181411-16DD-4714-8888-AA3FCFE00BA5}"/>
+              </a:ext>
+            </a:extLst>
+          </p:cNvPr>
+          <p:cNvSpPr>
+            <a:spLocks noGrp="1"/>
+          </p:cNvSpPr>
+          <p:nvPr>
+            <p:ph idx="1"/>
+          </p:nvPr>
+        </p:nvSpPr>
+        <p:spPr/>
+        <p:txBody>
+          <a:bodyPr>
+            <a:normAutofit/>
+          </a:bodyPr>
+          <a:lstStyle/>
+          <a:p>
+            <a:pPr marL="0" indent="0">
+              <a:buNone/>
+            </a:pPr>
+            <a:r>
               <a:rPr lang="es-ES" sz="11500" dirty="0"/>
               <a:t>[SCRIPT4]</a:t>
             </a:r>
@@ -7129,6 +8648,106 @@
     <p:extLst>
       <p:ext uri="{BB962C8B-B14F-4D97-AF65-F5344CB8AC3E}">
         <p14:creationId xmlns:p14="http://schemas.microsoft.com/office/powerpoint/2010/main" val="4188609546"/>
+      </p:ext>
+    </p:extLst>
+  </p:cSld>
+  <p:clrMapOvr>
+    <a:masterClrMapping/>
+  </p:clrMapOvr>
+</p:sld>
+</file>
+
+<file path=ppt/slides/slide32.xml><?xml version="1.0" encoding="utf-8"?>
+<p:sld xmlns:a="http://schemas.openxmlformats.org/drawingml/2006/main" xmlns:r="http://schemas.openxmlformats.org/officeDocument/2006/relationships" xmlns:p="http://schemas.openxmlformats.org/presentationml/2006/main">
+  <p:cSld>
+    <p:spTree>
+      <p:nvGrpSpPr>
+        <p:cNvPr id="1" name=""/>
+        <p:cNvGrpSpPr/>
+        <p:nvPr/>
+      </p:nvGrpSpPr>
+      <p:grpSpPr>
+        <a:xfrm>
+          <a:off x="0" y="0"/>
+          <a:ext cx="0" cy="0"/>
+          <a:chOff x="0" y="0"/>
+          <a:chExt cx="0" cy="0"/>
+        </a:xfrm>
+      </p:grpSpPr>
+      <p:sp>
+        <p:nvSpPr>
+          <p:cNvPr id="2" name="Título 1">
+            <a:extLst>
+              <a:ext uri="{FF2B5EF4-FFF2-40B4-BE49-F238E27FC236}">
+                <a16:creationId xmlns:a16="http://schemas.microsoft.com/office/drawing/2014/main" id="{7AA7784B-A5CB-4BC9-BAD7-AC16D02BE565}"/>
+              </a:ext>
+            </a:extLst>
+          </p:cNvPr>
+          <p:cNvSpPr>
+            <a:spLocks noGrp="1"/>
+          </p:cNvSpPr>
+          <p:nvPr>
+            <p:ph type="title"/>
+          </p:nvPr>
+        </p:nvSpPr>
+        <p:spPr/>
+        <p:txBody>
+          <a:bodyPr/>
+          <a:lstStyle/>
+          <a:p>
+            <a:r>
+              <a:rPr lang="en-GB" dirty="0"/>
+              <a:t>Variables </a:t>
+            </a:r>
+            <a:r>
+              <a:rPr lang="en-GB" dirty="0" err="1"/>
+              <a:t>Relevantes</a:t>
+            </a:r>
+            <a:endParaRPr lang="en-GB" dirty="0"/>
+          </a:p>
+        </p:txBody>
+      </p:sp>
+      <p:sp>
+        <p:nvSpPr>
+          <p:cNvPr id="3" name="Marcador de contenido 2">
+            <a:extLst>
+              <a:ext uri="{FF2B5EF4-FFF2-40B4-BE49-F238E27FC236}">
+                <a16:creationId xmlns:a16="http://schemas.microsoft.com/office/drawing/2014/main" id="{52181411-16DD-4714-8888-AA3FCFE00BA5}"/>
+              </a:ext>
+            </a:extLst>
+          </p:cNvPr>
+          <p:cNvSpPr>
+            <a:spLocks noGrp="1"/>
+          </p:cNvSpPr>
+          <p:nvPr>
+            <p:ph idx="1"/>
+          </p:nvPr>
+        </p:nvSpPr>
+        <p:spPr/>
+        <p:txBody>
+          <a:bodyPr>
+            <a:normAutofit/>
+          </a:bodyPr>
+          <a:lstStyle/>
+          <a:p>
+            <a:pPr marL="0" indent="0">
+              <a:buNone/>
+            </a:pPr>
+            <a:r>
+              <a:rPr lang="es-ES" sz="11500" dirty="0">
+                <a:highlight>
+                  <a:srgbClr val="FFFF00"/>
+                </a:highlight>
+              </a:rPr>
+              <a:t>Discusión</a:t>
+            </a:r>
+          </a:p>
+        </p:txBody>
+      </p:sp>
+    </p:spTree>
+    <p:extLst>
+      <p:ext uri="{BB962C8B-B14F-4D97-AF65-F5344CB8AC3E}">
+        <p14:creationId xmlns:p14="http://schemas.microsoft.com/office/powerpoint/2010/main" val="2752339974"/>
       </p:ext>
     </p:extLst>
   </p:cSld>
@@ -7177,11 +8796,7 @@
           <a:lstStyle/>
           <a:p>
             <a:r>
-              <a:rPr lang="es-ES" dirty="0">
-                <a:highlight>
-                  <a:srgbClr val="FFFF00"/>
-                </a:highlight>
-              </a:rPr>
+              <a:rPr lang="es-ES" dirty="0"/>
               <a:t>Datos a utilizar</a:t>
             </a:r>
           </a:p>
@@ -7208,7 +8823,512 @@
           <a:bodyPr/>
           <a:lstStyle/>
           <a:p>
-            <a:endParaRPr lang="es-ES"/>
+            <a:r>
+              <a:rPr lang="en-US" dirty="0" err="1"/>
+              <a:t>Datos</a:t>
+            </a:r>
+            <a:r>
+              <a:rPr lang="en-US" dirty="0"/>
+              <a:t> de un </a:t>
+            </a:r>
+            <a:r>
+              <a:rPr lang="en-US" dirty="0" err="1"/>
+              <a:t>edificio</a:t>
+            </a:r>
+            <a:r>
+              <a:rPr lang="en-US" dirty="0"/>
+              <a:t> </a:t>
+            </a:r>
+            <a:r>
+              <a:rPr lang="en-US" dirty="0" err="1"/>
+              <a:t>en</a:t>
+            </a:r>
+            <a:r>
+              <a:rPr lang="en-US" dirty="0"/>
+              <a:t> Tartu (Estonia)</a:t>
+            </a:r>
+          </a:p>
+          <a:p>
+            <a:pPr lvl="1"/>
+            <a:r>
+              <a:rPr lang="en-US" dirty="0"/>
+              <a:t>Carga </a:t>
+            </a:r>
+            <a:r>
+              <a:rPr lang="en-US" dirty="0" err="1"/>
+              <a:t>térmica</a:t>
+            </a:r>
+            <a:r>
+              <a:rPr lang="en-US" dirty="0"/>
+              <a:t>, </a:t>
+            </a:r>
+            <a:r>
+              <a:rPr lang="en-US" dirty="0" err="1"/>
+              <a:t>horaria</a:t>
+            </a:r>
+            <a:endParaRPr lang="en-US" dirty="0"/>
+          </a:p>
+          <a:p>
+            <a:pPr lvl="1"/>
+            <a:r>
+              <a:rPr lang="en-US" dirty="0" err="1"/>
+              <a:t>Datos</a:t>
+            </a:r>
+            <a:r>
+              <a:rPr lang="en-US" dirty="0"/>
+              <a:t> </a:t>
+            </a:r>
+            <a:r>
+              <a:rPr lang="en-US" dirty="0" err="1"/>
+              <a:t>climáticos</a:t>
+            </a:r>
+            <a:r>
+              <a:rPr lang="en-US" dirty="0"/>
+              <a:t>, </a:t>
+            </a:r>
+            <a:r>
+              <a:rPr lang="en-US" dirty="0" err="1"/>
+              <a:t>horarios</a:t>
+            </a:r>
+            <a:endParaRPr lang="en-US" dirty="0"/>
+          </a:p>
+          <a:p>
+            <a:pPr lvl="1"/>
+            <a:r>
+              <a:rPr lang="en-US" dirty="0" err="1"/>
+              <a:t>Calendario</a:t>
+            </a:r>
+            <a:endParaRPr lang="en-US" dirty="0"/>
+          </a:p>
+          <a:p>
+            <a:endParaRPr lang="es-ES" dirty="0"/>
+          </a:p>
+        </p:txBody>
+      </p:sp>
+      <p:pic>
+        <p:nvPicPr>
+          <p:cNvPr id="12" name="Imagen 11">
+            <a:extLst>
+              <a:ext uri="{FF2B5EF4-FFF2-40B4-BE49-F238E27FC236}">
+                <a16:creationId xmlns:a16="http://schemas.microsoft.com/office/drawing/2014/main" id="{486AA993-0560-4DC5-9FE7-15B2DF228C03}"/>
+              </a:ext>
+            </a:extLst>
+          </p:cNvPr>
+          <p:cNvPicPr>
+            <a:picLocks noChangeAspect="1"/>
+          </p:cNvPicPr>
+          <p:nvPr/>
+        </p:nvPicPr>
+        <p:blipFill rotWithShape="1">
+          <a:blip r:embed="rId2"/>
+          <a:srcRect b="26714"/>
+          <a:stretch/>
+        </p:blipFill>
+        <p:spPr>
+          <a:xfrm>
+            <a:off x="3594986" y="4307203"/>
+            <a:ext cx="8348037" cy="2514601"/>
+          </a:xfrm>
+          <a:prstGeom prst="rect">
+            <a:avLst/>
+          </a:prstGeom>
+        </p:spPr>
+      </p:pic>
+      <p:sp>
+        <p:nvSpPr>
+          <p:cNvPr id="13" name="Rectángulo 12">
+            <a:extLst>
+              <a:ext uri="{FF2B5EF4-FFF2-40B4-BE49-F238E27FC236}">
+                <a16:creationId xmlns:a16="http://schemas.microsoft.com/office/drawing/2014/main" id="{D6C5038F-2CE9-429D-99DB-805B4834FF12}"/>
+              </a:ext>
+            </a:extLst>
+          </p:cNvPr>
+          <p:cNvSpPr/>
+          <p:nvPr/>
+        </p:nvSpPr>
+        <p:spPr>
+          <a:xfrm>
+            <a:off x="3848986" y="3429000"/>
+            <a:ext cx="4412512" cy="3429000"/>
+          </a:xfrm>
+          <a:prstGeom prst="rect">
+            <a:avLst/>
+          </a:prstGeom>
+          <a:noFill/>
+          <a:ln w="57150">
+            <a:solidFill>
+              <a:schemeClr val="accent1"/>
+            </a:solidFill>
+          </a:ln>
+        </p:spPr>
+        <p:style>
+          <a:lnRef idx="2">
+            <a:schemeClr val="accent1">
+              <a:shade val="50000"/>
+            </a:schemeClr>
+          </a:lnRef>
+          <a:fillRef idx="1">
+            <a:schemeClr val="accent1"/>
+          </a:fillRef>
+          <a:effectRef idx="0">
+            <a:schemeClr val="accent1"/>
+          </a:effectRef>
+          <a:fontRef idx="minor">
+            <a:schemeClr val="lt1"/>
+          </a:fontRef>
+        </p:style>
+        <p:txBody>
+          <a:bodyPr rtlCol="0" anchor="t"/>
+          <a:lstStyle/>
+          <a:p>
+            <a:r>
+              <a:rPr lang="es-ES" dirty="0">
+                <a:solidFill>
+                  <a:schemeClr val="accent1">
+                    <a:lumMod val="50000"/>
+                  </a:schemeClr>
+                </a:solidFill>
+              </a:rPr>
+              <a:t>Calendario</a:t>
+            </a:r>
+          </a:p>
+        </p:txBody>
+      </p:sp>
+      <p:sp>
+        <p:nvSpPr>
+          <p:cNvPr id="14" name="Rectángulo 13">
+            <a:extLst>
+              <a:ext uri="{FF2B5EF4-FFF2-40B4-BE49-F238E27FC236}">
+                <a16:creationId xmlns:a16="http://schemas.microsoft.com/office/drawing/2014/main" id="{B88C804F-B1D2-4639-AC69-DC2D1C21A7C7}"/>
+              </a:ext>
+            </a:extLst>
+          </p:cNvPr>
+          <p:cNvSpPr/>
+          <p:nvPr/>
+        </p:nvSpPr>
+        <p:spPr>
+          <a:xfrm>
+            <a:off x="9207795" y="3429000"/>
+            <a:ext cx="2874269" cy="3429000"/>
+          </a:xfrm>
+          <a:prstGeom prst="rect">
+            <a:avLst/>
+          </a:prstGeom>
+          <a:noFill/>
+          <a:ln w="57150">
+            <a:solidFill>
+              <a:schemeClr val="accent1"/>
+            </a:solidFill>
+          </a:ln>
+        </p:spPr>
+        <p:style>
+          <a:lnRef idx="2">
+            <a:schemeClr val="accent1">
+              <a:shade val="50000"/>
+            </a:schemeClr>
+          </a:lnRef>
+          <a:fillRef idx="1">
+            <a:schemeClr val="accent1"/>
+          </a:fillRef>
+          <a:effectRef idx="0">
+            <a:schemeClr val="accent1"/>
+          </a:effectRef>
+          <a:fontRef idx="minor">
+            <a:schemeClr val="lt1"/>
+          </a:fontRef>
+        </p:style>
+        <p:txBody>
+          <a:bodyPr rtlCol="0" anchor="t"/>
+          <a:lstStyle/>
+          <a:p>
+            <a:r>
+              <a:rPr lang="es-ES" dirty="0">
+                <a:solidFill>
+                  <a:schemeClr val="accent1">
+                    <a:lumMod val="50000"/>
+                  </a:schemeClr>
+                </a:solidFill>
+              </a:rPr>
+              <a:t>Clima</a:t>
+            </a:r>
+          </a:p>
+          <a:p>
+            <a:endParaRPr lang="es-ES" dirty="0">
+              <a:solidFill>
+                <a:schemeClr val="accent1">
+                  <a:lumMod val="50000"/>
+                </a:schemeClr>
+              </a:solidFill>
+            </a:endParaRPr>
+          </a:p>
+          <a:p>
+            <a:r>
+              <a:rPr lang="es-ES" dirty="0" err="1">
+                <a:solidFill>
+                  <a:srgbClr val="FF0000"/>
+                </a:solidFill>
+              </a:rPr>
+              <a:t>ºC</a:t>
+            </a:r>
+            <a:r>
+              <a:rPr lang="es-ES" dirty="0">
+                <a:solidFill>
+                  <a:srgbClr val="FF0000"/>
+                </a:solidFill>
+              </a:rPr>
+              <a:t>                                  W/m2</a:t>
+            </a:r>
+          </a:p>
+        </p:txBody>
+      </p:sp>
+      <p:sp>
+        <p:nvSpPr>
+          <p:cNvPr id="15" name="Rectángulo 14">
+            <a:extLst>
+              <a:ext uri="{FF2B5EF4-FFF2-40B4-BE49-F238E27FC236}">
+                <a16:creationId xmlns:a16="http://schemas.microsoft.com/office/drawing/2014/main" id="{9AF5AE3D-5696-462A-88F1-72C667D47748}"/>
+              </a:ext>
+            </a:extLst>
+          </p:cNvPr>
+          <p:cNvSpPr/>
+          <p:nvPr/>
+        </p:nvSpPr>
+        <p:spPr>
+          <a:xfrm>
+            <a:off x="8261498" y="3429000"/>
+            <a:ext cx="946298" cy="3429000"/>
+          </a:xfrm>
+          <a:prstGeom prst="rect">
+            <a:avLst/>
+          </a:prstGeom>
+          <a:noFill/>
+          <a:ln w="57150">
+            <a:solidFill>
+              <a:schemeClr val="accent1"/>
+            </a:solidFill>
+          </a:ln>
+        </p:spPr>
+        <p:style>
+          <a:lnRef idx="2">
+            <a:schemeClr val="accent1">
+              <a:shade val="50000"/>
+            </a:schemeClr>
+          </a:lnRef>
+          <a:fillRef idx="1">
+            <a:schemeClr val="accent1"/>
+          </a:fillRef>
+          <a:effectRef idx="0">
+            <a:schemeClr val="accent1"/>
+          </a:effectRef>
+          <a:fontRef idx="minor">
+            <a:schemeClr val="lt1"/>
+          </a:fontRef>
+        </p:style>
+        <p:txBody>
+          <a:bodyPr rtlCol="0" anchor="t"/>
+          <a:lstStyle/>
+          <a:p>
+            <a:r>
+              <a:rPr lang="es-ES" dirty="0">
+                <a:solidFill>
+                  <a:schemeClr val="accent1">
+                    <a:lumMod val="50000"/>
+                  </a:schemeClr>
+                </a:solidFill>
+              </a:rPr>
+              <a:t>Carga</a:t>
+            </a:r>
+          </a:p>
+          <a:p>
+            <a:r>
+              <a:rPr lang="es-ES" dirty="0">
+                <a:solidFill>
+                  <a:srgbClr val="FF0000"/>
+                </a:solidFill>
+              </a:rPr>
+              <a:t>KW</a:t>
+            </a:r>
+          </a:p>
+          <a:p>
+            <a:r>
+              <a:rPr lang="es-ES" dirty="0">
+                <a:solidFill>
+                  <a:srgbClr val="FF0000"/>
+                </a:solidFill>
+              </a:rPr>
+              <a:t>KWh</a:t>
+            </a:r>
+          </a:p>
+        </p:txBody>
+      </p:sp>
+      <p:cxnSp>
+        <p:nvCxnSpPr>
+          <p:cNvPr id="16" name="Conector recto de flecha 15">
+            <a:extLst>
+              <a:ext uri="{FF2B5EF4-FFF2-40B4-BE49-F238E27FC236}">
+                <a16:creationId xmlns:a16="http://schemas.microsoft.com/office/drawing/2014/main" id="{2BE8C3B8-3868-4043-9E95-4220859F3D53}"/>
+              </a:ext>
+            </a:extLst>
+          </p:cNvPr>
+          <p:cNvCxnSpPr>
+            <a:cxnSpLocks/>
+          </p:cNvCxnSpPr>
+          <p:nvPr/>
+        </p:nvCxnSpPr>
+        <p:spPr>
+          <a:xfrm>
+            <a:off x="4416800" y="5195172"/>
+            <a:ext cx="0" cy="1035586"/>
+          </a:xfrm>
+          <a:prstGeom prst="straightConnector1">
+            <a:avLst/>
+          </a:prstGeom>
+          <a:ln w="76200">
+            <a:solidFill>
+              <a:srgbClr val="FF0000"/>
+            </a:solidFill>
+            <a:tailEnd type="triangle"/>
+          </a:ln>
+        </p:spPr>
+        <p:style>
+          <a:lnRef idx="1">
+            <a:schemeClr val="accent1"/>
+          </a:lnRef>
+          <a:fillRef idx="0">
+            <a:schemeClr val="accent1"/>
+          </a:fillRef>
+          <a:effectRef idx="0">
+            <a:schemeClr val="accent1"/>
+          </a:effectRef>
+          <a:fontRef idx="minor">
+            <a:schemeClr val="tx1"/>
+          </a:fontRef>
+        </p:style>
+      </p:cxnSp>
+      <p:sp>
+        <p:nvSpPr>
+          <p:cNvPr id="17" name="CuadroTexto 16">
+            <a:extLst>
+              <a:ext uri="{FF2B5EF4-FFF2-40B4-BE49-F238E27FC236}">
+                <a16:creationId xmlns:a16="http://schemas.microsoft.com/office/drawing/2014/main" id="{26D13161-283D-42EC-B367-9C2847A49482}"/>
+              </a:ext>
+            </a:extLst>
+          </p:cNvPr>
+          <p:cNvSpPr txBox="1"/>
+          <p:nvPr/>
+        </p:nvSpPr>
+        <p:spPr>
+          <a:xfrm>
+            <a:off x="4577252" y="5195172"/>
+            <a:ext cx="1549335" cy="369332"/>
+          </a:xfrm>
+          <a:prstGeom prst="rect">
+            <a:avLst/>
+          </a:prstGeom>
+          <a:noFill/>
+        </p:spPr>
+        <p:txBody>
+          <a:bodyPr wrap="none" rtlCol="0">
+            <a:spAutoFit/>
+          </a:bodyPr>
+          <a:lstStyle/>
+          <a:p>
+            <a:r>
+              <a:rPr lang="es-ES" dirty="0">
+                <a:solidFill>
+                  <a:srgbClr val="FF0000"/>
+                </a:solidFill>
+              </a:rPr>
+              <a:t>Datos horarios</a:t>
+            </a:r>
+          </a:p>
+        </p:txBody>
+      </p:sp>
+      <p:sp>
+        <p:nvSpPr>
+          <p:cNvPr id="18" name="CuadroTexto 17">
+            <a:extLst>
+              <a:ext uri="{FF2B5EF4-FFF2-40B4-BE49-F238E27FC236}">
+                <a16:creationId xmlns:a16="http://schemas.microsoft.com/office/drawing/2014/main" id="{D808FFA9-3FE8-4272-A4F3-196235B885E0}"/>
+              </a:ext>
+            </a:extLst>
+          </p:cNvPr>
+          <p:cNvSpPr txBox="1"/>
+          <p:nvPr/>
+        </p:nvSpPr>
+        <p:spPr>
+          <a:xfrm>
+            <a:off x="4577252" y="5564504"/>
+            <a:ext cx="2169184" cy="369332"/>
+          </a:xfrm>
+          <a:prstGeom prst="rect">
+            <a:avLst/>
+          </a:prstGeom>
+          <a:noFill/>
+        </p:spPr>
+        <p:txBody>
+          <a:bodyPr wrap="none" rtlCol="0">
+            <a:spAutoFit/>
+          </a:bodyPr>
+          <a:lstStyle/>
+          <a:p>
+            <a:r>
+              <a:rPr lang="es-ES" dirty="0">
+                <a:solidFill>
+                  <a:srgbClr val="FF0000"/>
+                </a:solidFill>
+              </a:rPr>
+              <a:t>Debería haber 8760h</a:t>
+            </a:r>
+          </a:p>
+        </p:txBody>
+      </p:sp>
+      <p:sp>
+        <p:nvSpPr>
+          <p:cNvPr id="19" name="CuadroTexto 18">
+            <a:extLst>
+              <a:ext uri="{FF2B5EF4-FFF2-40B4-BE49-F238E27FC236}">
+                <a16:creationId xmlns:a16="http://schemas.microsoft.com/office/drawing/2014/main" id="{FA308BA2-B310-40CF-B75D-6F87B309B4D3}"/>
+              </a:ext>
+            </a:extLst>
+          </p:cNvPr>
+          <p:cNvSpPr txBox="1"/>
+          <p:nvPr/>
+        </p:nvSpPr>
+        <p:spPr>
+          <a:xfrm>
+            <a:off x="4577252" y="5933836"/>
+            <a:ext cx="6097836" cy="646331"/>
+          </a:xfrm>
+          <a:prstGeom prst="rect">
+            <a:avLst/>
+          </a:prstGeom>
+          <a:noFill/>
+        </p:spPr>
+        <p:txBody>
+          <a:bodyPr wrap="square">
+            <a:spAutoFit/>
+          </a:bodyPr>
+          <a:lstStyle/>
+          <a:p>
+            <a:r>
+              <a:rPr lang="es-ES" dirty="0">
+                <a:solidFill>
+                  <a:srgbClr val="FF0000"/>
+                </a:solidFill>
+              </a:rPr>
+              <a:t>Pero hay algo de pérdida</a:t>
+            </a:r>
+          </a:p>
+          <a:p>
+            <a:r>
+              <a:rPr lang="es-ES" dirty="0">
+                <a:solidFill>
+                  <a:srgbClr val="FF0000"/>
+                </a:solidFill>
+              </a:rPr>
+              <a:t>de información</a:t>
+            </a:r>
           </a:p>
         </p:txBody>
       </p:sp>
@@ -7222,6 +9342,203 @@
   <p:clrMapOvr>
     <a:masterClrMapping/>
   </p:clrMapOvr>
+  <p:timing>
+    <p:tnLst>
+      <p:par>
+        <p:cTn id="1" dur="indefinite" restart="never" nodeType="tmRoot">
+          <p:childTnLst>
+            <p:seq concurrent="1" nextAc="seek">
+              <p:cTn id="2" dur="indefinite" nodeType="mainSeq">
+                <p:childTnLst>
+                  <p:par>
+                    <p:cTn id="3" fill="hold">
+                      <p:stCondLst>
+                        <p:cond delay="indefinite"/>
+                      </p:stCondLst>
+                      <p:childTnLst>
+                        <p:par>
+                          <p:cTn id="4" fill="hold">
+                            <p:stCondLst>
+                              <p:cond delay="0"/>
+                            </p:stCondLst>
+                            <p:childTnLst>
+                              <p:par>
+                                <p:cTn id="5" presetID="1" presetClass="entr" presetSubtype="0" fill="hold" nodeType="clickEffect">
+                                  <p:stCondLst>
+                                    <p:cond delay="0"/>
+                                  </p:stCondLst>
+                                  <p:childTnLst>
+                                    <p:set>
+                                      <p:cBhvr>
+                                        <p:cTn id="6" dur="1" fill="hold">
+                                          <p:stCondLst>
+                                            <p:cond delay="0"/>
+                                          </p:stCondLst>
+                                        </p:cTn>
+                                        <p:tgtEl>
+                                          <p:spTgt spid="16"/>
+                                        </p:tgtEl>
+                                        <p:attrNameLst>
+                                          <p:attrName>style.visibility</p:attrName>
+                                        </p:attrNameLst>
+                                      </p:cBhvr>
+                                      <p:to>
+                                        <p:strVal val="visible"/>
+                                      </p:to>
+                                    </p:set>
+                                  </p:childTnLst>
+                                </p:cTn>
+                              </p:par>
+                              <p:par>
+                                <p:cTn id="7" presetID="1" presetClass="entr" presetSubtype="0" fill="hold" grpId="0" nodeType="withEffect">
+                                  <p:stCondLst>
+                                    <p:cond delay="0"/>
+                                  </p:stCondLst>
+                                  <p:childTnLst>
+                                    <p:set>
+                                      <p:cBhvr>
+                                        <p:cTn id="8" dur="1" fill="hold">
+                                          <p:stCondLst>
+                                            <p:cond delay="0"/>
+                                          </p:stCondLst>
+                                        </p:cTn>
+                                        <p:tgtEl>
+                                          <p:spTgt spid="17"/>
+                                        </p:tgtEl>
+                                        <p:attrNameLst>
+                                          <p:attrName>style.visibility</p:attrName>
+                                        </p:attrNameLst>
+                                      </p:cBhvr>
+                                      <p:to>
+                                        <p:strVal val="visible"/>
+                                      </p:to>
+                                    </p:set>
+                                  </p:childTnLst>
+                                </p:cTn>
+                              </p:par>
+                            </p:childTnLst>
+                          </p:cTn>
+                        </p:par>
+                      </p:childTnLst>
+                    </p:cTn>
+                  </p:par>
+                  <p:par>
+                    <p:cTn id="9" fill="hold">
+                      <p:stCondLst>
+                        <p:cond delay="indefinite"/>
+                      </p:stCondLst>
+                      <p:childTnLst>
+                        <p:par>
+                          <p:cTn id="10" fill="hold">
+                            <p:stCondLst>
+                              <p:cond delay="0"/>
+                            </p:stCondLst>
+                            <p:childTnLst>
+                              <p:par>
+                                <p:cTn id="11" presetID="1" presetClass="entr" presetSubtype="0" fill="hold" grpId="0" nodeType="clickEffect">
+                                  <p:stCondLst>
+                                    <p:cond delay="0"/>
+                                  </p:stCondLst>
+                                  <p:childTnLst>
+                                    <p:set>
+                                      <p:cBhvr>
+                                        <p:cTn id="12" dur="1" fill="hold">
+                                          <p:stCondLst>
+                                            <p:cond delay="0"/>
+                                          </p:stCondLst>
+                                        </p:cTn>
+                                        <p:tgtEl>
+                                          <p:spTgt spid="18"/>
+                                        </p:tgtEl>
+                                        <p:attrNameLst>
+                                          <p:attrName>style.visibility</p:attrName>
+                                        </p:attrNameLst>
+                                      </p:cBhvr>
+                                      <p:to>
+                                        <p:strVal val="visible"/>
+                                      </p:to>
+                                    </p:set>
+                                  </p:childTnLst>
+                                </p:cTn>
+                              </p:par>
+                            </p:childTnLst>
+                          </p:cTn>
+                        </p:par>
+                      </p:childTnLst>
+                    </p:cTn>
+                  </p:par>
+                  <p:par>
+                    <p:cTn id="13" fill="hold">
+                      <p:stCondLst>
+                        <p:cond delay="indefinite"/>
+                      </p:stCondLst>
+                      <p:childTnLst>
+                        <p:par>
+                          <p:cTn id="14" fill="hold">
+                            <p:stCondLst>
+                              <p:cond delay="0"/>
+                            </p:stCondLst>
+                            <p:childTnLst>
+                              <p:par>
+                                <p:cTn id="15" presetID="1" presetClass="entr" presetSubtype="0" fill="hold" grpId="0" nodeType="clickEffect">
+                                  <p:stCondLst>
+                                    <p:cond delay="0"/>
+                                  </p:stCondLst>
+                                  <p:childTnLst>
+                                    <p:set>
+                                      <p:cBhvr>
+                                        <p:cTn id="16" dur="1" fill="hold">
+                                          <p:stCondLst>
+                                            <p:cond delay="0"/>
+                                          </p:stCondLst>
+                                        </p:cTn>
+                                        <p:tgtEl>
+                                          <p:spTgt spid="19"/>
+                                        </p:tgtEl>
+                                        <p:attrNameLst>
+                                          <p:attrName>style.visibility</p:attrName>
+                                        </p:attrNameLst>
+                                      </p:cBhvr>
+                                      <p:to>
+                                        <p:strVal val="visible"/>
+                                      </p:to>
+                                    </p:set>
+                                  </p:childTnLst>
+                                </p:cTn>
+                              </p:par>
+                            </p:childTnLst>
+                          </p:cTn>
+                        </p:par>
+                      </p:childTnLst>
+                    </p:cTn>
+                  </p:par>
+                </p:childTnLst>
+              </p:cTn>
+              <p:prevCondLst>
+                <p:cond evt="onPrev" delay="0">
+                  <p:tgtEl>
+                    <p:sldTgt/>
+                  </p:tgtEl>
+                </p:cond>
+              </p:prevCondLst>
+              <p:nextCondLst>
+                <p:cond evt="onNext" delay="0">
+                  <p:tgtEl>
+                    <p:sldTgt/>
+                  </p:tgtEl>
+                </p:cond>
+              </p:nextCondLst>
+            </p:seq>
+          </p:childTnLst>
+        </p:cTn>
+      </p:par>
+    </p:tnLst>
+    <p:bldLst>
+      <p:bldP spid="17" grpId="0"/>
+      <p:bldP spid="18" grpId="0"/>
+      <p:bldP spid="19" grpId="0"/>
+    </p:bldLst>
+  </p:timing>
 </p:sld>
 </file>
 
@@ -7505,12 +9822,15 @@
             </a:pPr>
             <a:r>
               <a:rPr lang="es-ES" dirty="0">
-                <a:highlight>
-                  <a:srgbClr val="FFFF00"/>
-                </a:highlight>
+                <a:hlinkClick r:id="rId2"/>
               </a:rPr>
-              <a:t>	URL</a:t>
-            </a:r>
+              <a:t>https://github.com/robgaray/PhD_Course_Practice_03.git</a:t>
+            </a:r>
+            <a:endParaRPr lang="es-ES" dirty="0">
+              <a:highlight>
+                <a:srgbClr val="FFFF00"/>
+              </a:highlight>
+            </a:endParaRPr>
           </a:p>
           <a:p>
             <a:r>
@@ -7536,7 +9856,7 @@
           <p:nvPr/>
         </p:nvPicPr>
         <p:blipFill>
-          <a:blip r:embed="rId2"/>
+          <a:blip r:embed="rId3"/>
           <a:stretch>
             <a:fillRect/>
           </a:stretch>
@@ -7549,53 +9869,6 @@
           <a:prstGeom prst="rect">
             <a:avLst/>
           </a:prstGeom>
-        </p:spPr>
-      </p:pic>
-      <p:pic>
-        <p:nvPicPr>
-          <p:cNvPr id="1025" name="Imagen 1">
-            <a:extLst>
-              <a:ext uri="{FF2B5EF4-FFF2-40B4-BE49-F238E27FC236}">
-                <a16:creationId xmlns:a16="http://schemas.microsoft.com/office/drawing/2014/main" id="{5DF226D1-E39F-4C3F-8770-65E5BEE20435}"/>
-              </a:ext>
-            </a:extLst>
-          </p:cNvPr>
-          <p:cNvPicPr>
-            <a:picLocks noChangeAspect="1" noChangeArrowheads="1"/>
-          </p:cNvPicPr>
-          <p:nvPr/>
-        </p:nvPicPr>
-        <p:blipFill>
-          <a:blip r:embed="rId3" cstate="print">
-            <a:extLst>
-              <a:ext uri="{28A0092B-C50C-407E-A947-70E740481C1C}">
-                <a14:useLocalDpi xmlns:a14="http://schemas.microsoft.com/office/drawing/2010/main" val="0"/>
-              </a:ext>
-            </a:extLst>
-          </a:blip>
-          <a:srcRect t="2" b="80882"/>
-          <a:stretch>
-            <a:fillRect/>
-          </a:stretch>
-        </p:blipFill>
-        <p:spPr bwMode="auto">
-          <a:xfrm>
-            <a:off x="0" y="0"/>
-            <a:ext cx="3486150" cy="1781175"/>
-          </a:xfrm>
-          <a:prstGeom prst="rect">
-            <a:avLst/>
-          </a:prstGeom>
-          <a:noFill/>
-          <a:extLst>
-            <a:ext uri="{909E8E84-426E-40DD-AFC4-6F175D3DCCD1}">
-              <a14:hiddenFill xmlns:a14="http://schemas.microsoft.com/office/drawing/2010/main">
-                <a:solidFill>
-                  <a:srgbClr val="FFFFFF"/>
-                </a:solidFill>
-              </a14:hiddenFill>
-            </a:ext>
-          </a:extLst>
         </p:spPr>
       </p:pic>
     </p:spTree>

--- a/1_Presentaciones/Sesion_3_Practica.pptx
+++ b/1_Presentaciones/Sesion_3_Practica.pptx
@@ -9,34 +9,34 @@
     <p:sldId id="282" r:id="rId3"/>
     <p:sldId id="270" r:id="rId4"/>
     <p:sldId id="299" r:id="rId5"/>
-    <p:sldId id="301" r:id="rId6"/>
-    <p:sldId id="271" r:id="rId7"/>
-    <p:sldId id="285" r:id="rId8"/>
-    <p:sldId id="286" r:id="rId9"/>
-    <p:sldId id="283" r:id="rId10"/>
-    <p:sldId id="288" r:id="rId11"/>
-    <p:sldId id="284" r:id="rId12"/>
-    <p:sldId id="287" r:id="rId13"/>
-    <p:sldId id="289" r:id="rId14"/>
-    <p:sldId id="307" r:id="rId15"/>
-    <p:sldId id="275" r:id="rId16"/>
-    <p:sldId id="302" r:id="rId17"/>
-    <p:sldId id="308" r:id="rId18"/>
-    <p:sldId id="311" r:id="rId19"/>
-    <p:sldId id="310" r:id="rId20"/>
-    <p:sldId id="318" r:id="rId21"/>
-    <p:sldId id="309" r:id="rId22"/>
-    <p:sldId id="303" r:id="rId23"/>
-    <p:sldId id="312" r:id="rId24"/>
-    <p:sldId id="313" r:id="rId25"/>
-    <p:sldId id="314" r:id="rId26"/>
-    <p:sldId id="315" r:id="rId27"/>
-    <p:sldId id="317" r:id="rId28"/>
-    <p:sldId id="316" r:id="rId29"/>
-    <p:sldId id="296" r:id="rId30"/>
-    <p:sldId id="305" r:id="rId31"/>
-    <p:sldId id="306" r:id="rId32"/>
-    <p:sldId id="319" r:id="rId33"/>
+    <p:sldId id="271" r:id="rId6"/>
+    <p:sldId id="285" r:id="rId7"/>
+    <p:sldId id="286" r:id="rId8"/>
+    <p:sldId id="283" r:id="rId9"/>
+    <p:sldId id="288" r:id="rId10"/>
+    <p:sldId id="284" r:id="rId11"/>
+    <p:sldId id="287" r:id="rId12"/>
+    <p:sldId id="289" r:id="rId13"/>
+    <p:sldId id="307" r:id="rId14"/>
+    <p:sldId id="275" r:id="rId15"/>
+    <p:sldId id="302" r:id="rId16"/>
+    <p:sldId id="308" r:id="rId17"/>
+    <p:sldId id="311" r:id="rId18"/>
+    <p:sldId id="310" r:id="rId19"/>
+    <p:sldId id="318" r:id="rId20"/>
+    <p:sldId id="309" r:id="rId21"/>
+    <p:sldId id="303" r:id="rId22"/>
+    <p:sldId id="312" r:id="rId23"/>
+    <p:sldId id="313" r:id="rId24"/>
+    <p:sldId id="314" r:id="rId25"/>
+    <p:sldId id="315" r:id="rId26"/>
+    <p:sldId id="317" r:id="rId27"/>
+    <p:sldId id="316" r:id="rId28"/>
+    <p:sldId id="296" r:id="rId29"/>
+    <p:sldId id="305" r:id="rId30"/>
+    <p:sldId id="306" r:id="rId31"/>
+    <p:sldId id="319" r:id="rId32"/>
+    <p:sldId id="320" r:id="rId33"/>
   </p:sldIdLst>
   <p:sldSz cx="12192000" cy="6858000"/>
   <p:notesSz cx="6858000" cy="9144000"/>
@@ -525,7 +525,7 @@
           <a:p>
             <a:fld id="{4A42529D-B5B1-47E1-A19B-037CCFF42894}" type="datetimeFigureOut">
               <a:rPr lang="en-GB" smtClean="0"/>
-              <a:t>27/10/2021</a:t>
+              <a:t>28/10/2021</a:t>
             </a:fld>
             <a:endParaRPr lang="en-GB"/>
           </a:p>
@@ -711,7 +711,7 @@
           <a:p>
             <a:fld id="{4A42529D-B5B1-47E1-A19B-037CCFF42894}" type="datetimeFigureOut">
               <a:rPr lang="en-GB" smtClean="0"/>
-              <a:t>27/10/2021</a:t>
+              <a:t>28/10/2021</a:t>
             </a:fld>
             <a:endParaRPr lang="en-GB"/>
           </a:p>
@@ -907,7 +907,7 @@
           <a:p>
             <a:fld id="{4A42529D-B5B1-47E1-A19B-037CCFF42894}" type="datetimeFigureOut">
               <a:rPr lang="en-GB" smtClean="0"/>
-              <a:t>27/10/2021</a:t>
+              <a:t>28/10/2021</a:t>
             </a:fld>
             <a:endParaRPr lang="en-GB"/>
           </a:p>
@@ -2252,7 +2252,7 @@
           <a:p>
             <a:fld id="{4A42529D-B5B1-47E1-A19B-037CCFF42894}" type="datetimeFigureOut">
               <a:rPr lang="en-GB" smtClean="0"/>
-              <a:t>27/10/2021</a:t>
+              <a:t>28/10/2021</a:t>
             </a:fld>
             <a:endParaRPr lang="en-GB"/>
           </a:p>
@@ -2545,7 +2545,7 @@
           <a:p>
             <a:fld id="{4A42529D-B5B1-47E1-A19B-037CCFF42894}" type="datetimeFigureOut">
               <a:rPr lang="en-GB" smtClean="0"/>
-              <a:t>27/10/2021</a:t>
+              <a:t>28/10/2021</a:t>
             </a:fld>
             <a:endParaRPr lang="en-GB"/>
           </a:p>
@@ -3271,95 +3271,6 @@
           <p:cNvPr id="2" name="Título 1">
             <a:extLst>
               <a:ext uri="{FF2B5EF4-FFF2-40B4-BE49-F238E27FC236}">
-                <a16:creationId xmlns:a16="http://schemas.microsoft.com/office/drawing/2014/main" id="{D87F3BFB-3973-4E2C-96F4-A715F71DDDB5}"/>
-              </a:ext>
-            </a:extLst>
-          </p:cNvPr>
-          <p:cNvSpPr>
-            <a:spLocks noGrp="1"/>
-          </p:cNvSpPr>
-          <p:nvPr>
-            <p:ph type="title"/>
-          </p:nvPr>
-        </p:nvSpPr>
-        <p:spPr/>
-        <p:txBody>
-          <a:bodyPr/>
-          <a:lstStyle/>
-          <a:p>
-            <a:r>
-              <a:rPr lang="es-ES" dirty="0"/>
-              <a:t>Abrir R Studio</a:t>
-            </a:r>
-            <a:endParaRPr lang="en-GB" dirty="0"/>
-          </a:p>
-        </p:txBody>
-      </p:sp>
-      <p:pic>
-        <p:nvPicPr>
-          <p:cNvPr id="4" name="Imagen 3">
-            <a:extLst>
-              <a:ext uri="{FF2B5EF4-FFF2-40B4-BE49-F238E27FC236}">
-                <a16:creationId xmlns:a16="http://schemas.microsoft.com/office/drawing/2014/main" id="{78ACE454-BF5E-4CE7-BC79-0D99F9AF14B4}"/>
-              </a:ext>
-            </a:extLst>
-          </p:cNvPr>
-          <p:cNvPicPr>
-            <a:picLocks noChangeAspect="1"/>
-          </p:cNvPicPr>
-          <p:nvPr/>
-        </p:nvPicPr>
-        <p:blipFill>
-          <a:blip r:embed="rId2"/>
-          <a:stretch>
-            <a:fillRect/>
-          </a:stretch>
-        </p:blipFill>
-        <p:spPr>
-          <a:xfrm>
-            <a:off x="1324783" y="1410158"/>
-            <a:ext cx="8564692" cy="4596081"/>
-          </a:xfrm>
-          <a:prstGeom prst="rect">
-            <a:avLst/>
-          </a:prstGeom>
-        </p:spPr>
-      </p:pic>
-    </p:spTree>
-    <p:extLst>
-      <p:ext uri="{BB962C8B-B14F-4D97-AF65-F5344CB8AC3E}">
-        <p14:creationId xmlns:p14="http://schemas.microsoft.com/office/powerpoint/2010/main" val="981503523"/>
-      </p:ext>
-    </p:extLst>
-  </p:cSld>
-  <p:clrMapOvr>
-    <a:masterClrMapping/>
-  </p:clrMapOvr>
-</p:sld>
-</file>
-
-<file path=ppt/slides/slide11.xml><?xml version="1.0" encoding="utf-8"?>
-<p:sld xmlns:a="http://schemas.openxmlformats.org/drawingml/2006/main" xmlns:r="http://schemas.openxmlformats.org/officeDocument/2006/relationships" xmlns:p="http://schemas.openxmlformats.org/presentationml/2006/main">
-  <p:cSld>
-    <p:spTree>
-      <p:nvGrpSpPr>
-        <p:cNvPr id="1" name=""/>
-        <p:cNvGrpSpPr/>
-        <p:nvPr/>
-      </p:nvGrpSpPr>
-      <p:grpSpPr>
-        <a:xfrm>
-          <a:off x="0" y="0"/>
-          <a:ext cx="0" cy="0"/>
-          <a:chOff x="0" y="0"/>
-          <a:chExt cx="0" cy="0"/>
-        </a:xfrm>
-      </p:grpSpPr>
-      <p:sp>
-        <p:nvSpPr>
-          <p:cNvPr id="2" name="Título 1">
-            <a:extLst>
-              <a:ext uri="{FF2B5EF4-FFF2-40B4-BE49-F238E27FC236}">
                 <a16:creationId xmlns:a16="http://schemas.microsoft.com/office/drawing/2014/main" id="{8E7B7978-0D0E-4868-96DE-6FD40CBB6BFF}"/>
               </a:ext>
             </a:extLst>
@@ -3535,7 +3446,7 @@
 </p:sld>
 </file>
 
-<file path=ppt/slides/slide12.xml><?xml version="1.0" encoding="utf-8"?>
+<file path=ppt/slides/slide11.xml><?xml version="1.0" encoding="utf-8"?>
 <p:sld xmlns:a="http://schemas.openxmlformats.org/drawingml/2006/main" xmlns:r="http://schemas.openxmlformats.org/officeDocument/2006/relationships" xmlns:p="http://schemas.openxmlformats.org/presentationml/2006/main">
   <p:cSld>
     <p:spTree>
@@ -3675,6 +3586,143 @@
 </p:sld>
 </file>
 
+<file path=ppt/slides/slide12.xml><?xml version="1.0" encoding="utf-8"?>
+<p:sld xmlns:a="http://schemas.openxmlformats.org/drawingml/2006/main" xmlns:r="http://schemas.openxmlformats.org/officeDocument/2006/relationships" xmlns:p="http://schemas.openxmlformats.org/presentationml/2006/main">
+  <p:cSld>
+    <p:spTree>
+      <p:nvGrpSpPr>
+        <p:cNvPr id="1" name=""/>
+        <p:cNvGrpSpPr/>
+        <p:nvPr/>
+      </p:nvGrpSpPr>
+      <p:grpSpPr>
+        <a:xfrm>
+          <a:off x="0" y="0"/>
+          <a:ext cx="0" cy="0"/>
+          <a:chOff x="0" y="0"/>
+          <a:chExt cx="0" cy="0"/>
+        </a:xfrm>
+      </p:grpSpPr>
+      <p:sp>
+        <p:nvSpPr>
+          <p:cNvPr id="2" name="Título 1">
+            <a:extLst>
+              <a:ext uri="{FF2B5EF4-FFF2-40B4-BE49-F238E27FC236}">
+                <a16:creationId xmlns:a16="http://schemas.microsoft.com/office/drawing/2014/main" id="{7AA7784B-A5CB-4BC9-BAD7-AC16D02BE565}"/>
+              </a:ext>
+            </a:extLst>
+          </p:cNvPr>
+          <p:cNvSpPr>
+            <a:spLocks noGrp="1"/>
+          </p:cNvSpPr>
+          <p:nvPr>
+            <p:ph type="title"/>
+          </p:nvPr>
+        </p:nvSpPr>
+        <p:spPr/>
+        <p:txBody>
+          <a:bodyPr/>
+          <a:lstStyle/>
+          <a:p>
+            <a:r>
+              <a:rPr lang="en-GB" dirty="0"/>
+              <a:t>Heating Degree days </a:t>
+            </a:r>
+            <a:r>
+              <a:rPr lang="es-ES" dirty="0"/>
+              <a:t>[Script 1]</a:t>
+            </a:r>
+            <a:endParaRPr lang="en-GB" dirty="0"/>
+          </a:p>
+        </p:txBody>
+      </p:sp>
+      <p:sp>
+        <p:nvSpPr>
+          <p:cNvPr id="3" name="Marcador de contenido 2">
+            <a:extLst>
+              <a:ext uri="{FF2B5EF4-FFF2-40B4-BE49-F238E27FC236}">
+                <a16:creationId xmlns:a16="http://schemas.microsoft.com/office/drawing/2014/main" id="{52181411-16DD-4714-8888-AA3FCFE00BA5}"/>
+              </a:ext>
+            </a:extLst>
+          </p:cNvPr>
+          <p:cNvSpPr>
+            <a:spLocks noGrp="1"/>
+          </p:cNvSpPr>
+          <p:nvPr>
+            <p:ph idx="1"/>
+          </p:nvPr>
+        </p:nvSpPr>
+        <p:spPr/>
+        <p:txBody>
+          <a:bodyPr>
+            <a:normAutofit/>
+          </a:bodyPr>
+          <a:lstStyle/>
+          <a:p>
+            <a:pPr marL="0" indent="0">
+              <a:buNone/>
+            </a:pPr>
+            <a:r>
+              <a:rPr lang="es-ES" sz="11500" dirty="0"/>
+              <a:t>[SCRIPT1]</a:t>
+            </a:r>
+          </a:p>
+          <a:p>
+            <a:pPr marL="342900" indent="-342900">
+              <a:buAutoNum type="arabicPeriod"/>
+            </a:pPr>
+            <a:r>
+              <a:rPr lang="es-ES" sz="1600" dirty="0"/>
+              <a:t>Apertura de 1 archivo climático</a:t>
+            </a:r>
+          </a:p>
+          <a:p>
+            <a:pPr marL="342900" indent="-342900">
+              <a:buAutoNum type="arabicPeriod"/>
+            </a:pPr>
+            <a:r>
+              <a:rPr lang="es-ES" sz="1600" dirty="0"/>
+              <a:t>Cálculo de Grados-día</a:t>
+            </a:r>
+          </a:p>
+          <a:p>
+            <a:pPr marL="342900" indent="-342900">
+              <a:buAutoNum type="arabicPeriod"/>
+            </a:pPr>
+            <a:r>
+              <a:rPr lang="es-ES" sz="1600" dirty="0" err="1"/>
+              <a:t>Agreación</a:t>
+            </a:r>
+            <a:r>
+              <a:rPr lang="es-ES" sz="1600" dirty="0"/>
+              <a:t> mensual</a:t>
+            </a:r>
+          </a:p>
+          <a:p>
+            <a:pPr marL="342900" indent="-342900">
+              <a:buAutoNum type="arabicPeriod"/>
+            </a:pPr>
+            <a:r>
+              <a:rPr lang="es-ES" sz="1600" dirty="0" err="1"/>
+              <a:t>Graficación</a:t>
+            </a:r>
+            <a:endParaRPr lang="es-ES" sz="1600" dirty="0"/>
+          </a:p>
+        </p:txBody>
+      </p:sp>
+    </p:spTree>
+    <p:extLst>
+      <p:ext uri="{BB962C8B-B14F-4D97-AF65-F5344CB8AC3E}">
+        <p14:creationId xmlns:p14="http://schemas.microsoft.com/office/powerpoint/2010/main" val="2545815656"/>
+      </p:ext>
+    </p:extLst>
+  </p:cSld>
+  <p:clrMapOvr>
+    <a:masterClrMapping/>
+  </p:clrMapOvr>
+</p:sld>
+</file>
+
 <file path=ppt/slides/slide13.xml><?xml version="1.0" encoding="utf-8"?>
 <p:sld xmlns:a="http://schemas.openxmlformats.org/drawingml/2006/main" xmlns:r="http://schemas.openxmlformats.org/officeDocument/2006/relationships" xmlns:p="http://schemas.openxmlformats.org/presentationml/2006/main">
   <p:cSld>
@@ -3697,143 +3745,6 @@
           <p:cNvPr id="2" name="Título 1">
             <a:extLst>
               <a:ext uri="{FF2B5EF4-FFF2-40B4-BE49-F238E27FC236}">
-                <a16:creationId xmlns:a16="http://schemas.microsoft.com/office/drawing/2014/main" id="{7AA7784B-A5CB-4BC9-BAD7-AC16D02BE565}"/>
-              </a:ext>
-            </a:extLst>
-          </p:cNvPr>
-          <p:cNvSpPr>
-            <a:spLocks noGrp="1"/>
-          </p:cNvSpPr>
-          <p:nvPr>
-            <p:ph type="title"/>
-          </p:nvPr>
-        </p:nvSpPr>
-        <p:spPr/>
-        <p:txBody>
-          <a:bodyPr/>
-          <a:lstStyle/>
-          <a:p>
-            <a:r>
-              <a:rPr lang="en-GB" dirty="0"/>
-              <a:t>Heating Degree days </a:t>
-            </a:r>
-            <a:r>
-              <a:rPr lang="es-ES" dirty="0"/>
-              <a:t>[Script 1]</a:t>
-            </a:r>
-            <a:endParaRPr lang="en-GB" dirty="0"/>
-          </a:p>
-        </p:txBody>
-      </p:sp>
-      <p:sp>
-        <p:nvSpPr>
-          <p:cNvPr id="3" name="Marcador de contenido 2">
-            <a:extLst>
-              <a:ext uri="{FF2B5EF4-FFF2-40B4-BE49-F238E27FC236}">
-                <a16:creationId xmlns:a16="http://schemas.microsoft.com/office/drawing/2014/main" id="{52181411-16DD-4714-8888-AA3FCFE00BA5}"/>
-              </a:ext>
-            </a:extLst>
-          </p:cNvPr>
-          <p:cNvSpPr>
-            <a:spLocks noGrp="1"/>
-          </p:cNvSpPr>
-          <p:nvPr>
-            <p:ph idx="1"/>
-          </p:nvPr>
-        </p:nvSpPr>
-        <p:spPr/>
-        <p:txBody>
-          <a:bodyPr>
-            <a:normAutofit/>
-          </a:bodyPr>
-          <a:lstStyle/>
-          <a:p>
-            <a:pPr marL="0" indent="0">
-              <a:buNone/>
-            </a:pPr>
-            <a:r>
-              <a:rPr lang="es-ES" sz="11500" dirty="0"/>
-              <a:t>[SCRIPT1]</a:t>
-            </a:r>
-          </a:p>
-          <a:p>
-            <a:pPr marL="342900" indent="-342900">
-              <a:buAutoNum type="arabicPeriod"/>
-            </a:pPr>
-            <a:r>
-              <a:rPr lang="es-ES" sz="1600" dirty="0"/>
-              <a:t>Apertura de 1 archivo climático</a:t>
-            </a:r>
-          </a:p>
-          <a:p>
-            <a:pPr marL="342900" indent="-342900">
-              <a:buAutoNum type="arabicPeriod"/>
-            </a:pPr>
-            <a:r>
-              <a:rPr lang="es-ES" sz="1600" dirty="0"/>
-              <a:t>Cálculo de Grados-día</a:t>
-            </a:r>
-          </a:p>
-          <a:p>
-            <a:pPr marL="342900" indent="-342900">
-              <a:buAutoNum type="arabicPeriod"/>
-            </a:pPr>
-            <a:r>
-              <a:rPr lang="es-ES" sz="1600" dirty="0" err="1"/>
-              <a:t>Agreación</a:t>
-            </a:r>
-            <a:r>
-              <a:rPr lang="es-ES" sz="1600" dirty="0"/>
-              <a:t> mensual</a:t>
-            </a:r>
-          </a:p>
-          <a:p>
-            <a:pPr marL="342900" indent="-342900">
-              <a:buAutoNum type="arabicPeriod"/>
-            </a:pPr>
-            <a:r>
-              <a:rPr lang="es-ES" sz="1600" dirty="0" err="1"/>
-              <a:t>Graficación</a:t>
-            </a:r>
-            <a:endParaRPr lang="es-ES" sz="1600" dirty="0"/>
-          </a:p>
-        </p:txBody>
-      </p:sp>
-    </p:spTree>
-    <p:extLst>
-      <p:ext uri="{BB962C8B-B14F-4D97-AF65-F5344CB8AC3E}">
-        <p14:creationId xmlns:p14="http://schemas.microsoft.com/office/powerpoint/2010/main" val="2545815656"/>
-      </p:ext>
-    </p:extLst>
-  </p:cSld>
-  <p:clrMapOvr>
-    <a:masterClrMapping/>
-  </p:clrMapOvr>
-</p:sld>
-</file>
-
-<file path=ppt/slides/slide14.xml><?xml version="1.0" encoding="utf-8"?>
-<p:sld xmlns:a="http://schemas.openxmlformats.org/drawingml/2006/main" xmlns:r="http://schemas.openxmlformats.org/officeDocument/2006/relationships" xmlns:p="http://schemas.openxmlformats.org/presentationml/2006/main">
-  <p:cSld>
-    <p:spTree>
-      <p:nvGrpSpPr>
-        <p:cNvPr id="1" name=""/>
-        <p:cNvGrpSpPr/>
-        <p:nvPr/>
-      </p:nvGrpSpPr>
-      <p:grpSpPr>
-        <a:xfrm>
-          <a:off x="0" y="0"/>
-          <a:ext cx="0" cy="0"/>
-          <a:chOff x="0" y="0"/>
-          <a:chExt cx="0" cy="0"/>
-        </a:xfrm>
-      </p:grpSpPr>
-      <p:sp>
-        <p:nvSpPr>
-          <p:cNvPr id="2" name="Título 1">
-            <a:extLst>
-              <a:ext uri="{FF2B5EF4-FFF2-40B4-BE49-F238E27FC236}">
                 <a16:creationId xmlns:a16="http://schemas.microsoft.com/office/drawing/2014/main" id="{78911189-F904-439D-BA2C-BFE40DEA1DE2}"/>
               </a:ext>
             </a:extLst>
@@ -4072,7 +3983,7 @@
 </p:sld>
 </file>
 
-<file path=ppt/slides/slide15.xml><?xml version="1.0" encoding="utf-8"?>
+<file path=ppt/slides/slide14.xml><?xml version="1.0" encoding="utf-8"?>
 <p:sld xmlns:a="http://schemas.openxmlformats.org/drawingml/2006/main" xmlns:r="http://schemas.openxmlformats.org/officeDocument/2006/relationships" xmlns:p="http://schemas.openxmlformats.org/presentationml/2006/main">
   <p:cSld>
     <p:spTree>
@@ -4167,6 +4078,127 @@
 </p:sld>
 </file>
 
+<file path=ppt/slides/slide15.xml><?xml version="1.0" encoding="utf-8"?>
+<p:sld xmlns:a="http://schemas.openxmlformats.org/drawingml/2006/main" xmlns:r="http://schemas.openxmlformats.org/officeDocument/2006/relationships" xmlns:p="http://schemas.openxmlformats.org/presentationml/2006/main">
+  <p:cSld>
+    <p:spTree>
+      <p:nvGrpSpPr>
+        <p:cNvPr id="1" name=""/>
+        <p:cNvGrpSpPr/>
+        <p:nvPr/>
+      </p:nvGrpSpPr>
+      <p:grpSpPr>
+        <a:xfrm>
+          <a:off x="0" y="0"/>
+          <a:ext cx="0" cy="0"/>
+          <a:chOff x="0" y="0"/>
+          <a:chExt cx="0" cy="0"/>
+        </a:xfrm>
+      </p:grpSpPr>
+      <p:sp>
+        <p:nvSpPr>
+          <p:cNvPr id="2" name="Título 1">
+            <a:extLst>
+              <a:ext uri="{FF2B5EF4-FFF2-40B4-BE49-F238E27FC236}">
+                <a16:creationId xmlns:a16="http://schemas.microsoft.com/office/drawing/2014/main" id="{7AA7784B-A5CB-4BC9-BAD7-AC16D02BE565}"/>
+              </a:ext>
+            </a:extLst>
+          </p:cNvPr>
+          <p:cNvSpPr>
+            <a:spLocks noGrp="1"/>
+          </p:cNvSpPr>
+          <p:nvPr>
+            <p:ph type="title"/>
+          </p:nvPr>
+        </p:nvSpPr>
+        <p:spPr/>
+        <p:txBody>
+          <a:bodyPr/>
+          <a:lstStyle/>
+          <a:p>
+            <a:r>
+              <a:rPr lang="en-GB" dirty="0"/>
+              <a:t>PRISM </a:t>
+            </a:r>
+            <a:r>
+              <a:rPr lang="es-ES" dirty="0"/>
+              <a:t>[Script 2]</a:t>
+            </a:r>
+            <a:endParaRPr lang="en-GB" dirty="0"/>
+          </a:p>
+        </p:txBody>
+      </p:sp>
+      <p:sp>
+        <p:nvSpPr>
+          <p:cNvPr id="3" name="Marcador de contenido 2">
+            <a:extLst>
+              <a:ext uri="{FF2B5EF4-FFF2-40B4-BE49-F238E27FC236}">
+                <a16:creationId xmlns:a16="http://schemas.microsoft.com/office/drawing/2014/main" id="{52181411-16DD-4714-8888-AA3FCFE00BA5}"/>
+              </a:ext>
+            </a:extLst>
+          </p:cNvPr>
+          <p:cNvSpPr>
+            <a:spLocks noGrp="1"/>
+          </p:cNvSpPr>
+          <p:nvPr>
+            <p:ph idx="1"/>
+          </p:nvPr>
+        </p:nvSpPr>
+        <p:spPr/>
+        <p:txBody>
+          <a:bodyPr>
+            <a:normAutofit/>
+          </a:bodyPr>
+          <a:lstStyle/>
+          <a:p>
+            <a:pPr marL="0" indent="0">
+              <a:buNone/>
+            </a:pPr>
+            <a:r>
+              <a:rPr lang="es-ES" sz="11500" dirty="0"/>
+              <a:t>[SCRIPT2]</a:t>
+            </a:r>
+          </a:p>
+          <a:p>
+            <a:r>
+              <a:rPr lang="pt-BR" sz="1600" dirty="0"/>
+              <a:t>Cálculo de Grados-Día</a:t>
+            </a:r>
+          </a:p>
+          <a:p>
+            <a:r>
+              <a:rPr lang="pt-BR" sz="1600" dirty="0"/>
+              <a:t>Agregación memsual de Grados-Dia y Cargas térmicas</a:t>
+            </a:r>
+          </a:p>
+          <a:p>
+            <a:r>
+              <a:rPr lang="pt-BR" sz="1600" dirty="0"/>
+              <a:t>PRISM: Regresión</a:t>
+            </a:r>
+          </a:p>
+          <a:p>
+            <a:r>
+              <a:rPr lang="pt-BR" sz="1600" dirty="0"/>
+              <a:t>Proyección de modelos sobre series climáticas</a:t>
+            </a:r>
+            <a:endParaRPr lang="en-GB" sz="11500" dirty="0"/>
+          </a:p>
+        </p:txBody>
+      </p:sp>
+    </p:spTree>
+    <p:extLst>
+      <p:ext uri="{BB962C8B-B14F-4D97-AF65-F5344CB8AC3E}">
+        <p14:creationId xmlns:p14="http://schemas.microsoft.com/office/powerpoint/2010/main" val="3946089998"/>
+      </p:ext>
+    </p:extLst>
+  </p:cSld>
+  <p:clrMapOvr>
+    <a:masterClrMapping/>
+  </p:clrMapOvr>
+</p:sld>
+</file>
+
 <file path=ppt/slides/slide16.xml><?xml version="1.0" encoding="utf-8"?>
 <p:sld xmlns:a="http://schemas.openxmlformats.org/drawingml/2006/main" xmlns:r="http://schemas.openxmlformats.org/officeDocument/2006/relationships" xmlns:p="http://schemas.openxmlformats.org/presentationml/2006/main">
   <p:cSld>
@@ -4189,7 +4221,7 @@
           <p:cNvPr id="2" name="Título 1">
             <a:extLst>
               <a:ext uri="{FF2B5EF4-FFF2-40B4-BE49-F238E27FC236}">
-                <a16:creationId xmlns:a16="http://schemas.microsoft.com/office/drawing/2014/main" id="{7AA7784B-A5CB-4BC9-BAD7-AC16D02BE565}"/>
+                <a16:creationId xmlns:a16="http://schemas.microsoft.com/office/drawing/2014/main" id="{78911189-F904-439D-BA2C-BFE40DEA1DE2}"/>
               </a:ext>
             </a:extLst>
           </p:cNvPr>
@@ -4206,23 +4238,18 @@
           <a:lstStyle/>
           <a:p>
             <a:r>
-              <a:rPr lang="en-GB" dirty="0"/>
-              <a:t>PRISM </a:t>
-            </a:r>
-            <a:r>
               <a:rPr lang="es-ES" dirty="0"/>
-              <a:t>[Script 2]</a:t>
-            </a:r>
-            <a:endParaRPr lang="en-GB" dirty="0"/>
-          </a:p>
-        </p:txBody>
-      </p:sp>
-      <p:sp>
-        <p:nvSpPr>
-          <p:cNvPr id="3" name="Marcador de contenido 2">
+              <a:t>lm()</a:t>
+            </a:r>
+          </a:p>
+        </p:txBody>
+      </p:sp>
+      <p:sp>
+        <p:nvSpPr>
+          <p:cNvPr id="4" name="Marcador de contenido 3">
             <a:extLst>
               <a:ext uri="{FF2B5EF4-FFF2-40B4-BE49-F238E27FC236}">
-                <a16:creationId xmlns:a16="http://schemas.microsoft.com/office/drawing/2014/main" id="{52181411-16DD-4714-8888-AA3FCFE00BA5}"/>
+                <a16:creationId xmlns:a16="http://schemas.microsoft.com/office/drawing/2014/main" id="{A74D9D20-8892-42F1-AC0F-F5F07C391125}"/>
               </a:ext>
             </a:extLst>
           </p:cNvPr>
@@ -4235,30 +4262,72 @@
         </p:nvSpPr>
         <p:spPr/>
         <p:txBody>
-          <a:bodyPr>
-            <a:normAutofit/>
-          </a:bodyPr>
-          <a:lstStyle/>
+          <a:bodyPr/>
+          <a:lstStyle/>
+          <a:p>
+            <a:r>
+              <a:rPr lang="es-ES_tradnl" dirty="0"/>
+              <a:t>Función para el cálculo de coeficientes de regresión</a:t>
+            </a:r>
+          </a:p>
+          <a:p>
+            <a:endParaRPr lang="es-ES_tradnl" dirty="0"/>
+          </a:p>
           <a:p>
             <a:pPr marL="0" indent="0">
               <a:buNone/>
             </a:pPr>
             <a:r>
-              <a:rPr lang="es-ES" sz="11500" dirty="0"/>
-              <a:t>[SCRIPT2]</a:t>
+              <a:rPr lang="en-US" dirty="0" err="1"/>
+              <a:t>lm</a:t>
+            </a:r>
+            <a:r>
+              <a:rPr lang="en-US" dirty="0"/>
+              <a:t>(</a:t>
+            </a:r>
+            <a:r>
+              <a:rPr lang="en-US" dirty="0" err="1"/>
+              <a:t>Summary_month$Load.kWh</a:t>
+            </a:r>
+            <a:r>
+              <a:rPr lang="en-US" dirty="0"/>
+              <a:t> ~ </a:t>
+            </a:r>
+            <a:r>
+              <a:rPr lang="en-US" dirty="0" err="1"/>
+              <a:t>Summary_month$HDD</a:t>
+            </a:r>
+            <a:r>
+              <a:rPr lang="en-US" dirty="0"/>
+              <a:t>)</a:t>
             </a:r>
           </a:p>
           <a:p>
             <a:pPr marL="0" indent="0">
               <a:buNone/>
             </a:pPr>
-            <a:r>
-              <a:rPr lang="es-ES" sz="1600" dirty="0">
-                <a:highlight>
-                  <a:srgbClr val="FFFF00"/>
-                </a:highlight>
-              </a:rPr>
-              <a:t>1. Instalación y activación de librerías</a:t>
+            <a:endParaRPr lang="en-US" dirty="0"/>
+          </a:p>
+          <a:p>
+            <a:r>
+              <a:rPr lang="en-US" dirty="0"/>
+              <a:t>Forzando </a:t>
+            </a:r>
+            <a:r>
+              <a:rPr lang="en-US" dirty="0" err="1"/>
+              <a:t>intersección</a:t>
+            </a:r>
+            <a:r>
+              <a:rPr lang="en-US" dirty="0"/>
+              <a:t> </a:t>
+            </a:r>
+            <a:r>
+              <a:rPr lang="en-US" dirty="0" err="1"/>
+              <a:t>en</a:t>
+            </a:r>
+            <a:r>
+              <a:rPr lang="en-US" dirty="0"/>
+              <a:t> 0</a:t>
             </a:r>
           </a:p>
           <a:p>
@@ -4266,78 +4335,32 @@
               <a:buNone/>
             </a:pPr>
             <a:r>
-              <a:rPr lang="es-ES" sz="1600" dirty="0">
-                <a:highlight>
-                  <a:srgbClr val="FFFF00"/>
-                </a:highlight>
-              </a:rPr>
-              <a:t>2. Apertura de 1 archivo CSV</a:t>
-            </a:r>
-          </a:p>
-          <a:p>
-            <a:pPr marL="0" indent="0">
-              <a:buNone/>
-            </a:pPr>
-            <a:r>
-              <a:rPr lang="es-ES" sz="1600" dirty="0">
-                <a:highlight>
-                  <a:srgbClr val="FFFF00"/>
-                </a:highlight>
-              </a:rPr>
-              <a:t>3. Calculo de </a:t>
-            </a:r>
-            <a:r>
-              <a:rPr lang="es-ES" sz="1600" dirty="0" err="1">
-                <a:highlight>
-                  <a:srgbClr val="FFFF00"/>
-                </a:highlight>
-              </a:rPr>
-              <a:t>Heating</a:t>
-            </a:r>
-            <a:r>
-              <a:rPr lang="es-ES" sz="1600" dirty="0">
-                <a:highlight>
-                  <a:srgbClr val="FFFF00"/>
-                </a:highlight>
-              </a:rPr>
-              <a:t> </a:t>
-            </a:r>
-            <a:r>
-              <a:rPr lang="es-ES" sz="1600" dirty="0" err="1">
-                <a:highlight>
-                  <a:srgbClr val="FFFF00"/>
-                </a:highlight>
-              </a:rPr>
-              <a:t>Degree</a:t>
-            </a:r>
-            <a:r>
-              <a:rPr lang="es-ES" sz="1600" dirty="0">
-                <a:highlight>
-                  <a:srgbClr val="FFFF00"/>
-                </a:highlight>
-              </a:rPr>
-              <a:t> </a:t>
-            </a:r>
-            <a:r>
-              <a:rPr lang="es-ES" sz="1600" dirty="0" err="1">
-                <a:highlight>
-                  <a:srgbClr val="FFFF00"/>
-                </a:highlight>
-              </a:rPr>
-              <a:t>Days</a:t>
-            </a:r>
-            <a:endParaRPr lang="en-GB" sz="11500" dirty="0">
-              <a:highlight>
-                <a:srgbClr val="FFFF00"/>
-              </a:highlight>
-            </a:endParaRPr>
+              <a:rPr lang="en-US" dirty="0" err="1"/>
+              <a:t>lm</a:t>
+            </a:r>
+            <a:r>
+              <a:rPr lang="en-US" dirty="0"/>
+              <a:t>(</a:t>
+            </a:r>
+            <a:r>
+              <a:rPr lang="en-US" dirty="0" err="1"/>
+              <a:t>Summary_month$Load.kWh</a:t>
+            </a:r>
+            <a:r>
+              <a:rPr lang="en-US" dirty="0"/>
+              <a:t> ~ Summary_month$HDD+0)</a:t>
+            </a:r>
+            <a:endParaRPr lang="es-ES_tradnl" dirty="0"/>
+          </a:p>
+          <a:p>
+            <a:endParaRPr lang="es-ES" dirty="0"/>
           </a:p>
         </p:txBody>
       </p:sp>
     </p:spTree>
     <p:extLst>
       <p:ext uri="{BB962C8B-B14F-4D97-AF65-F5344CB8AC3E}">
-        <p14:creationId xmlns:p14="http://schemas.microsoft.com/office/powerpoint/2010/main" val="3946089998"/>
+        <p14:creationId xmlns:p14="http://schemas.microsoft.com/office/powerpoint/2010/main" val="2001233870"/>
       </p:ext>
     </p:extLst>
   </p:cSld>
@@ -4369,7 +4392,7 @@
           <p:cNvPr id="2" name="Título 1">
             <a:extLst>
               <a:ext uri="{FF2B5EF4-FFF2-40B4-BE49-F238E27FC236}">
-                <a16:creationId xmlns:a16="http://schemas.microsoft.com/office/drawing/2014/main" id="{78911189-F904-439D-BA2C-BFE40DEA1DE2}"/>
+                <a16:creationId xmlns:a16="http://schemas.microsoft.com/office/drawing/2014/main" id="{2183F28B-5C9A-4383-BBBA-902B64A38B7B}"/>
               </a:ext>
             </a:extLst>
           </p:cNvPr>
@@ -4386,18 +4409,22 @@
           <a:lstStyle/>
           <a:p>
             <a:r>
+              <a:rPr lang="es-ES" dirty="0" err="1"/>
+              <a:t>predict</a:t>
+            </a:r>
+            <a:r>
               <a:rPr lang="es-ES" dirty="0"/>
-              <a:t>lm()</a:t>
-            </a:r>
-          </a:p>
-        </p:txBody>
-      </p:sp>
-      <p:sp>
-        <p:nvSpPr>
-          <p:cNvPr id="4" name="Marcador de contenido 3">
+              <a:t>()</a:t>
+            </a:r>
+          </a:p>
+        </p:txBody>
+      </p:sp>
+      <p:sp>
+        <p:nvSpPr>
+          <p:cNvPr id="3" name="Marcador de contenido 2">
             <a:extLst>
               <a:ext uri="{FF2B5EF4-FFF2-40B4-BE49-F238E27FC236}">
-                <a16:creationId xmlns:a16="http://schemas.microsoft.com/office/drawing/2014/main" id="{A74D9D20-8892-42F1-AC0F-F5F07C391125}"/>
+                <a16:creationId xmlns:a16="http://schemas.microsoft.com/office/drawing/2014/main" id="{02D7F58E-B2A8-49CF-BACF-BAB8CFC774CE}"/>
               </a:ext>
             </a:extLst>
           </p:cNvPr>
@@ -4410,105 +4437,112 @@
         </p:nvSpPr>
         <p:spPr/>
         <p:txBody>
-          <a:bodyPr/>
+          <a:bodyPr>
+            <a:normAutofit fontScale="92500" lnSpcReduction="20000"/>
+          </a:bodyPr>
           <a:lstStyle/>
           <a:p>
             <a:r>
               <a:rPr lang="es-ES_tradnl" dirty="0"/>
-              <a:t>Función para el cálculo de coeficientes de regresión</a:t>
-            </a:r>
-          </a:p>
-          <a:p>
-            <a:endParaRPr lang="es-ES_tradnl" dirty="0"/>
-          </a:p>
-          <a:p>
-            <a:pPr marL="0" indent="0">
-              <a:buNone/>
+              <a:t>Se emplea para aplicar un modelo calibrado sobre otra serie de datos.</a:t>
+            </a:r>
+          </a:p>
+          <a:p>
+            <a:pPr marL="514350" indent="-514350">
+              <a:buAutoNum type="arabicPeriod"/>
             </a:pPr>
             <a:r>
-              <a:rPr lang="en-US" dirty="0" err="1"/>
-              <a:t>lm</a:t>
-            </a:r>
-            <a:r>
-              <a:rPr lang="en-US" dirty="0"/>
-              <a:t>(</a:t>
-            </a:r>
-            <a:r>
-              <a:rPr lang="en-US" dirty="0" err="1"/>
-              <a:t>Summary_month$Load.kWh</a:t>
-            </a:r>
-            <a:r>
-              <a:rPr lang="en-US" dirty="0"/>
-              <a:t> ~ </a:t>
-            </a:r>
-            <a:r>
-              <a:rPr lang="en-US" dirty="0" err="1"/>
-              <a:t>Summary_month$HDD</a:t>
-            </a:r>
-            <a:r>
-              <a:rPr lang="en-US" dirty="0"/>
-              <a:t>)</a:t>
-            </a:r>
-          </a:p>
-          <a:p>
-            <a:pPr marL="0" indent="0">
-              <a:buNone/>
+              <a:rPr lang="es-ES_tradnl" dirty="0"/>
+              <a:t>Se predice un modelo.</a:t>
+            </a:r>
+          </a:p>
+          <a:p>
+            <a:pPr lvl="1"/>
+            <a:r>
+              <a:rPr lang="es-ES_tradnl" dirty="0"/>
+              <a:t>Datos del año 1</a:t>
+            </a:r>
+          </a:p>
+          <a:p>
+            <a:pPr lvl="2"/>
+            <a:r>
+              <a:rPr lang="es-ES_tradnl" dirty="0"/>
+              <a:t>Se conoce el clima y la carga</a:t>
+            </a:r>
+          </a:p>
+          <a:p>
+            <a:pPr lvl="1"/>
+            <a:r>
+              <a:rPr lang="es-ES_tradnl" dirty="0"/>
+              <a:t>Se obtienen los coeficientes</a:t>
+            </a:r>
+          </a:p>
+          <a:p>
+            <a:pPr lvl="2"/>
+            <a:r>
+              <a:rPr lang="es-ES_tradnl" dirty="0"/>
+              <a:t>Por ejemplo con lm()</a:t>
+            </a:r>
+          </a:p>
+          <a:p>
+            <a:pPr marL="514350" indent="-514350">
+              <a:buFont typeface="+mj-lt"/>
+              <a:buAutoNum type="arabicPeriod"/>
             </a:pPr>
-            <a:endParaRPr lang="en-US" dirty="0"/>
-          </a:p>
-          <a:p>
-            <a:r>
-              <a:rPr lang="en-US" dirty="0"/>
-              <a:t>Forzando </a:t>
-            </a:r>
-            <a:r>
-              <a:rPr lang="en-US" dirty="0" err="1"/>
-              <a:t>intersección</a:t>
-            </a:r>
-            <a:r>
-              <a:rPr lang="en-US" dirty="0"/>
-              <a:t> </a:t>
-            </a:r>
-            <a:r>
-              <a:rPr lang="en-US" dirty="0" err="1"/>
-              <a:t>en</a:t>
-            </a:r>
-            <a:r>
-              <a:rPr lang="en-US" dirty="0"/>
-              <a:t> 0</a:t>
-            </a:r>
-          </a:p>
-          <a:p>
-            <a:pPr marL="0" indent="0">
-              <a:buNone/>
-            </a:pPr>
-            <a:r>
-              <a:rPr lang="en-US" dirty="0" err="1"/>
-              <a:t>lm</a:t>
-            </a:r>
-            <a:r>
-              <a:rPr lang="en-US" dirty="0"/>
-              <a:t>(</a:t>
-            </a:r>
-            <a:r>
-              <a:rPr lang="en-US" dirty="0" err="1"/>
-              <a:t>Summary_month$Load.kWh</a:t>
-            </a:r>
-            <a:r>
-              <a:rPr lang="en-US" dirty="0"/>
-              <a:t> ~ Summary_month$HDD+0)</a:t>
-            </a:r>
-            <a:endParaRPr lang="es-ES_tradnl" dirty="0"/>
-          </a:p>
-          <a:p>
-            <a:endParaRPr lang="es-ES" dirty="0"/>
+            <a:r>
+              <a:rPr lang="es-ES" dirty="0"/>
+              <a:t>Se proyecta un modelo</a:t>
+            </a:r>
+          </a:p>
+          <a:p>
+            <a:pPr lvl="1"/>
+            <a:r>
+              <a:rPr lang="es-ES_tradnl" dirty="0"/>
+              <a:t>Datos del año 2</a:t>
+            </a:r>
+          </a:p>
+          <a:p>
+            <a:pPr lvl="2"/>
+            <a:r>
+              <a:rPr lang="es-ES_tradnl" dirty="0"/>
+              <a:t>Se conoce el clima</a:t>
+            </a:r>
+          </a:p>
+          <a:p>
+            <a:pPr lvl="1"/>
+            <a:r>
+              <a:rPr lang="es-ES_tradnl" dirty="0"/>
+              <a:t>Coeficientes obtenidos en el año 1</a:t>
+            </a:r>
+          </a:p>
+          <a:p>
+            <a:pPr lvl="1"/>
+            <a:r>
+              <a:rPr lang="es-ES_tradnl" dirty="0"/>
+              <a:t>Se estiman las cargas</a:t>
+            </a:r>
+          </a:p>
+          <a:p>
+            <a:pPr lvl="2"/>
+            <a:r>
+              <a:rPr lang="es-ES_tradnl" dirty="0"/>
+              <a:t>Con </a:t>
+            </a:r>
+            <a:r>
+              <a:rPr lang="es-ES_tradnl" dirty="0" err="1"/>
+              <a:t>predict</a:t>
+            </a:r>
+            <a:r>
+              <a:rPr lang="es-ES_tradnl" dirty="0"/>
+              <a:t>()</a:t>
+            </a:r>
           </a:p>
         </p:txBody>
       </p:sp>
     </p:spTree>
     <p:extLst>
       <p:ext uri="{BB962C8B-B14F-4D97-AF65-F5344CB8AC3E}">
-        <p14:creationId xmlns:p14="http://schemas.microsoft.com/office/powerpoint/2010/main" val="2001233870"/>
+        <p14:creationId xmlns:p14="http://schemas.microsoft.com/office/powerpoint/2010/main" val="1881463716"/>
       </p:ext>
     </p:extLst>
   </p:cSld>
@@ -4540,7 +4574,7 @@
           <p:cNvPr id="2" name="Título 1">
             <a:extLst>
               <a:ext uri="{FF2B5EF4-FFF2-40B4-BE49-F238E27FC236}">
-                <a16:creationId xmlns:a16="http://schemas.microsoft.com/office/drawing/2014/main" id="{2183F28B-5C9A-4383-BBBA-902B64A38B7B}"/>
+                <a16:creationId xmlns:a16="http://schemas.microsoft.com/office/drawing/2014/main" id="{AFEC74DB-4F8A-4CFB-BDF7-DDAB57C0E44C}"/>
               </a:ext>
             </a:extLst>
           </p:cNvPr>
@@ -4557,12 +4591,12 @@
           <a:lstStyle/>
           <a:p>
             <a:r>
-              <a:rPr lang="es-ES" dirty="0" err="1"/>
-              <a:t>predict</a:t>
-            </a:r>
-            <a:r>
-              <a:rPr lang="es-ES" dirty="0"/>
-              <a:t>()</a:t>
+              <a:rPr lang="es-ES" dirty="0">
+                <a:highlight>
+                  <a:srgbClr val="FFFF00"/>
+                </a:highlight>
+              </a:rPr>
+              <a:t>Grafica Q-t</a:t>
             </a:r>
           </a:p>
         </p:txBody>
@@ -4572,7 +4606,7 @@
           <p:cNvPr id="3" name="Marcador de contenido 2">
             <a:extLst>
               <a:ext uri="{FF2B5EF4-FFF2-40B4-BE49-F238E27FC236}">
-                <a16:creationId xmlns:a16="http://schemas.microsoft.com/office/drawing/2014/main" id="{02D7F58E-B2A8-49CF-BACF-BAB8CFC774CE}"/>
+                <a16:creationId xmlns:a16="http://schemas.microsoft.com/office/drawing/2014/main" id="{97671C68-6BA6-4627-BF93-1934F26CFEB5}"/>
               </a:ext>
             </a:extLst>
           </p:cNvPr>
@@ -4585,112 +4619,21 @@
         </p:nvSpPr>
         <p:spPr/>
         <p:txBody>
-          <a:bodyPr>
-            <a:normAutofit fontScale="92500" lnSpcReduction="20000"/>
-          </a:bodyPr>
+          <a:bodyPr/>
           <a:lstStyle/>
           <a:p>
             <a:r>
               <a:rPr lang="es-ES_tradnl" dirty="0"/>
-              <a:t>Se emplea para aplicar un modelo calibrado sobre otra serie de datos.</a:t>
-            </a:r>
-          </a:p>
-          <a:p>
-            <a:pPr marL="514350" indent="-514350">
-              <a:buAutoNum type="arabicPeriod"/>
-            </a:pPr>
-            <a:r>
-              <a:rPr lang="es-ES_tradnl" dirty="0"/>
-              <a:t>Se predice un modelo.</a:t>
-            </a:r>
-          </a:p>
-          <a:p>
-            <a:pPr lvl="1"/>
-            <a:r>
-              <a:rPr lang="es-ES_tradnl" dirty="0"/>
-              <a:t>Datos del año 1</a:t>
-            </a:r>
-          </a:p>
-          <a:p>
-            <a:pPr lvl="2"/>
-            <a:r>
-              <a:rPr lang="es-ES_tradnl" dirty="0"/>
-              <a:t>Se conoce el clima y la carga</a:t>
-            </a:r>
-          </a:p>
-          <a:p>
-            <a:pPr lvl="1"/>
-            <a:r>
-              <a:rPr lang="es-ES_tradnl" dirty="0"/>
-              <a:t>Se obtienen los coeficientes</a:t>
-            </a:r>
-          </a:p>
-          <a:p>
-            <a:pPr lvl="2"/>
-            <a:r>
-              <a:rPr lang="es-ES_tradnl" dirty="0"/>
-              <a:t>Por ejemplo con lm()</a:t>
-            </a:r>
-          </a:p>
-          <a:p>
-            <a:pPr marL="514350" indent="-514350">
-              <a:buFont typeface="+mj-lt"/>
-              <a:buAutoNum type="arabicPeriod"/>
-            </a:pPr>
-            <a:r>
-              <a:rPr lang="es-ES" dirty="0"/>
-              <a:t>Se proyecta un modelo</a:t>
-            </a:r>
-          </a:p>
-          <a:p>
-            <a:pPr lvl="1"/>
-            <a:r>
-              <a:rPr lang="es-ES_tradnl" dirty="0"/>
-              <a:t>Datos del año 2</a:t>
-            </a:r>
-          </a:p>
-          <a:p>
-            <a:pPr lvl="2"/>
-            <a:r>
-              <a:rPr lang="es-ES_tradnl" dirty="0"/>
-              <a:t>Se conoce el clima</a:t>
-            </a:r>
-          </a:p>
-          <a:p>
-            <a:pPr lvl="1"/>
-            <a:r>
-              <a:rPr lang="es-ES_tradnl" dirty="0"/>
-              <a:t>Coeficientes obtenidos en el año 1</a:t>
-            </a:r>
-          </a:p>
-          <a:p>
-            <a:pPr lvl="1"/>
-            <a:r>
-              <a:rPr lang="es-ES_tradnl" dirty="0"/>
-              <a:t>Se estiman las cargas</a:t>
-            </a:r>
-          </a:p>
-          <a:p>
-            <a:pPr lvl="2"/>
-            <a:r>
-              <a:rPr lang="es-ES_tradnl" dirty="0"/>
-              <a:t>Con </a:t>
-            </a:r>
-            <a:r>
-              <a:rPr lang="es-ES_tradnl" dirty="0" err="1"/>
-              <a:t>predict</a:t>
-            </a:r>
-            <a:r>
-              <a:rPr lang="es-ES_tradnl" dirty="0"/>
-              <a:t>()</a:t>
-            </a:r>
+              <a:t>Carga (Q) vs Tiempo (t)</a:t>
+            </a:r>
+            <a:endParaRPr lang="es-ES" dirty="0"/>
           </a:p>
         </p:txBody>
       </p:sp>
     </p:spTree>
     <p:extLst>
       <p:ext uri="{BB962C8B-B14F-4D97-AF65-F5344CB8AC3E}">
-        <p14:creationId xmlns:p14="http://schemas.microsoft.com/office/powerpoint/2010/main" val="1881463716"/>
+        <p14:creationId xmlns:p14="http://schemas.microsoft.com/office/powerpoint/2010/main" val="2959423781"/>
       </p:ext>
     </p:extLst>
   </p:cSld>
@@ -4722,7 +4665,7 @@
           <p:cNvPr id="2" name="Título 1">
             <a:extLst>
               <a:ext uri="{FF2B5EF4-FFF2-40B4-BE49-F238E27FC236}">
-                <a16:creationId xmlns:a16="http://schemas.microsoft.com/office/drawing/2014/main" id="{AFEC74DB-4F8A-4CFB-BDF7-DDAB57C0E44C}"/>
+                <a16:creationId xmlns:a16="http://schemas.microsoft.com/office/drawing/2014/main" id="{257DDC4C-8E59-48AA-9A4F-08F7C598D17D}"/>
               </a:ext>
             </a:extLst>
           </p:cNvPr>
@@ -4739,13 +4682,18 @@
           <a:lstStyle/>
           <a:p>
             <a:r>
-              <a:rPr lang="es-ES" dirty="0">
+              <a:rPr lang="es-ES_tradnl" dirty="0">
                 <a:highlight>
                   <a:srgbClr val="FFFF00"/>
                 </a:highlight>
               </a:rPr>
-              <a:t>Grafica Q-t</a:t>
-            </a:r>
+              <a:t>Grafica Q-T</a:t>
+            </a:r>
+            <a:endParaRPr lang="es-ES" dirty="0">
+              <a:highlight>
+                <a:srgbClr val="FFFF00"/>
+              </a:highlight>
+            </a:endParaRPr>
           </a:p>
         </p:txBody>
       </p:sp>
@@ -4754,7 +4702,7 @@
           <p:cNvPr id="3" name="Marcador de contenido 2">
             <a:extLst>
               <a:ext uri="{FF2B5EF4-FFF2-40B4-BE49-F238E27FC236}">
-                <a16:creationId xmlns:a16="http://schemas.microsoft.com/office/drawing/2014/main" id="{97671C68-6BA6-4627-BF93-1934F26CFEB5}"/>
+                <a16:creationId xmlns:a16="http://schemas.microsoft.com/office/drawing/2014/main" id="{A971AEFC-292E-45E0-9C61-9AB8AF71D593}"/>
               </a:ext>
             </a:extLst>
           </p:cNvPr>
@@ -4772,7 +4720,7 @@
           <a:p>
             <a:r>
               <a:rPr lang="es-ES_tradnl" dirty="0"/>
-              <a:t>Carga (Q) vs Tiempo (t)</a:t>
+              <a:t>Carga (Q) vs Temperatura (T)</a:t>
             </a:r>
             <a:endParaRPr lang="es-ES" dirty="0"/>
           </a:p>
@@ -4781,7 +4729,7 @@
     </p:spTree>
     <p:extLst>
       <p:ext uri="{BB962C8B-B14F-4D97-AF65-F5344CB8AC3E}">
-        <p14:creationId xmlns:p14="http://schemas.microsoft.com/office/powerpoint/2010/main" val="2959423781"/>
+        <p14:creationId xmlns:p14="http://schemas.microsoft.com/office/powerpoint/2010/main" val="1393315176"/>
       </p:ext>
     </p:extLst>
   </p:cSld>
@@ -4940,7 +4888,7 @@
           <p:cNvPr id="2" name="Título 1">
             <a:extLst>
               <a:ext uri="{FF2B5EF4-FFF2-40B4-BE49-F238E27FC236}">
-                <a16:creationId xmlns:a16="http://schemas.microsoft.com/office/drawing/2014/main" id="{257DDC4C-8E59-48AA-9A4F-08F7C598D17D}"/>
+                <a16:creationId xmlns:a16="http://schemas.microsoft.com/office/drawing/2014/main" id="{78911189-F904-439D-BA2C-BFE40DEA1DE2}"/>
               </a:ext>
             </a:extLst>
           </p:cNvPr>
@@ -4957,27 +4905,22 @@
           <a:lstStyle/>
           <a:p>
             <a:r>
-              <a:rPr lang="es-ES_tradnl" dirty="0">
+              <a:rPr lang="es-ES" dirty="0">
                 <a:highlight>
                   <a:srgbClr val="FFFF00"/>
                 </a:highlight>
               </a:rPr>
-              <a:t>Grafica Q-T</a:t>
-            </a:r>
-            <a:endParaRPr lang="es-ES" dirty="0">
-              <a:highlight>
-                <a:srgbClr val="FFFF00"/>
-              </a:highlight>
-            </a:endParaRPr>
-          </a:p>
-        </p:txBody>
-      </p:sp>
-      <p:sp>
-        <p:nvSpPr>
-          <p:cNvPr id="3" name="Marcador de contenido 2">
+              <a:t>Grafica Q-Q</a:t>
+            </a:r>
+          </a:p>
+        </p:txBody>
+      </p:sp>
+      <p:sp>
+        <p:nvSpPr>
+          <p:cNvPr id="4" name="Marcador de contenido 3">
             <a:extLst>
               <a:ext uri="{FF2B5EF4-FFF2-40B4-BE49-F238E27FC236}">
-                <a16:creationId xmlns:a16="http://schemas.microsoft.com/office/drawing/2014/main" id="{A971AEFC-292E-45E0-9C61-9AB8AF71D593}"/>
+                <a16:creationId xmlns:a16="http://schemas.microsoft.com/office/drawing/2014/main" id="{A74D9D20-8892-42F1-AC0F-F5F07C391125}"/>
               </a:ext>
             </a:extLst>
           </p:cNvPr>
@@ -4995,7 +4938,7 @@
           <a:p>
             <a:r>
               <a:rPr lang="es-ES_tradnl" dirty="0"/>
-              <a:t>Carga (Q) vs Temperatura (T)</a:t>
+              <a:t>Carga del modelo (Q) vs Carga real (Q)</a:t>
             </a:r>
             <a:endParaRPr lang="es-ES" dirty="0"/>
           </a:p>
@@ -5004,7 +4947,7 @@
     </p:spTree>
     <p:extLst>
       <p:ext uri="{BB962C8B-B14F-4D97-AF65-F5344CB8AC3E}">
-        <p14:creationId xmlns:p14="http://schemas.microsoft.com/office/powerpoint/2010/main" val="1393315176"/>
+        <p14:creationId xmlns:p14="http://schemas.microsoft.com/office/powerpoint/2010/main" val="2626982128"/>
       </p:ext>
     </p:extLst>
   </p:cSld>
@@ -5036,97 +4979,6 @@
           <p:cNvPr id="2" name="Título 1">
             <a:extLst>
               <a:ext uri="{FF2B5EF4-FFF2-40B4-BE49-F238E27FC236}">
-                <a16:creationId xmlns:a16="http://schemas.microsoft.com/office/drawing/2014/main" id="{78911189-F904-439D-BA2C-BFE40DEA1DE2}"/>
-              </a:ext>
-            </a:extLst>
-          </p:cNvPr>
-          <p:cNvSpPr>
-            <a:spLocks noGrp="1"/>
-          </p:cNvSpPr>
-          <p:nvPr>
-            <p:ph type="title"/>
-          </p:nvPr>
-        </p:nvSpPr>
-        <p:spPr/>
-        <p:txBody>
-          <a:bodyPr/>
-          <a:lstStyle/>
-          <a:p>
-            <a:r>
-              <a:rPr lang="es-ES" dirty="0">
-                <a:highlight>
-                  <a:srgbClr val="FFFF00"/>
-                </a:highlight>
-              </a:rPr>
-              <a:t>Grafica Q-Q</a:t>
-            </a:r>
-          </a:p>
-        </p:txBody>
-      </p:sp>
-      <p:sp>
-        <p:nvSpPr>
-          <p:cNvPr id="4" name="Marcador de contenido 3">
-            <a:extLst>
-              <a:ext uri="{FF2B5EF4-FFF2-40B4-BE49-F238E27FC236}">
-                <a16:creationId xmlns:a16="http://schemas.microsoft.com/office/drawing/2014/main" id="{A74D9D20-8892-42F1-AC0F-F5F07C391125}"/>
-              </a:ext>
-            </a:extLst>
-          </p:cNvPr>
-          <p:cNvSpPr>
-            <a:spLocks noGrp="1"/>
-          </p:cNvSpPr>
-          <p:nvPr>
-            <p:ph idx="1"/>
-          </p:nvPr>
-        </p:nvSpPr>
-        <p:spPr/>
-        <p:txBody>
-          <a:bodyPr/>
-          <a:lstStyle/>
-          <a:p>
-            <a:r>
-              <a:rPr lang="es-ES_tradnl" dirty="0"/>
-              <a:t>Carga del modelo (Q) vs Carga real (Q)</a:t>
-            </a:r>
-            <a:endParaRPr lang="es-ES" dirty="0"/>
-          </a:p>
-        </p:txBody>
-      </p:sp>
-    </p:spTree>
-    <p:extLst>
-      <p:ext uri="{BB962C8B-B14F-4D97-AF65-F5344CB8AC3E}">
-        <p14:creationId xmlns:p14="http://schemas.microsoft.com/office/powerpoint/2010/main" val="2626982128"/>
-      </p:ext>
-    </p:extLst>
-  </p:cSld>
-  <p:clrMapOvr>
-    <a:masterClrMapping/>
-  </p:clrMapOvr>
-</p:sld>
-</file>
-
-<file path=ppt/slides/slide22.xml><?xml version="1.0" encoding="utf-8"?>
-<p:sld xmlns:a="http://schemas.openxmlformats.org/drawingml/2006/main" xmlns:r="http://schemas.openxmlformats.org/officeDocument/2006/relationships" xmlns:p="http://schemas.openxmlformats.org/presentationml/2006/main">
-  <p:cSld>
-    <p:spTree>
-      <p:nvGrpSpPr>
-        <p:cNvPr id="1" name=""/>
-        <p:cNvGrpSpPr/>
-        <p:nvPr/>
-      </p:nvGrpSpPr>
-      <p:grpSpPr>
-        <a:xfrm>
-          <a:off x="0" y="0"/>
-          <a:ext cx="0" cy="0"/>
-          <a:chOff x="0" y="0"/>
-          <a:chExt cx="0" cy="0"/>
-        </a:xfrm>
-      </p:grpSpPr>
-      <p:sp>
-        <p:nvSpPr>
-          <p:cNvPr id="2" name="Título 1">
-            <a:extLst>
-              <a:ext uri="{FF2B5EF4-FFF2-40B4-BE49-F238E27FC236}">
                 <a16:creationId xmlns:a16="http://schemas.microsoft.com/office/drawing/2014/main" id="{7AA7784B-A5CB-4BC9-BAD7-AC16D02BE565}"/>
               </a:ext>
             </a:extLst>
@@ -5187,88 +5039,34 @@
             </a:r>
           </a:p>
           <a:p>
-            <a:pPr marL="0" indent="0">
-              <a:buNone/>
-            </a:pPr>
-            <a:r>
-              <a:rPr lang="es-ES" sz="1600" dirty="0">
-                <a:highlight>
-                  <a:srgbClr val="FFFF00"/>
-                </a:highlight>
-              </a:rPr>
-              <a:t>1. Instalación y activación de librerías</a:t>
-            </a:r>
-          </a:p>
-          <a:p>
-            <a:pPr marL="0" indent="0">
-              <a:buNone/>
-            </a:pPr>
-            <a:r>
-              <a:rPr lang="es-ES" sz="1600" dirty="0">
-                <a:highlight>
-                  <a:srgbClr val="FFFF00"/>
-                </a:highlight>
-              </a:rPr>
-              <a:t>2. Apertura de 1 archivo CSV</a:t>
-            </a:r>
-          </a:p>
-          <a:p>
-            <a:pPr marL="0" indent="0">
-              <a:buNone/>
-            </a:pPr>
-            <a:r>
-              <a:rPr lang="es-ES" sz="1600" dirty="0">
-                <a:highlight>
-                  <a:srgbClr val="FFFF00"/>
-                </a:highlight>
-              </a:rPr>
-              <a:t>3. Calculo de </a:t>
-            </a:r>
-            <a:r>
-              <a:rPr lang="es-ES" sz="1600" dirty="0" err="1">
-                <a:highlight>
-                  <a:srgbClr val="FFFF00"/>
-                </a:highlight>
-              </a:rPr>
-              <a:t>Heating</a:t>
-            </a:r>
-            <a:r>
-              <a:rPr lang="es-ES" sz="1600" dirty="0">
-                <a:highlight>
-                  <a:srgbClr val="FFFF00"/>
-                </a:highlight>
-              </a:rPr>
-              <a:t> </a:t>
-            </a:r>
-            <a:r>
-              <a:rPr lang="es-ES" sz="1600" dirty="0" err="1">
-                <a:highlight>
-                  <a:srgbClr val="FFFF00"/>
-                </a:highlight>
-              </a:rPr>
-              <a:t>Degree</a:t>
-            </a:r>
-            <a:r>
-              <a:rPr lang="es-ES" sz="1600" dirty="0">
-                <a:highlight>
-                  <a:srgbClr val="FFFF00"/>
-                </a:highlight>
-              </a:rPr>
-              <a:t> </a:t>
-            </a:r>
-            <a:r>
-              <a:rPr lang="es-ES" sz="1600" dirty="0" err="1">
-                <a:highlight>
-                  <a:srgbClr val="FFFF00"/>
-                </a:highlight>
-              </a:rPr>
-              <a:t>Days</a:t>
-            </a:r>
-            <a:endParaRPr lang="en-GB" sz="11500" dirty="0">
-              <a:highlight>
-                <a:srgbClr val="FFFF00"/>
-              </a:highlight>
-            </a:endParaRPr>
+            <a:r>
+              <a:rPr lang="es-ES" sz="1600" dirty="0"/>
+              <a:t>Función </a:t>
+            </a:r>
+            <a:r>
+              <a:rPr lang="es-ES" sz="1600" dirty="0" err="1"/>
+              <a:t>changepoint</a:t>
+            </a:r>
+            <a:endParaRPr lang="es-ES" sz="1600" dirty="0"/>
+          </a:p>
+          <a:p>
+            <a:r>
+              <a:rPr lang="es-ES" sz="1600" dirty="0"/>
+              <a:t>Uso manual de la función</a:t>
+            </a:r>
+          </a:p>
+          <a:p>
+            <a:r>
+              <a:rPr lang="es-ES" sz="1600" dirty="0"/>
+              <a:t>Optimización</a:t>
+            </a:r>
+          </a:p>
+          <a:p>
+            <a:r>
+              <a:rPr lang="es-ES" sz="1600" dirty="0"/>
+              <a:t>Formulación alternativa</a:t>
+            </a:r>
+            <a:endParaRPr lang="en-GB" sz="11500" dirty="0"/>
           </a:p>
         </p:txBody>
       </p:sp>
@@ -5285,7 +5083,7 @@
 </p:sld>
 </file>
 
-<file path=ppt/slides/slide23.xml><?xml version="1.0" encoding="utf-8"?>
+<file path=ppt/slides/slide22.xml><?xml version="1.0" encoding="utf-8"?>
 <p:sld xmlns:a="http://schemas.openxmlformats.org/drawingml/2006/main" xmlns:r="http://schemas.openxmlformats.org/officeDocument/2006/relationships" xmlns:p="http://schemas.openxmlformats.org/presentationml/2006/main">
   <p:cSld>
     <p:spTree>
@@ -6219,7 +6017,7 @@
 </p:sld>
 </file>
 
-<file path=ppt/slides/slide24.xml><?xml version="1.0" encoding="utf-8"?>
+<file path=ppt/slides/slide23.xml><?xml version="1.0" encoding="utf-8"?>
 <p:sld xmlns:a="http://schemas.openxmlformats.org/drawingml/2006/main" xmlns:r="http://schemas.openxmlformats.org/officeDocument/2006/relationships" xmlns:p="http://schemas.openxmlformats.org/presentationml/2006/main">
   <p:cSld>
     <p:spTree>
@@ -6454,7 +6252,7 @@
 </p:sld>
 </file>
 
-<file path=ppt/slides/slide25.xml><?xml version="1.0" encoding="utf-8"?>
+<file path=ppt/slides/slide24.xml><?xml version="1.0" encoding="utf-8"?>
 <p:sld xmlns:a="http://schemas.openxmlformats.org/drawingml/2006/main" xmlns:r="http://schemas.openxmlformats.org/officeDocument/2006/relationships" xmlns:p="http://schemas.openxmlformats.org/presentationml/2006/main">
   <p:cSld>
     <p:spTree>
@@ -6603,6 +6401,98 @@
 </p:sld>
 </file>
 
+<file path=ppt/slides/slide25.xml><?xml version="1.0" encoding="utf-8"?>
+<p:sld xmlns:a="http://schemas.openxmlformats.org/drawingml/2006/main" xmlns:r="http://schemas.openxmlformats.org/officeDocument/2006/relationships" xmlns:p="http://schemas.openxmlformats.org/presentationml/2006/main">
+  <p:cSld>
+    <p:spTree>
+      <p:nvGrpSpPr>
+        <p:cNvPr id="1" name=""/>
+        <p:cNvGrpSpPr/>
+        <p:nvPr/>
+      </p:nvGrpSpPr>
+      <p:grpSpPr>
+        <a:xfrm>
+          <a:off x="0" y="0"/>
+          <a:ext cx="0" cy="0"/>
+          <a:chOff x="0" y="0"/>
+          <a:chExt cx="0" cy="0"/>
+        </a:xfrm>
+      </p:grpSpPr>
+      <p:sp>
+        <p:nvSpPr>
+          <p:cNvPr id="2" name="Título 1">
+            <a:extLst>
+              <a:ext uri="{FF2B5EF4-FFF2-40B4-BE49-F238E27FC236}">
+                <a16:creationId xmlns:a16="http://schemas.microsoft.com/office/drawing/2014/main" id="{801C56BC-4C58-4985-B4CF-5BD463831B5F}"/>
+              </a:ext>
+            </a:extLst>
+          </p:cNvPr>
+          <p:cNvSpPr>
+            <a:spLocks noGrp="1"/>
+          </p:cNvSpPr>
+          <p:nvPr>
+            <p:ph type="title"/>
+          </p:nvPr>
+        </p:nvSpPr>
+        <p:spPr/>
+        <p:txBody>
+          <a:bodyPr/>
+          <a:lstStyle/>
+          <a:p>
+            <a:r>
+              <a:rPr lang="es-ES_tradnl" dirty="0" err="1">
+                <a:highlight>
+                  <a:srgbClr val="FFFF00"/>
+                </a:highlight>
+              </a:rPr>
+              <a:t>Changepoint</a:t>
+            </a:r>
+            <a:endParaRPr lang="es-ES" dirty="0">
+              <a:highlight>
+                <a:srgbClr val="FFFF00"/>
+              </a:highlight>
+            </a:endParaRPr>
+          </a:p>
+        </p:txBody>
+      </p:sp>
+      <p:sp>
+        <p:nvSpPr>
+          <p:cNvPr id="3" name="Marcador de contenido 2">
+            <a:extLst>
+              <a:ext uri="{FF2B5EF4-FFF2-40B4-BE49-F238E27FC236}">
+                <a16:creationId xmlns:a16="http://schemas.microsoft.com/office/drawing/2014/main" id="{26FFB6C1-8FA6-4675-A384-3B599AC3F3A5}"/>
+              </a:ext>
+            </a:extLst>
+          </p:cNvPr>
+          <p:cNvSpPr>
+            <a:spLocks noGrp="1"/>
+          </p:cNvSpPr>
+          <p:nvPr>
+            <p:ph idx="1"/>
+          </p:nvPr>
+        </p:nvSpPr>
+        <p:spPr/>
+        <p:txBody>
+          <a:bodyPr/>
+          <a:lstStyle/>
+          <a:p>
+            <a:endParaRPr lang="es-ES" dirty="0"/>
+          </a:p>
+        </p:txBody>
+      </p:sp>
+    </p:spTree>
+    <p:extLst>
+      <p:ext uri="{BB962C8B-B14F-4D97-AF65-F5344CB8AC3E}">
+        <p14:creationId xmlns:p14="http://schemas.microsoft.com/office/powerpoint/2010/main" val="3324831747"/>
+      </p:ext>
+    </p:extLst>
+  </p:cSld>
+  <p:clrMapOvr>
+    <a:masterClrMapping/>
+  </p:clrMapOvr>
+</p:sld>
+</file>
+
 <file path=ppt/slides/slide26.xml><?xml version="1.0" encoding="utf-8"?>
 <p:sld xmlns:a="http://schemas.openxmlformats.org/drawingml/2006/main" xmlns:r="http://schemas.openxmlformats.org/officeDocument/2006/relationships" xmlns:p="http://schemas.openxmlformats.org/presentationml/2006/main">
   <p:cSld>
@@ -6625,7 +6515,7 @@
           <p:cNvPr id="2" name="Título 1">
             <a:extLst>
               <a:ext uri="{FF2B5EF4-FFF2-40B4-BE49-F238E27FC236}">
-                <a16:creationId xmlns:a16="http://schemas.microsoft.com/office/drawing/2014/main" id="{801C56BC-4C58-4985-B4CF-5BD463831B5F}"/>
+                <a16:creationId xmlns:a16="http://schemas.microsoft.com/office/drawing/2014/main" id="{DAE7DD4B-587B-4451-B139-20B486818DDC}"/>
               </a:ext>
             </a:extLst>
           </p:cNvPr>
@@ -6642,18 +6532,22 @@
           <a:lstStyle/>
           <a:p>
             <a:r>
-              <a:rPr lang="es-ES_tradnl" dirty="0" err="1">
-                <a:highlight>
-                  <a:srgbClr val="FFFF00"/>
-                </a:highlight>
-              </a:rPr>
-              <a:t>Changepoint</a:t>
-            </a:r>
-            <a:endParaRPr lang="es-ES" dirty="0">
-              <a:highlight>
-                <a:srgbClr val="FFFF00"/>
-              </a:highlight>
-            </a:endParaRPr>
+              <a:rPr lang="es-ES_tradnl" dirty="0" err="1"/>
+              <a:t>max</a:t>
+            </a:r>
+            <a:r>
+              <a:rPr lang="es-ES_tradnl" dirty="0"/>
+              <a:t>() vs </a:t>
+            </a:r>
+            <a:r>
+              <a:rPr lang="es-ES_tradnl" dirty="0" err="1"/>
+              <a:t>pmax</a:t>
+            </a:r>
+            <a:r>
+              <a:rPr lang="es-ES_tradnl" dirty="0"/>
+              <a:t>()</a:t>
+            </a:r>
+            <a:endParaRPr lang="es-ES" dirty="0"/>
           </a:p>
         </p:txBody>
       </p:sp>
@@ -6662,7 +6556,7 @@
           <p:cNvPr id="3" name="Marcador de contenido 2">
             <a:extLst>
               <a:ext uri="{FF2B5EF4-FFF2-40B4-BE49-F238E27FC236}">
-                <a16:creationId xmlns:a16="http://schemas.microsoft.com/office/drawing/2014/main" id="{26FFB6C1-8FA6-4675-A384-3B599AC3F3A5}"/>
+                <a16:creationId xmlns:a16="http://schemas.microsoft.com/office/drawing/2014/main" id="{05DE7D79-925A-4B92-9D3C-6DB1010810D1}"/>
               </a:ext>
             </a:extLst>
           </p:cNvPr>
@@ -6678,14 +6572,70 @@
           <a:bodyPr/>
           <a:lstStyle/>
           <a:p>
-            <a:endParaRPr lang="es-ES" dirty="0"/>
+            <a:r>
+              <a:rPr lang="es-ES_tradnl" dirty="0" err="1"/>
+              <a:t>max</a:t>
+            </a:r>
+            <a:r>
+              <a:rPr lang="es-ES_tradnl" dirty="0"/>
+              <a:t>	() 		1 valor máximo de un conjunto de datos</a:t>
+            </a:r>
+          </a:p>
+          <a:p>
+            <a:r>
+              <a:rPr lang="es-ES_tradnl" dirty="0" err="1"/>
+              <a:t>pmax</a:t>
+            </a:r>
+            <a:r>
+              <a:rPr lang="es-ES_tradnl" dirty="0"/>
+              <a:t>()</a:t>
+            </a:r>
+          </a:p>
+          <a:p>
+            <a:pPr lvl="1"/>
+            <a:r>
+              <a:rPr lang="es-ES_tradnl" dirty="0"/>
+              <a:t>compara 2 vectores de igual longitud</a:t>
+            </a:r>
+          </a:p>
+          <a:p>
+            <a:pPr lvl="1"/>
+            <a:r>
+              <a:rPr lang="es-ES_tradnl" dirty="0"/>
+              <a:t>Devuelve un vector</a:t>
+            </a:r>
+          </a:p>
+          <a:p>
+            <a:pPr lvl="1"/>
+            <a:r>
+              <a:rPr lang="es-ES_tradnl" dirty="0"/>
+              <a:t>cada valor [i] es igual al valor máximo de las posiciones [i] de los vectores originales</a:t>
+            </a:r>
+          </a:p>
+          <a:p>
+            <a:r>
+              <a:rPr lang="es-ES_tradnl" dirty="0" err="1"/>
+              <a:t>Idem</a:t>
+            </a:r>
+            <a:r>
+              <a:rPr lang="es-ES_tradnl" dirty="0"/>
+              <a:t> con min() vs </a:t>
+            </a:r>
+            <a:r>
+              <a:rPr lang="es-ES_tradnl" dirty="0" err="1"/>
+              <a:t>pmin</a:t>
+            </a:r>
+            <a:r>
+              <a:rPr lang="es-ES_tradnl" dirty="0"/>
+              <a:t>()</a:t>
+            </a:r>
           </a:p>
         </p:txBody>
       </p:sp>
     </p:spTree>
     <p:extLst>
       <p:ext uri="{BB962C8B-B14F-4D97-AF65-F5344CB8AC3E}">
-        <p14:creationId xmlns:p14="http://schemas.microsoft.com/office/powerpoint/2010/main" val="3324831747"/>
+        <p14:creationId xmlns:p14="http://schemas.microsoft.com/office/powerpoint/2010/main" val="3732996418"/>
       </p:ext>
     </p:extLst>
   </p:cSld>
@@ -6717,158 +6667,6 @@
           <p:cNvPr id="2" name="Título 1">
             <a:extLst>
               <a:ext uri="{FF2B5EF4-FFF2-40B4-BE49-F238E27FC236}">
-                <a16:creationId xmlns:a16="http://schemas.microsoft.com/office/drawing/2014/main" id="{DAE7DD4B-587B-4451-B139-20B486818DDC}"/>
-              </a:ext>
-            </a:extLst>
-          </p:cNvPr>
-          <p:cNvSpPr>
-            <a:spLocks noGrp="1"/>
-          </p:cNvSpPr>
-          <p:nvPr>
-            <p:ph type="title"/>
-          </p:nvPr>
-        </p:nvSpPr>
-        <p:spPr/>
-        <p:txBody>
-          <a:bodyPr/>
-          <a:lstStyle/>
-          <a:p>
-            <a:r>
-              <a:rPr lang="es-ES_tradnl" dirty="0" err="1"/>
-              <a:t>max</a:t>
-            </a:r>
-            <a:r>
-              <a:rPr lang="es-ES_tradnl" dirty="0"/>
-              <a:t>() vs </a:t>
-            </a:r>
-            <a:r>
-              <a:rPr lang="es-ES_tradnl" dirty="0" err="1"/>
-              <a:t>pmax</a:t>
-            </a:r>
-            <a:r>
-              <a:rPr lang="es-ES_tradnl" dirty="0"/>
-              <a:t>()</a:t>
-            </a:r>
-            <a:endParaRPr lang="es-ES" dirty="0"/>
-          </a:p>
-        </p:txBody>
-      </p:sp>
-      <p:sp>
-        <p:nvSpPr>
-          <p:cNvPr id="3" name="Marcador de contenido 2">
-            <a:extLst>
-              <a:ext uri="{FF2B5EF4-FFF2-40B4-BE49-F238E27FC236}">
-                <a16:creationId xmlns:a16="http://schemas.microsoft.com/office/drawing/2014/main" id="{05DE7D79-925A-4B92-9D3C-6DB1010810D1}"/>
-              </a:ext>
-            </a:extLst>
-          </p:cNvPr>
-          <p:cNvSpPr>
-            <a:spLocks noGrp="1"/>
-          </p:cNvSpPr>
-          <p:nvPr>
-            <p:ph idx="1"/>
-          </p:nvPr>
-        </p:nvSpPr>
-        <p:spPr/>
-        <p:txBody>
-          <a:bodyPr/>
-          <a:lstStyle/>
-          <a:p>
-            <a:r>
-              <a:rPr lang="es-ES_tradnl" dirty="0" err="1"/>
-              <a:t>max</a:t>
-            </a:r>
-            <a:r>
-              <a:rPr lang="es-ES_tradnl" dirty="0"/>
-              <a:t>	() 		1 valor máximo de un conjunto de datos</a:t>
-            </a:r>
-          </a:p>
-          <a:p>
-            <a:r>
-              <a:rPr lang="es-ES_tradnl" dirty="0" err="1"/>
-              <a:t>pmax</a:t>
-            </a:r>
-            <a:r>
-              <a:rPr lang="es-ES_tradnl" dirty="0"/>
-              <a:t>()</a:t>
-            </a:r>
-          </a:p>
-          <a:p>
-            <a:pPr lvl="1"/>
-            <a:r>
-              <a:rPr lang="es-ES_tradnl" dirty="0"/>
-              <a:t>compara 2 vectores de igual longitud</a:t>
-            </a:r>
-          </a:p>
-          <a:p>
-            <a:pPr lvl="1"/>
-            <a:r>
-              <a:rPr lang="es-ES_tradnl" dirty="0"/>
-              <a:t>Devuelve un vector</a:t>
-            </a:r>
-          </a:p>
-          <a:p>
-            <a:pPr lvl="1"/>
-            <a:r>
-              <a:rPr lang="es-ES_tradnl" dirty="0"/>
-              <a:t>cada valor [i] es igual al valor máximo de las posiciones [i] de los vectores originales</a:t>
-            </a:r>
-          </a:p>
-          <a:p>
-            <a:r>
-              <a:rPr lang="es-ES_tradnl" dirty="0" err="1"/>
-              <a:t>Idem</a:t>
-            </a:r>
-            <a:r>
-              <a:rPr lang="es-ES_tradnl" dirty="0"/>
-              <a:t> con min() vs </a:t>
-            </a:r>
-            <a:r>
-              <a:rPr lang="es-ES_tradnl" dirty="0" err="1"/>
-              <a:t>pmin</a:t>
-            </a:r>
-            <a:r>
-              <a:rPr lang="es-ES_tradnl" dirty="0"/>
-              <a:t>()</a:t>
-            </a:r>
-          </a:p>
-        </p:txBody>
-      </p:sp>
-    </p:spTree>
-    <p:extLst>
-      <p:ext uri="{BB962C8B-B14F-4D97-AF65-F5344CB8AC3E}">
-        <p14:creationId xmlns:p14="http://schemas.microsoft.com/office/powerpoint/2010/main" val="3732996418"/>
-      </p:ext>
-    </p:extLst>
-  </p:cSld>
-  <p:clrMapOvr>
-    <a:masterClrMapping/>
-  </p:clrMapOvr>
-</p:sld>
-</file>
-
-<file path=ppt/slides/slide28.xml><?xml version="1.0" encoding="utf-8"?>
-<p:sld xmlns:a="http://schemas.openxmlformats.org/drawingml/2006/main" xmlns:r="http://schemas.openxmlformats.org/officeDocument/2006/relationships" xmlns:p="http://schemas.openxmlformats.org/presentationml/2006/main">
-  <p:cSld>
-    <p:spTree>
-      <p:nvGrpSpPr>
-        <p:cNvPr id="1" name=""/>
-        <p:cNvGrpSpPr/>
-        <p:nvPr/>
-      </p:nvGrpSpPr>
-      <p:grpSpPr>
-        <a:xfrm>
-          <a:off x="0" y="0"/>
-          <a:ext cx="0" cy="0"/>
-          <a:chOff x="0" y="0"/>
-          <a:chExt cx="0" cy="0"/>
-        </a:xfrm>
-      </p:grpSpPr>
-      <p:sp>
-        <p:nvSpPr>
-          <p:cNvPr id="2" name="Título 1">
-            <a:extLst>
-              <a:ext uri="{FF2B5EF4-FFF2-40B4-BE49-F238E27FC236}">
                 <a16:creationId xmlns:a16="http://schemas.microsoft.com/office/drawing/2014/main" id="{801C56BC-4C58-4985-B4CF-5BD463831B5F}"/>
               </a:ext>
             </a:extLst>
@@ -6939,7 +6737,7 @@
 </p:sld>
 </file>
 
-<file path=ppt/slides/slide29.xml><?xml version="1.0" encoding="utf-8"?>
+<file path=ppt/slides/slide28.xml><?xml version="1.0" encoding="utf-8"?>
 <p:sld xmlns:a="http://schemas.openxmlformats.org/drawingml/2006/main" xmlns:r="http://schemas.openxmlformats.org/officeDocument/2006/relationships" xmlns:p="http://schemas.openxmlformats.org/presentationml/2006/main">
   <p:cSld>
     <p:spTree>
@@ -7025,6 +6823,106 @@
     <p:extLst>
       <p:ext uri="{BB962C8B-B14F-4D97-AF65-F5344CB8AC3E}">
         <p14:creationId xmlns:p14="http://schemas.microsoft.com/office/powerpoint/2010/main" val="2500902547"/>
+      </p:ext>
+    </p:extLst>
+  </p:cSld>
+  <p:clrMapOvr>
+    <a:masterClrMapping/>
+  </p:clrMapOvr>
+</p:sld>
+</file>
+
+<file path=ppt/slides/slide29.xml><?xml version="1.0" encoding="utf-8"?>
+<p:sld xmlns:a="http://schemas.openxmlformats.org/drawingml/2006/main" xmlns:r="http://schemas.openxmlformats.org/officeDocument/2006/relationships" xmlns:p="http://schemas.openxmlformats.org/presentationml/2006/main">
+  <p:cSld>
+    <p:spTree>
+      <p:nvGrpSpPr>
+        <p:cNvPr id="1" name=""/>
+        <p:cNvGrpSpPr/>
+        <p:nvPr/>
+      </p:nvGrpSpPr>
+      <p:grpSpPr>
+        <a:xfrm>
+          <a:off x="0" y="0"/>
+          <a:ext cx="0" cy="0"/>
+          <a:chOff x="0" y="0"/>
+          <a:chExt cx="0" cy="0"/>
+        </a:xfrm>
+      </p:grpSpPr>
+      <p:sp>
+        <p:nvSpPr>
+          <p:cNvPr id="2" name="Título 1">
+            <a:extLst>
+              <a:ext uri="{FF2B5EF4-FFF2-40B4-BE49-F238E27FC236}">
+                <a16:creationId xmlns:a16="http://schemas.microsoft.com/office/drawing/2014/main" id="{7AA7784B-A5CB-4BC9-BAD7-AC16D02BE565}"/>
+              </a:ext>
+            </a:extLst>
+          </p:cNvPr>
+          <p:cNvSpPr>
+            <a:spLocks noGrp="1"/>
+          </p:cNvSpPr>
+          <p:nvPr>
+            <p:ph type="title"/>
+          </p:nvPr>
+        </p:nvSpPr>
+        <p:spPr/>
+        <p:txBody>
+          <a:bodyPr/>
+          <a:lstStyle/>
+          <a:p>
+            <a:r>
+              <a:rPr lang="en-GB" dirty="0"/>
+              <a:t>Variables </a:t>
+            </a:r>
+            <a:r>
+              <a:rPr lang="en-GB" dirty="0" err="1"/>
+              <a:t>Relevantes</a:t>
+            </a:r>
+            <a:endParaRPr lang="en-GB" dirty="0"/>
+          </a:p>
+        </p:txBody>
+      </p:sp>
+      <p:sp>
+        <p:nvSpPr>
+          <p:cNvPr id="3" name="Marcador de contenido 2">
+            <a:extLst>
+              <a:ext uri="{FF2B5EF4-FFF2-40B4-BE49-F238E27FC236}">
+                <a16:creationId xmlns:a16="http://schemas.microsoft.com/office/drawing/2014/main" id="{52181411-16DD-4714-8888-AA3FCFE00BA5}"/>
+              </a:ext>
+            </a:extLst>
+          </p:cNvPr>
+          <p:cNvSpPr>
+            <a:spLocks noGrp="1"/>
+          </p:cNvSpPr>
+          <p:nvPr>
+            <p:ph idx="1"/>
+          </p:nvPr>
+        </p:nvSpPr>
+        <p:spPr/>
+        <p:txBody>
+          <a:bodyPr>
+            <a:normAutofit/>
+          </a:bodyPr>
+          <a:lstStyle/>
+          <a:p>
+            <a:pPr marL="0" indent="0">
+              <a:buNone/>
+            </a:pPr>
+            <a:r>
+              <a:rPr lang="es-ES" sz="11500" dirty="0">
+                <a:highlight>
+                  <a:srgbClr val="FFFF00"/>
+                </a:highlight>
+              </a:rPr>
+              <a:t>TEORIA</a:t>
+            </a:r>
+          </a:p>
+        </p:txBody>
+      </p:sp>
+    </p:spTree>
+    <p:extLst>
+      <p:ext uri="{BB962C8B-B14F-4D97-AF65-F5344CB8AC3E}">
+        <p14:creationId xmlns:p14="http://schemas.microsoft.com/office/powerpoint/2010/main" val="4210259360"/>
       </p:ext>
     </p:extLst>
   </p:cSld>
@@ -8415,6 +8313,14 @@
               <a:rPr lang="en-GB" dirty="0" err="1"/>
               <a:t>Relevantes</a:t>
             </a:r>
+            <a:r>
+              <a:rPr lang="en-GB" dirty="0"/>
+              <a:t> </a:t>
+            </a:r>
+            <a:r>
+              <a:rPr lang="es-ES" dirty="0"/>
+              <a:t>[Script 4]</a:t>
+            </a:r>
             <a:endParaRPr lang="en-GB" dirty="0"/>
           </a:p>
         </p:txBody>
@@ -8446,12 +8352,32 @@
               <a:buNone/>
             </a:pPr>
             <a:r>
-              <a:rPr lang="es-ES" sz="11500" dirty="0">
-                <a:highlight>
-                  <a:srgbClr val="FFFF00"/>
-                </a:highlight>
-              </a:rPr>
-              <a:t>TEORIA</a:t>
+              <a:rPr lang="es-ES" sz="11500" dirty="0"/>
+              <a:t>[SCRIPT4]</a:t>
+            </a:r>
+          </a:p>
+          <a:p>
+            <a:r>
+              <a:rPr lang="es-ES" sz="1600" dirty="0"/>
+              <a:t>Definición función con Q de corte</a:t>
+            </a:r>
+          </a:p>
+          <a:p>
+            <a:r>
+              <a:rPr lang="es-ES" sz="1600" dirty="0"/>
+              <a:t>Optimización</a:t>
+            </a:r>
+          </a:p>
+          <a:p>
+            <a:r>
+              <a:rPr lang="es-ES" sz="1600" dirty="0"/>
+              <a:t>Definición función con Q de corte multidimensional</a:t>
+            </a:r>
+          </a:p>
+          <a:p>
+            <a:r>
+              <a:rPr lang="es-ES" sz="1600" dirty="0"/>
+              <a:t>Optimización</a:t>
             </a:r>
           </a:p>
         </p:txBody>
@@ -8459,7 +8385,7 @@
     </p:spTree>
     <p:extLst>
       <p:ext uri="{BB962C8B-B14F-4D97-AF65-F5344CB8AC3E}">
-        <p14:creationId xmlns:p14="http://schemas.microsoft.com/office/powerpoint/2010/main" val="4210259360"/>
+        <p14:creationId xmlns:p14="http://schemas.microsoft.com/office/powerpoint/2010/main" val="4188609546"/>
       </p:ext>
     </p:extLst>
   </p:cSld>
@@ -8515,14 +8441,6 @@
               <a:rPr lang="en-GB" dirty="0" err="1"/>
               <a:t>Relevantes</a:t>
             </a:r>
-            <a:r>
-              <a:rPr lang="en-GB" dirty="0"/>
-              <a:t> </a:t>
-            </a:r>
-            <a:r>
-              <a:rPr lang="es-ES" dirty="0"/>
-              <a:t>[Script 4]</a:t>
-            </a:r>
             <a:endParaRPr lang="en-GB" dirty="0"/>
           </a:p>
         </p:txBody>
@@ -8554,100 +8472,20 @@
               <a:buNone/>
             </a:pPr>
             <a:r>
-              <a:rPr lang="es-ES" sz="11500" dirty="0"/>
-              <a:t>[SCRIPT4]</a:t>
-            </a:r>
-          </a:p>
-          <a:p>
-            <a:pPr marL="0" indent="0">
-              <a:buNone/>
-            </a:pPr>
-            <a:r>
-              <a:rPr lang="es-ES" sz="1600" dirty="0">
+              <a:rPr lang="es-ES" sz="11500" dirty="0">
                 <a:highlight>
                   <a:srgbClr val="FFFF00"/>
                 </a:highlight>
               </a:rPr>
-              <a:t>1. Instalación y activación de librerías</a:t>
-            </a:r>
-          </a:p>
-          <a:p>
-            <a:pPr marL="0" indent="0">
-              <a:buNone/>
-            </a:pPr>
-            <a:r>
-              <a:rPr lang="es-ES" sz="1600" dirty="0">
-                <a:highlight>
-                  <a:srgbClr val="FFFF00"/>
-                </a:highlight>
-              </a:rPr>
-              <a:t>2. Apertura de 1 archivo CSV</a:t>
-            </a:r>
-          </a:p>
-          <a:p>
-            <a:pPr marL="0" indent="0">
-              <a:buNone/>
-            </a:pPr>
-            <a:r>
-              <a:rPr lang="es-ES" sz="1600" dirty="0">
-                <a:highlight>
-                  <a:srgbClr val="FFFF00"/>
-                </a:highlight>
-              </a:rPr>
-              <a:t>3. Calculo de </a:t>
-            </a:r>
-            <a:r>
-              <a:rPr lang="es-ES" sz="1600" dirty="0" err="1">
-                <a:highlight>
-                  <a:srgbClr val="FFFF00"/>
-                </a:highlight>
-              </a:rPr>
-              <a:t>Heating</a:t>
-            </a:r>
-            <a:r>
-              <a:rPr lang="es-ES" sz="1600" dirty="0">
-                <a:highlight>
-                  <a:srgbClr val="FFFF00"/>
-                </a:highlight>
-              </a:rPr>
-              <a:t> </a:t>
-            </a:r>
-            <a:r>
-              <a:rPr lang="es-ES" sz="1600" dirty="0" err="1">
-                <a:highlight>
-                  <a:srgbClr val="FFFF00"/>
-                </a:highlight>
-              </a:rPr>
-              <a:t>Degree</a:t>
-            </a:r>
-            <a:r>
-              <a:rPr lang="es-ES" sz="1600" dirty="0">
-                <a:highlight>
-                  <a:srgbClr val="FFFF00"/>
-                </a:highlight>
-              </a:rPr>
-              <a:t> </a:t>
-            </a:r>
-            <a:r>
-              <a:rPr lang="es-ES" sz="1600" dirty="0" err="1">
-                <a:highlight>
-                  <a:srgbClr val="FFFF00"/>
-                </a:highlight>
-              </a:rPr>
-              <a:t>Days</a:t>
-            </a:r>
-            <a:endParaRPr lang="en-GB" sz="11500" dirty="0">
-              <a:highlight>
-                <a:srgbClr val="FFFF00"/>
-              </a:highlight>
-            </a:endParaRPr>
+              <a:t>Discusión</a:t>
+            </a:r>
           </a:p>
         </p:txBody>
       </p:sp>
     </p:spTree>
     <p:extLst>
       <p:ext uri="{BB962C8B-B14F-4D97-AF65-F5344CB8AC3E}">
-        <p14:creationId xmlns:p14="http://schemas.microsoft.com/office/powerpoint/2010/main" val="4188609546"/>
+        <p14:creationId xmlns:p14="http://schemas.microsoft.com/office/powerpoint/2010/main" val="2752339974"/>
       </p:ext>
     </p:extLst>
   </p:cSld>
@@ -8679,7 +8517,7 @@
           <p:cNvPr id="2" name="Título 1">
             <a:extLst>
               <a:ext uri="{FF2B5EF4-FFF2-40B4-BE49-F238E27FC236}">
-                <a16:creationId xmlns:a16="http://schemas.microsoft.com/office/drawing/2014/main" id="{7AA7784B-A5CB-4BC9-BAD7-AC16D02BE565}"/>
+                <a16:creationId xmlns:a16="http://schemas.microsoft.com/office/drawing/2014/main" id="{CA368606-69E6-4C7D-B87F-D05B8E1502DF}"/>
               </a:ext>
             </a:extLst>
           </p:cNvPr>
@@ -8696,23 +8534,18 @@
           <a:lstStyle/>
           <a:p>
             <a:r>
-              <a:rPr lang="en-GB" dirty="0"/>
-              <a:t>Variables </a:t>
-            </a:r>
-            <a:r>
-              <a:rPr lang="en-GB" dirty="0" err="1"/>
-              <a:t>Relevantes</a:t>
-            </a:r>
-            <a:endParaRPr lang="en-GB" dirty="0"/>
-          </a:p>
-        </p:txBody>
-      </p:sp>
-      <p:sp>
-        <p:nvSpPr>
-          <p:cNvPr id="3" name="Marcador de contenido 2">
+              <a:rPr lang="es-ES" dirty="0"/>
+              <a:t>Agradecimientos</a:t>
+            </a:r>
+          </a:p>
+        </p:txBody>
+      </p:sp>
+      <p:sp>
+        <p:nvSpPr>
+          <p:cNvPr id="4" name="Marcador de contenido 3">
             <a:extLst>
               <a:ext uri="{FF2B5EF4-FFF2-40B4-BE49-F238E27FC236}">
-                <a16:creationId xmlns:a16="http://schemas.microsoft.com/office/drawing/2014/main" id="{52181411-16DD-4714-8888-AA3FCFE00BA5}"/>
+                <a16:creationId xmlns:a16="http://schemas.microsoft.com/office/drawing/2014/main" id="{BBF521F6-13F5-44F3-9FCD-FD0A967D72DB}"/>
               </a:ext>
             </a:extLst>
           </p:cNvPr>
@@ -8725,29 +8558,198 @@
         </p:nvSpPr>
         <p:spPr/>
         <p:txBody>
-          <a:bodyPr>
-            <a:normAutofit/>
-          </a:bodyPr>
+          <a:bodyPr/>
           <a:lstStyle/>
           <a:p>
             <a:pPr marL="0" indent="0">
               <a:buNone/>
             </a:pPr>
             <a:r>
-              <a:rPr lang="es-ES" sz="11500" dirty="0">
-                <a:highlight>
-                  <a:srgbClr val="FFFF00"/>
-                </a:highlight>
+              <a:rPr lang="es-ES" dirty="0"/>
+              <a:t>Los datos empleados en esta práctica han sido recopilados en el marco del proyecto h2020 RELaTED</a:t>
+            </a:r>
+          </a:p>
+        </p:txBody>
+      </p:sp>
+      <p:sp>
+        <p:nvSpPr>
+          <p:cNvPr id="6" name="CuadroTexto 5">
+            <a:extLst>
+              <a:ext uri="{FF2B5EF4-FFF2-40B4-BE49-F238E27FC236}">
+                <a16:creationId xmlns:a16="http://schemas.microsoft.com/office/drawing/2014/main" id="{0C1F24FC-2B05-4DA9-B4BF-4138D641FF8A}"/>
+              </a:ext>
+            </a:extLst>
+          </p:cNvPr>
+          <p:cNvSpPr txBox="1"/>
+          <p:nvPr/>
+        </p:nvSpPr>
+        <p:spPr>
+          <a:xfrm>
+            <a:off x="838200" y="4035531"/>
+            <a:ext cx="8646042" cy="1384995"/>
+          </a:xfrm>
+          <a:prstGeom prst="rect">
+            <a:avLst/>
+          </a:prstGeom>
+          <a:noFill/>
+        </p:spPr>
+        <p:txBody>
+          <a:bodyPr wrap="square">
+            <a:spAutoFit/>
+          </a:bodyPr>
+          <a:lstStyle/>
+          <a:p>
+            <a:pPr algn="just"/>
+            <a:r>
+              <a:rPr lang="en-US" sz="2800" dirty="0">
+                <a:effectLst/>
+                <a:latin typeface="Calibri" panose="020F0502020204030204" pitchFamily="34" charset="0"/>
+                <a:ea typeface="Calibri" panose="020F0502020204030204" pitchFamily="34" charset="0"/>
+                <a:cs typeface="Times New Roman" panose="02020603050405020304" pitchFamily="18" charset="0"/>
               </a:rPr>
-              <a:t>Discusión</a:t>
-            </a:r>
+              <a:t>This project has received funding from the European Union’s Horizon 2020 research and innovation </a:t>
+            </a:r>
+            <a:r>
+              <a:rPr lang="en-US" sz="2800" dirty="0" err="1">
+                <a:effectLst/>
+                <a:latin typeface="Calibri" panose="020F0502020204030204" pitchFamily="34" charset="0"/>
+                <a:ea typeface="Calibri" panose="020F0502020204030204" pitchFamily="34" charset="0"/>
+                <a:cs typeface="Times New Roman" panose="02020603050405020304" pitchFamily="18" charset="0"/>
+              </a:rPr>
+              <a:t>programme</a:t>
+            </a:r>
+            <a:r>
+              <a:rPr lang="en-US" sz="2800" dirty="0">
+                <a:effectLst/>
+                <a:latin typeface="Calibri" panose="020F0502020204030204" pitchFamily="34" charset="0"/>
+                <a:ea typeface="Calibri" panose="020F0502020204030204" pitchFamily="34" charset="0"/>
+                <a:cs typeface="Times New Roman" panose="02020603050405020304" pitchFamily="18" charset="0"/>
+              </a:rPr>
+              <a:t> under grant agreement No 768567.</a:t>
+            </a:r>
+            <a:endParaRPr lang="es-ES" sz="2800" dirty="0">
+              <a:effectLst/>
+              <a:latin typeface="Calibri" panose="020F0502020204030204" pitchFamily="34" charset="0"/>
+              <a:ea typeface="Calibri" panose="020F0502020204030204" pitchFamily="34" charset="0"/>
+              <a:cs typeface="Times New Roman" panose="02020603050405020304" pitchFamily="18" charset="0"/>
+            </a:endParaRPr>
+          </a:p>
+        </p:txBody>
+      </p:sp>
+      <p:pic>
+        <p:nvPicPr>
+          <p:cNvPr id="8" name="Imagen 7">
+            <a:extLst>
+              <a:ext uri="{FF2B5EF4-FFF2-40B4-BE49-F238E27FC236}">
+                <a16:creationId xmlns:a16="http://schemas.microsoft.com/office/drawing/2014/main" id="{694E0C1A-4A9A-407A-874E-2BA105EF8D73}"/>
+              </a:ext>
+            </a:extLst>
+          </p:cNvPr>
+          <p:cNvPicPr>
+            <a:picLocks noChangeAspect="1"/>
+          </p:cNvPicPr>
+          <p:nvPr/>
+        </p:nvPicPr>
+        <p:blipFill>
+          <a:blip r:embed="rId2">
+            <a:extLst>
+              <a:ext uri="{28A0092B-C50C-407E-A947-70E740481C1C}">
+                <a14:useLocalDpi xmlns:a14="http://schemas.microsoft.com/office/drawing/2010/main" val="0"/>
+              </a:ext>
+            </a:extLst>
+          </a:blip>
+          <a:stretch>
+            <a:fillRect/>
+          </a:stretch>
+        </p:blipFill>
+        <p:spPr>
+          <a:xfrm>
+            <a:off x="9838082" y="4256096"/>
+            <a:ext cx="1405756" cy="943864"/>
+          </a:xfrm>
+          <a:prstGeom prst="rect">
+            <a:avLst/>
+          </a:prstGeom>
+        </p:spPr>
+      </p:pic>
+      <p:pic>
+        <p:nvPicPr>
+          <p:cNvPr id="10" name="Imagen 9" descr="Logotipo&#10;&#10;Descripción generada automáticamente con confianza media">
+            <a:extLst>
+              <a:ext uri="{FF2B5EF4-FFF2-40B4-BE49-F238E27FC236}">
+                <a16:creationId xmlns:a16="http://schemas.microsoft.com/office/drawing/2014/main" id="{D0234106-D9A8-4B03-BED3-9790CF5DCD0E}"/>
+              </a:ext>
+            </a:extLst>
+          </p:cNvPr>
+          <p:cNvPicPr>
+            <a:picLocks noChangeAspect="1"/>
+          </p:cNvPicPr>
+          <p:nvPr/>
+        </p:nvPicPr>
+        <p:blipFill>
+          <a:blip r:embed="rId3">
+            <a:extLst>
+              <a:ext uri="{28A0092B-C50C-407E-A947-70E740481C1C}">
+                <a14:useLocalDpi xmlns:a14="http://schemas.microsoft.com/office/drawing/2010/main" val="0"/>
+              </a:ext>
+            </a:extLst>
+          </a:blip>
+          <a:stretch>
+            <a:fillRect/>
+          </a:stretch>
+        </p:blipFill>
+        <p:spPr>
+          <a:xfrm>
+            <a:off x="961706" y="2951864"/>
+            <a:ext cx="1428750" cy="571500"/>
+          </a:xfrm>
+          <a:prstGeom prst="rect">
+            <a:avLst/>
+          </a:prstGeom>
+        </p:spPr>
+      </p:pic>
+      <p:sp>
+        <p:nvSpPr>
+          <p:cNvPr id="12" name="CuadroTexto 11">
+            <a:extLst>
+              <a:ext uri="{FF2B5EF4-FFF2-40B4-BE49-F238E27FC236}">
+                <a16:creationId xmlns:a16="http://schemas.microsoft.com/office/drawing/2014/main" id="{F434B731-F935-4C1A-843D-439A08F2C473}"/>
+              </a:ext>
+            </a:extLst>
+          </p:cNvPr>
+          <p:cNvSpPr txBox="1"/>
+          <p:nvPr/>
+        </p:nvSpPr>
+        <p:spPr>
+          <a:xfrm>
+            <a:off x="2513962" y="3154032"/>
+            <a:ext cx="6097772" cy="369332"/>
+          </a:xfrm>
+          <a:prstGeom prst="rect">
+            <a:avLst/>
+          </a:prstGeom>
+          <a:noFill/>
+        </p:spPr>
+        <p:txBody>
+          <a:bodyPr wrap="square">
+            <a:spAutoFit/>
+          </a:bodyPr>
+          <a:lstStyle/>
+          <a:p>
+            <a:r>
+              <a:rPr lang="es-ES" dirty="0">
+                <a:hlinkClick r:id="rId4"/>
+              </a:rPr>
+              <a:t>http://www.relatedproject.eu/</a:t>
+            </a:r>
+            <a:endParaRPr lang="es-ES" dirty="0"/>
           </a:p>
         </p:txBody>
       </p:sp>
     </p:spTree>
     <p:extLst>
       <p:ext uri="{BB962C8B-B14F-4D97-AF65-F5344CB8AC3E}">
-        <p14:creationId xmlns:p14="http://schemas.microsoft.com/office/powerpoint/2010/main" val="2752339974"/>
+        <p14:creationId xmlns:p14="http://schemas.microsoft.com/office/powerpoint/2010/main" val="162477815"/>
       </p:ext>
     </p:extLst>
   </p:cSld>
@@ -9564,93 +9566,6 @@
           <p:cNvPr id="2" name="Título 1">
             <a:extLst>
               <a:ext uri="{FF2B5EF4-FFF2-40B4-BE49-F238E27FC236}">
-                <a16:creationId xmlns:a16="http://schemas.microsoft.com/office/drawing/2014/main" id="{992B3291-C94B-4E2A-97F2-77263CA023FD}"/>
-              </a:ext>
-            </a:extLst>
-          </p:cNvPr>
-          <p:cNvSpPr>
-            <a:spLocks noGrp="1"/>
-          </p:cNvSpPr>
-          <p:nvPr>
-            <p:ph type="title"/>
-          </p:nvPr>
-        </p:nvSpPr>
-        <p:spPr/>
-        <p:txBody>
-          <a:bodyPr/>
-          <a:lstStyle/>
-          <a:p>
-            <a:r>
-              <a:rPr lang="es-ES" dirty="0">
-                <a:highlight>
-                  <a:srgbClr val="FFFF00"/>
-                </a:highlight>
-              </a:rPr>
-              <a:t>Conocimientos prácticos</a:t>
-            </a:r>
-          </a:p>
-        </p:txBody>
-      </p:sp>
-      <p:sp>
-        <p:nvSpPr>
-          <p:cNvPr id="3" name="Marcador de contenido 2">
-            <a:extLst>
-              <a:ext uri="{FF2B5EF4-FFF2-40B4-BE49-F238E27FC236}">
-                <a16:creationId xmlns:a16="http://schemas.microsoft.com/office/drawing/2014/main" id="{6A5B4DA3-35DE-4DDC-A773-2B4B75D5CDCB}"/>
-              </a:ext>
-            </a:extLst>
-          </p:cNvPr>
-          <p:cNvSpPr>
-            <a:spLocks noGrp="1"/>
-          </p:cNvSpPr>
-          <p:nvPr>
-            <p:ph idx="1"/>
-          </p:nvPr>
-        </p:nvSpPr>
-        <p:spPr/>
-        <p:txBody>
-          <a:bodyPr/>
-          <a:lstStyle/>
-          <a:p>
-            <a:endParaRPr lang="es-ES"/>
-          </a:p>
-        </p:txBody>
-      </p:sp>
-    </p:spTree>
-    <p:extLst>
-      <p:ext uri="{BB962C8B-B14F-4D97-AF65-F5344CB8AC3E}">
-        <p14:creationId xmlns:p14="http://schemas.microsoft.com/office/powerpoint/2010/main" val="260930894"/>
-      </p:ext>
-    </p:extLst>
-  </p:cSld>
-  <p:clrMapOvr>
-    <a:masterClrMapping/>
-  </p:clrMapOvr>
-</p:sld>
-</file>
-
-<file path=ppt/slides/slide6.xml><?xml version="1.0" encoding="utf-8"?>
-<p:sld xmlns:a="http://schemas.openxmlformats.org/drawingml/2006/main" xmlns:r="http://schemas.openxmlformats.org/officeDocument/2006/relationships" xmlns:p="http://schemas.openxmlformats.org/presentationml/2006/main">
-  <p:cSld>
-    <p:spTree>
-      <p:nvGrpSpPr>
-        <p:cNvPr id="1" name=""/>
-        <p:cNvGrpSpPr/>
-        <p:nvPr/>
-      </p:nvGrpSpPr>
-      <p:grpSpPr>
-        <a:xfrm>
-          <a:off x="0" y="0"/>
-          <a:ext cx="0" cy="0"/>
-          <a:chOff x="0" y="0"/>
-          <a:chExt cx="0" cy="0"/>
-        </a:xfrm>
-      </p:grpSpPr>
-      <p:sp>
-        <p:nvSpPr>
-          <p:cNvPr id="2" name="Título 1">
-            <a:extLst>
-              <a:ext uri="{FF2B5EF4-FFF2-40B4-BE49-F238E27FC236}">
                 <a16:creationId xmlns:a16="http://schemas.microsoft.com/office/drawing/2014/main" id="{3925FE76-68E6-4F49-9608-81E171149C86}"/>
               </a:ext>
             </a:extLst>
@@ -9742,7 +9657,7 @@
 </p:sld>
 </file>
 
-<file path=ppt/slides/slide7.xml><?xml version="1.0" encoding="utf-8"?>
+<file path=ppt/slides/slide6.xml><?xml version="1.0" encoding="utf-8"?>
 <p:sld xmlns:a="http://schemas.openxmlformats.org/drawingml/2006/main" xmlns:r="http://schemas.openxmlformats.org/officeDocument/2006/relationships" xmlns:p="http://schemas.openxmlformats.org/presentationml/2006/main">
   <p:cSld>
     <p:spTree>
@@ -9884,7 +9799,7 @@
 </p:sld>
 </file>
 
-<file path=ppt/slides/slide8.xml><?xml version="1.0" encoding="utf-8"?>
+<file path=ppt/slides/slide7.xml><?xml version="1.0" encoding="utf-8"?>
 <p:sld xmlns:a="http://schemas.openxmlformats.org/drawingml/2006/main" xmlns:r="http://schemas.openxmlformats.org/officeDocument/2006/relationships" xmlns:p="http://schemas.openxmlformats.org/presentationml/2006/main">
   <p:cSld>
     <p:spTree>
@@ -10028,7 +9943,7 @@
 </p:sld>
 </file>
 
-<file path=ppt/slides/slide9.xml><?xml version="1.0" encoding="utf-8"?>
+<file path=ppt/slides/slide8.xml><?xml version="1.0" encoding="utf-8"?>
 <p:sld xmlns:a="http://schemas.openxmlformats.org/drawingml/2006/main" xmlns:r="http://schemas.openxmlformats.org/officeDocument/2006/relationships" xmlns:p="http://schemas.openxmlformats.org/presentationml/2006/main">
   <p:cSld>
     <p:spTree>
@@ -10234,6 +10149,95 @@
     <p:extLst>
       <p:ext uri="{BB962C8B-B14F-4D97-AF65-F5344CB8AC3E}">
         <p14:creationId xmlns:p14="http://schemas.microsoft.com/office/powerpoint/2010/main" val="317569448"/>
+      </p:ext>
+    </p:extLst>
+  </p:cSld>
+  <p:clrMapOvr>
+    <a:masterClrMapping/>
+  </p:clrMapOvr>
+</p:sld>
+</file>
+
+<file path=ppt/slides/slide9.xml><?xml version="1.0" encoding="utf-8"?>
+<p:sld xmlns:a="http://schemas.openxmlformats.org/drawingml/2006/main" xmlns:r="http://schemas.openxmlformats.org/officeDocument/2006/relationships" xmlns:p="http://schemas.openxmlformats.org/presentationml/2006/main">
+  <p:cSld>
+    <p:spTree>
+      <p:nvGrpSpPr>
+        <p:cNvPr id="1" name=""/>
+        <p:cNvGrpSpPr/>
+        <p:nvPr/>
+      </p:nvGrpSpPr>
+      <p:grpSpPr>
+        <a:xfrm>
+          <a:off x="0" y="0"/>
+          <a:ext cx="0" cy="0"/>
+          <a:chOff x="0" y="0"/>
+          <a:chExt cx="0" cy="0"/>
+        </a:xfrm>
+      </p:grpSpPr>
+      <p:sp>
+        <p:nvSpPr>
+          <p:cNvPr id="2" name="Título 1">
+            <a:extLst>
+              <a:ext uri="{FF2B5EF4-FFF2-40B4-BE49-F238E27FC236}">
+                <a16:creationId xmlns:a16="http://schemas.microsoft.com/office/drawing/2014/main" id="{D87F3BFB-3973-4E2C-96F4-A715F71DDDB5}"/>
+              </a:ext>
+            </a:extLst>
+          </p:cNvPr>
+          <p:cNvSpPr>
+            <a:spLocks noGrp="1"/>
+          </p:cNvSpPr>
+          <p:nvPr>
+            <p:ph type="title"/>
+          </p:nvPr>
+        </p:nvSpPr>
+        <p:spPr/>
+        <p:txBody>
+          <a:bodyPr/>
+          <a:lstStyle/>
+          <a:p>
+            <a:r>
+              <a:rPr lang="es-ES" dirty="0"/>
+              <a:t>Abrir R Studio</a:t>
+            </a:r>
+            <a:endParaRPr lang="en-GB" dirty="0"/>
+          </a:p>
+        </p:txBody>
+      </p:sp>
+      <p:pic>
+        <p:nvPicPr>
+          <p:cNvPr id="4" name="Imagen 3">
+            <a:extLst>
+              <a:ext uri="{FF2B5EF4-FFF2-40B4-BE49-F238E27FC236}">
+                <a16:creationId xmlns:a16="http://schemas.microsoft.com/office/drawing/2014/main" id="{78ACE454-BF5E-4CE7-BC79-0D99F9AF14B4}"/>
+              </a:ext>
+            </a:extLst>
+          </p:cNvPr>
+          <p:cNvPicPr>
+            <a:picLocks noChangeAspect="1"/>
+          </p:cNvPicPr>
+          <p:nvPr/>
+        </p:nvPicPr>
+        <p:blipFill>
+          <a:blip r:embed="rId2"/>
+          <a:stretch>
+            <a:fillRect/>
+          </a:stretch>
+        </p:blipFill>
+        <p:spPr>
+          <a:xfrm>
+            <a:off x="1324783" y="1410158"/>
+            <a:ext cx="8564692" cy="4596081"/>
+          </a:xfrm>
+          <a:prstGeom prst="rect">
+            <a:avLst/>
+          </a:prstGeom>
+        </p:spPr>
+      </p:pic>
+    </p:spTree>
+    <p:extLst>
+      <p:ext uri="{BB962C8B-B14F-4D97-AF65-F5344CB8AC3E}">
+        <p14:creationId xmlns:p14="http://schemas.microsoft.com/office/powerpoint/2010/main" val="981503523"/>
       </p:ext>
     </p:extLst>
   </p:cSld>

--- a/1_Presentaciones/Sesion_3_Practica.pptx
+++ b/1_Presentaciones/Sesion_3_Practica.pptx
@@ -36,7 +36,10 @@
     <p:sldId id="305" r:id="rId30"/>
     <p:sldId id="306" r:id="rId31"/>
     <p:sldId id="319" r:id="rId32"/>
-    <p:sldId id="320" r:id="rId33"/>
+    <p:sldId id="321" r:id="rId33"/>
+    <p:sldId id="322" r:id="rId34"/>
+    <p:sldId id="323" r:id="rId35"/>
+    <p:sldId id="320" r:id="rId36"/>
   </p:sldIdLst>
   <p:sldSz cx="12192000" cy="6858000"/>
   <p:notesSz cx="6858000" cy="9144000"/>
@@ -525,7 +528,7 @@
           <a:p>
             <a:fld id="{4A42529D-B5B1-47E1-A19B-037CCFF42894}" type="datetimeFigureOut">
               <a:rPr lang="en-GB" smtClean="0"/>
-              <a:t>28/10/2021</a:t>
+              <a:t>01/11/2021</a:t>
             </a:fld>
             <a:endParaRPr lang="en-GB"/>
           </a:p>
@@ -711,7 +714,7 @@
           <a:p>
             <a:fld id="{4A42529D-B5B1-47E1-A19B-037CCFF42894}" type="datetimeFigureOut">
               <a:rPr lang="en-GB" smtClean="0"/>
-              <a:t>28/10/2021</a:t>
+              <a:t>01/11/2021</a:t>
             </a:fld>
             <a:endParaRPr lang="en-GB"/>
           </a:p>
@@ -907,7 +910,7 @@
           <a:p>
             <a:fld id="{4A42529D-B5B1-47E1-A19B-037CCFF42894}" type="datetimeFigureOut">
               <a:rPr lang="en-GB" smtClean="0"/>
-              <a:t>28/10/2021</a:t>
+              <a:t>01/11/2021</a:t>
             </a:fld>
             <a:endParaRPr lang="en-GB"/>
           </a:p>
@@ -2252,7 +2255,7 @@
           <a:p>
             <a:fld id="{4A42529D-B5B1-47E1-A19B-037CCFF42894}" type="datetimeFigureOut">
               <a:rPr lang="en-GB" smtClean="0"/>
-              <a:t>28/10/2021</a:t>
+              <a:t>01/11/2021</a:t>
             </a:fld>
             <a:endParaRPr lang="en-GB"/>
           </a:p>
@@ -2545,7 +2548,7 @@
           <a:p>
             <a:fld id="{4A42529D-B5B1-47E1-A19B-037CCFF42894}" type="datetimeFigureOut">
               <a:rPr lang="en-GB" smtClean="0"/>
-              <a:t>28/10/2021</a:t>
+              <a:t>01/11/2021</a:t>
             </a:fld>
             <a:endParaRPr lang="en-GB"/>
           </a:p>
@@ -4591,11 +4594,7 @@
           <a:lstStyle/>
           <a:p>
             <a:r>
-              <a:rPr lang="es-ES" dirty="0">
-                <a:highlight>
-                  <a:srgbClr val="FFFF00"/>
-                </a:highlight>
-              </a:rPr>
+              <a:rPr lang="es-ES" dirty="0"/>
               <a:t>Grafica Q-t</a:t>
             </a:r>
           </a:p>
@@ -4630,6 +4629,66 @@
           </a:p>
         </p:txBody>
       </p:sp>
+      <p:pic>
+        <p:nvPicPr>
+          <p:cNvPr id="5" name="Imagen 4">
+            <a:extLst>
+              <a:ext uri="{FF2B5EF4-FFF2-40B4-BE49-F238E27FC236}">
+                <a16:creationId xmlns:a16="http://schemas.microsoft.com/office/drawing/2014/main" id="{EA5B3B83-E43E-4891-AEF2-D287A4142908}"/>
+              </a:ext>
+            </a:extLst>
+          </p:cNvPr>
+          <p:cNvPicPr>
+            <a:picLocks noChangeAspect="1"/>
+          </p:cNvPicPr>
+          <p:nvPr/>
+        </p:nvPicPr>
+        <p:blipFill>
+          <a:blip r:embed="rId2"/>
+          <a:stretch>
+            <a:fillRect/>
+          </a:stretch>
+        </p:blipFill>
+        <p:spPr>
+          <a:xfrm>
+            <a:off x="181790" y="2903574"/>
+            <a:ext cx="5736410" cy="2023082"/>
+          </a:xfrm>
+          <a:prstGeom prst="rect">
+            <a:avLst/>
+          </a:prstGeom>
+        </p:spPr>
+      </p:pic>
+      <p:pic>
+        <p:nvPicPr>
+          <p:cNvPr id="7" name="Imagen 6">
+            <a:extLst>
+              <a:ext uri="{FF2B5EF4-FFF2-40B4-BE49-F238E27FC236}">
+                <a16:creationId xmlns:a16="http://schemas.microsoft.com/office/drawing/2014/main" id="{D4190621-0376-4074-AD41-D1F8477CBD86}"/>
+              </a:ext>
+            </a:extLst>
+          </p:cNvPr>
+          <p:cNvPicPr>
+            <a:picLocks noChangeAspect="1"/>
+          </p:cNvPicPr>
+          <p:nvPr/>
+        </p:nvPicPr>
+        <p:blipFill>
+          <a:blip r:embed="rId3"/>
+          <a:stretch>
+            <a:fillRect/>
+          </a:stretch>
+        </p:blipFill>
+        <p:spPr>
+          <a:xfrm>
+            <a:off x="6261100" y="2903574"/>
+            <a:ext cx="5575300" cy="2649730"/>
+          </a:xfrm>
+          <a:prstGeom prst="rect">
+            <a:avLst/>
+          </a:prstGeom>
+        </p:spPr>
+      </p:pic>
     </p:spTree>
     <p:extLst>
       <p:ext uri="{BB962C8B-B14F-4D97-AF65-F5344CB8AC3E}">
@@ -4682,18 +4741,10 @@
           <a:lstStyle/>
           <a:p>
             <a:r>
-              <a:rPr lang="es-ES_tradnl" dirty="0">
-                <a:highlight>
-                  <a:srgbClr val="FFFF00"/>
-                </a:highlight>
-              </a:rPr>
+              <a:rPr lang="es-ES_tradnl" dirty="0"/>
               <a:t>Grafica Q-T</a:t>
             </a:r>
-            <a:endParaRPr lang="es-ES" dirty="0">
-              <a:highlight>
-                <a:srgbClr val="FFFF00"/>
-              </a:highlight>
-            </a:endParaRPr>
+            <a:endParaRPr lang="es-ES" dirty="0"/>
           </a:p>
         </p:txBody>
       </p:sp>
@@ -4726,6 +4777,36 @@
           </a:p>
         </p:txBody>
       </p:sp>
+      <p:pic>
+        <p:nvPicPr>
+          <p:cNvPr id="5" name="Imagen 4">
+            <a:extLst>
+              <a:ext uri="{FF2B5EF4-FFF2-40B4-BE49-F238E27FC236}">
+                <a16:creationId xmlns:a16="http://schemas.microsoft.com/office/drawing/2014/main" id="{77CF09B7-D279-492A-911A-4E828E463DE4}"/>
+              </a:ext>
+            </a:extLst>
+          </p:cNvPr>
+          <p:cNvPicPr>
+            <a:picLocks noChangeAspect="1"/>
+          </p:cNvPicPr>
+          <p:nvPr/>
+        </p:nvPicPr>
+        <p:blipFill>
+          <a:blip r:embed="rId2"/>
+          <a:stretch>
+            <a:fillRect/>
+          </a:stretch>
+        </p:blipFill>
+        <p:spPr>
+          <a:xfrm>
+            <a:off x="2857499" y="2425701"/>
+            <a:ext cx="9282741" cy="4432300"/>
+          </a:xfrm>
+          <a:prstGeom prst="rect">
+            <a:avLst/>
+          </a:prstGeom>
+        </p:spPr>
+      </p:pic>
     </p:spTree>
     <p:extLst>
       <p:ext uri="{BB962C8B-B14F-4D97-AF65-F5344CB8AC3E}">
@@ -4905,11 +4986,7 @@
           <a:lstStyle/>
           <a:p>
             <a:r>
-              <a:rPr lang="es-ES" dirty="0">
-                <a:highlight>
-                  <a:srgbClr val="FFFF00"/>
-                </a:highlight>
-              </a:rPr>
+              <a:rPr lang="es-ES" dirty="0"/>
               <a:t>Grafica Q-Q</a:t>
             </a:r>
           </a:p>
@@ -4944,6 +5021,36 @@
           </a:p>
         </p:txBody>
       </p:sp>
+      <p:pic>
+        <p:nvPicPr>
+          <p:cNvPr id="5" name="Imagen 4">
+            <a:extLst>
+              <a:ext uri="{FF2B5EF4-FFF2-40B4-BE49-F238E27FC236}">
+                <a16:creationId xmlns:a16="http://schemas.microsoft.com/office/drawing/2014/main" id="{9B4AA2CE-584D-4F1D-BEFE-58A11AFD6B48}"/>
+              </a:ext>
+            </a:extLst>
+          </p:cNvPr>
+          <p:cNvPicPr>
+            <a:picLocks noChangeAspect="1"/>
+          </p:cNvPicPr>
+          <p:nvPr/>
+        </p:nvPicPr>
+        <p:blipFill>
+          <a:blip r:embed="rId2"/>
+          <a:stretch>
+            <a:fillRect/>
+          </a:stretch>
+        </p:blipFill>
+        <p:spPr>
+          <a:xfrm>
+            <a:off x="1511300" y="3149600"/>
+            <a:ext cx="9169400" cy="2193665"/>
+          </a:xfrm>
+          <a:prstGeom prst="rect">
+            <a:avLst/>
+          </a:prstGeom>
+        </p:spPr>
+      </p:pic>
     </p:spTree>
     <p:extLst>
       <p:ext uri="{BB962C8B-B14F-4D97-AF65-F5344CB8AC3E}">
@@ -6440,18 +6547,10 @@
           <a:lstStyle/>
           <a:p>
             <a:r>
-              <a:rPr lang="es-ES_tradnl" dirty="0" err="1">
-                <a:highlight>
-                  <a:srgbClr val="FFFF00"/>
-                </a:highlight>
-              </a:rPr>
+              <a:rPr lang="es-ES_tradnl" dirty="0" err="1"/>
               <a:t>Changepoint</a:t>
             </a:r>
-            <a:endParaRPr lang="es-ES" dirty="0">
-              <a:highlight>
-                <a:srgbClr val="FFFF00"/>
-              </a:highlight>
-            </a:endParaRPr>
+            <a:endParaRPr lang="es-ES" dirty="0"/>
           </a:p>
         </p:txBody>
       </p:sp>
@@ -6476,10 +6575,82 @@
           <a:bodyPr/>
           <a:lstStyle/>
           <a:p>
+            <a:r>
+              <a:rPr lang="es-ES" dirty="0"/>
+              <a:t>La carga se define por 2 modelos lineales.</a:t>
+            </a:r>
+          </a:p>
+          <a:p>
+            <a:r>
+              <a:rPr lang="es-ES" dirty="0"/>
+              <a:t>Punto de separación  -&gt; </a:t>
+            </a:r>
+            <a:r>
+              <a:rPr lang="es-ES" dirty="0" err="1"/>
+              <a:t>Changepoint</a:t>
+            </a:r>
             <a:endParaRPr lang="es-ES" dirty="0"/>
           </a:p>
-        </p:txBody>
-      </p:sp>
+          <a:p>
+            <a:r>
+              <a:rPr lang="es-ES" dirty="0"/>
+              <a:t>Lado caliente (T&gt;</a:t>
+            </a:r>
+            <a:r>
+              <a:rPr lang="es-ES" dirty="0" err="1"/>
+              <a:t>Tch</a:t>
+            </a:r>
+            <a:r>
+              <a:rPr lang="es-ES" dirty="0"/>
+              <a:t>) -&gt; Carga Constante</a:t>
+            </a:r>
+          </a:p>
+          <a:p>
+            <a:r>
+              <a:rPr lang="es-ES" dirty="0"/>
+              <a:t>Lado frío         (T&lt;</a:t>
+            </a:r>
+            <a:r>
+              <a:rPr lang="es-ES" dirty="0" err="1"/>
+              <a:t>Tch</a:t>
+            </a:r>
+            <a:r>
+              <a:rPr lang="es-ES" dirty="0"/>
+              <a:t>) -&gt; Carga creciente a temperaturas decrecientes</a:t>
+            </a:r>
+          </a:p>
+        </p:txBody>
+      </p:sp>
+      <p:pic>
+        <p:nvPicPr>
+          <p:cNvPr id="6" name="Imagen 5">
+            <a:extLst>
+              <a:ext uri="{FF2B5EF4-FFF2-40B4-BE49-F238E27FC236}">
+                <a16:creationId xmlns:a16="http://schemas.microsoft.com/office/drawing/2014/main" id="{C521D0A6-29DB-444A-BDE2-1B607C3B3687}"/>
+              </a:ext>
+            </a:extLst>
+          </p:cNvPr>
+          <p:cNvPicPr>
+            <a:picLocks noChangeAspect="1"/>
+          </p:cNvPicPr>
+          <p:nvPr/>
+        </p:nvPicPr>
+        <p:blipFill>
+          <a:blip r:embed="rId2"/>
+          <a:stretch>
+            <a:fillRect/>
+          </a:stretch>
+        </p:blipFill>
+        <p:spPr>
+          <a:xfrm>
+            <a:off x="5550616" y="4063999"/>
+            <a:ext cx="5319624" cy="2540001"/>
+          </a:xfrm>
+          <a:prstGeom prst="rect">
+            <a:avLst/>
+          </a:prstGeom>
+        </p:spPr>
+      </p:pic>
     </p:spTree>
     <p:extLst>
       <p:ext uri="{BB962C8B-B14F-4D97-AF65-F5344CB8AC3E}">
@@ -6684,18 +6855,10 @@
           <a:lstStyle/>
           <a:p>
             <a:r>
-              <a:rPr lang="es-ES_tradnl" dirty="0">
-                <a:highlight>
-                  <a:srgbClr val="FFFF00"/>
-                </a:highlight>
-              </a:rPr>
+              <a:rPr lang="es-ES_tradnl" dirty="0"/>
               <a:t>Formulación alternativa</a:t>
             </a:r>
-            <a:endParaRPr lang="es-ES" dirty="0">
-              <a:highlight>
-                <a:srgbClr val="FFFF00"/>
-              </a:highlight>
-            </a:endParaRPr>
+            <a:endParaRPr lang="es-ES" dirty="0"/>
           </a:p>
         </p:txBody>
       </p:sp>
@@ -6720,7 +6883,60 @@
           <a:bodyPr/>
           <a:lstStyle/>
           <a:p>
-            <a:endParaRPr lang="es-ES"/>
+            <a:r>
+              <a:rPr lang="es-ES" dirty="0"/>
+              <a:t>ASHRAE CHANGEPOINT</a:t>
+            </a:r>
+          </a:p>
+          <a:p>
+            <a:pPr lvl="1"/>
+            <a:r>
+              <a:rPr lang="es-ES" dirty="0"/>
+              <a:t>Define el punto de cambio en base a la temperatura (variable de entrada).</a:t>
+            </a:r>
+          </a:p>
+          <a:p>
+            <a:pPr lvl="1"/>
+            <a:r>
+              <a:rPr lang="es-ES" dirty="0"/>
+              <a:t>Difícil de generalizar para varias variables de entrada</a:t>
+            </a:r>
+          </a:p>
+          <a:p>
+            <a:r>
+              <a:rPr lang="es-ES" dirty="0"/>
+              <a:t>Propuesta -&gt; Q de corte</a:t>
+            </a:r>
+          </a:p>
+          <a:p>
+            <a:pPr lvl="1"/>
+            <a:r>
+              <a:rPr lang="es-ES" dirty="0"/>
+              <a:t> Q = </a:t>
+            </a:r>
+            <a:r>
+              <a:rPr lang="es-ES" dirty="0" err="1"/>
+              <a:t>max</a:t>
+            </a:r>
+            <a:r>
+              <a:rPr lang="es-ES" dirty="0"/>
+              <a:t> (</a:t>
+            </a:r>
+            <a:r>
+              <a:rPr lang="es-ES" dirty="0" err="1"/>
+              <a:t>Q_corte</a:t>
+            </a:r>
+            <a:r>
+              <a:rPr lang="es-ES" dirty="0"/>
+              <a:t>, Q(x1, x2,…))</a:t>
+            </a:r>
+          </a:p>
+          <a:p>
+            <a:pPr lvl="1"/>
+            <a:r>
+              <a:rPr lang="es-ES" dirty="0"/>
+              <a:t>X1, x2,… -&gt; temperatura, radiación solar,…</a:t>
+            </a:r>
           </a:p>
         </p:txBody>
       </p:sp>
@@ -6882,39 +7098,364 @@
           </a:p>
         </p:txBody>
       </p:sp>
-      <p:sp>
-        <p:nvSpPr>
-          <p:cNvPr id="3" name="Marcador de contenido 2">
+      <p:pic>
+        <p:nvPicPr>
+          <p:cNvPr id="5" name="Imagen 4">
             <a:extLst>
               <a:ext uri="{FF2B5EF4-FFF2-40B4-BE49-F238E27FC236}">
-                <a16:creationId xmlns:a16="http://schemas.microsoft.com/office/drawing/2014/main" id="{52181411-16DD-4714-8888-AA3FCFE00BA5}"/>
+                <a16:creationId xmlns:a16="http://schemas.microsoft.com/office/drawing/2014/main" id="{FE61EEA5-C445-4341-AB93-C826CE846D27}"/>
               </a:ext>
             </a:extLst>
           </p:cNvPr>
-          <p:cNvSpPr>
-            <a:spLocks noGrp="1"/>
-          </p:cNvSpPr>
-          <p:nvPr>
-            <p:ph idx="1"/>
-          </p:nvPr>
-        </p:nvSpPr>
-        <p:spPr/>
-        <p:txBody>
-          <a:bodyPr>
-            <a:normAutofit/>
+          <p:cNvPicPr>
+            <a:picLocks noChangeAspect="1"/>
+          </p:cNvPicPr>
+          <p:nvPr/>
+        </p:nvPicPr>
+        <p:blipFill>
+          <a:blip r:embed="rId2"/>
+          <a:stretch>
+            <a:fillRect/>
+          </a:stretch>
+        </p:blipFill>
+        <p:spPr>
+          <a:xfrm>
+            <a:off x="5319194" y="1506782"/>
+            <a:ext cx="6390206" cy="4594337"/>
+          </a:xfrm>
+          <a:prstGeom prst="rect">
+            <a:avLst/>
+          </a:prstGeom>
+        </p:spPr>
+      </p:pic>
+      <p:pic>
+        <p:nvPicPr>
+          <p:cNvPr id="6" name="Imagen 5">
+            <a:extLst>
+              <a:ext uri="{FF2B5EF4-FFF2-40B4-BE49-F238E27FC236}">
+                <a16:creationId xmlns:a16="http://schemas.microsoft.com/office/drawing/2014/main" id="{9F96A4B4-608A-49DE-9084-155314106C15}"/>
+              </a:ext>
+            </a:extLst>
+          </p:cNvPr>
+          <p:cNvPicPr>
+            <a:picLocks noChangeAspect="1"/>
+          </p:cNvPicPr>
+          <p:nvPr/>
+        </p:nvPicPr>
+        <p:blipFill>
+          <a:blip r:embed="rId3"/>
+          <a:stretch>
+            <a:fillRect/>
+          </a:stretch>
+        </p:blipFill>
+        <p:spPr>
+          <a:xfrm>
+            <a:off x="3144352" y="5155235"/>
+            <a:ext cx="1130268" cy="1579944"/>
+          </a:xfrm>
+          <a:prstGeom prst="rect">
+            <a:avLst/>
+          </a:prstGeom>
+          <a:ln w="3175">
+            <a:solidFill>
+              <a:schemeClr val="tx1"/>
+            </a:solidFill>
+          </a:ln>
+        </p:spPr>
+      </p:pic>
+      <p:sp>
+        <p:nvSpPr>
+          <p:cNvPr id="7" name="Rectángulo 6">
+            <a:extLst>
+              <a:ext uri="{FF2B5EF4-FFF2-40B4-BE49-F238E27FC236}">
+                <a16:creationId xmlns:a16="http://schemas.microsoft.com/office/drawing/2014/main" id="{86F65EEF-4FDC-4D63-B075-74B4E0968546}"/>
+              </a:ext>
+            </a:extLst>
+          </p:cNvPr>
+          <p:cNvSpPr/>
+          <p:nvPr/>
+        </p:nvSpPr>
+        <p:spPr>
+          <a:xfrm>
+            <a:off x="4635500" y="6119336"/>
+            <a:ext cx="7446040" cy="738664"/>
+          </a:xfrm>
+          <a:prstGeom prst="rect">
+            <a:avLst/>
+          </a:prstGeom>
+        </p:spPr>
+        <p:txBody>
+          <a:bodyPr wrap="square">
+            <a:spAutoFit/>
           </a:bodyPr>
           <a:lstStyle/>
           <a:p>
-            <a:pPr marL="0" indent="0">
-              <a:buNone/>
-            </a:pPr>
-            <a:r>
-              <a:rPr lang="es-ES" sz="11500" dirty="0">
-                <a:highlight>
-                  <a:srgbClr val="FFFF00"/>
-                </a:highlight>
+            <a:r>
+              <a:rPr lang="es-ES" sz="1400" dirty="0"/>
+              <a:t>LESOSAI 5. </a:t>
+            </a:r>
+            <a:r>
+              <a:rPr lang="es-ES" sz="1400" dirty="0" err="1"/>
+              <a:t>Mode</a:t>
+            </a:r>
+            <a:r>
+              <a:rPr lang="es-ES" sz="1400" dirty="0"/>
+              <a:t> de </a:t>
+            </a:r>
+            <a:r>
+              <a:rPr lang="es-ES" sz="1400" dirty="0" err="1"/>
+              <a:t>Emploi</a:t>
+            </a:r>
+            <a:r>
+              <a:rPr lang="es-ES" sz="1400" dirty="0"/>
+              <a:t>. 2002. </a:t>
+            </a:r>
+          </a:p>
+          <a:p>
+            <a:r>
+              <a:rPr lang="es-ES" sz="1400" dirty="0">
+                <a:hlinkClick r:id="rId4"/>
               </a:rPr>
-              <a:t>TEORIA</a:t>
+              <a:t>https://docplayer.fr/57528916-Lesosai-5-calcul-du-bilan-thermique-d-une-construction-sia-380-1-en832-et-minergie.html</a:t>
+            </a:r>
+            <a:endParaRPr lang="es-ES" sz="1400" dirty="0"/>
+          </a:p>
+        </p:txBody>
+      </p:sp>
+      <p:sp>
+        <p:nvSpPr>
+          <p:cNvPr id="10" name="Rectángulo 9">
+            <a:extLst>
+              <a:ext uri="{FF2B5EF4-FFF2-40B4-BE49-F238E27FC236}">
+                <a16:creationId xmlns:a16="http://schemas.microsoft.com/office/drawing/2014/main" id="{E39FDA8E-93A0-4792-82DB-7A361D301F26}"/>
+              </a:ext>
+            </a:extLst>
+          </p:cNvPr>
+          <p:cNvSpPr/>
+          <p:nvPr/>
+        </p:nvSpPr>
+        <p:spPr>
+          <a:xfrm>
+            <a:off x="5114259" y="3242930"/>
+            <a:ext cx="1616149" cy="2466754"/>
+          </a:xfrm>
+          <a:prstGeom prst="rect">
+            <a:avLst/>
+          </a:prstGeom>
+          <a:noFill/>
+          <a:ln w="76200">
+            <a:solidFill>
+              <a:srgbClr val="FF0000"/>
+            </a:solidFill>
+          </a:ln>
+        </p:spPr>
+        <p:style>
+          <a:lnRef idx="2">
+            <a:schemeClr val="accent1">
+              <a:shade val="50000"/>
+            </a:schemeClr>
+          </a:lnRef>
+          <a:fillRef idx="1">
+            <a:schemeClr val="accent1"/>
+          </a:fillRef>
+          <a:effectRef idx="0">
+            <a:schemeClr val="accent1"/>
+          </a:effectRef>
+          <a:fontRef idx="minor">
+            <a:schemeClr val="lt1"/>
+          </a:fontRef>
+        </p:style>
+        <p:txBody>
+          <a:bodyPr rtlCol="0" anchor="ctr"/>
+          <a:lstStyle/>
+          <a:p>
+            <a:pPr algn="ctr"/>
+            <a:r>
+              <a:rPr lang="es-ES" dirty="0">
+                <a:solidFill>
+                  <a:srgbClr val="FF0000"/>
+                </a:solidFill>
+              </a:rPr>
+              <a:t>Carga térmica</a:t>
+            </a:r>
+          </a:p>
+          <a:p>
+            <a:pPr algn="ctr"/>
+            <a:endParaRPr lang="es-ES" dirty="0">
+              <a:solidFill>
+                <a:srgbClr val="FF0000"/>
+              </a:solidFill>
+            </a:endParaRPr>
+          </a:p>
+        </p:txBody>
+      </p:sp>
+      <p:sp>
+        <p:nvSpPr>
+          <p:cNvPr id="11" name="Elipse 10">
+            <a:extLst>
+              <a:ext uri="{FF2B5EF4-FFF2-40B4-BE49-F238E27FC236}">
+                <a16:creationId xmlns:a16="http://schemas.microsoft.com/office/drawing/2014/main" id="{C525D4BA-8209-4A91-85FB-00FEC8A80663}"/>
+              </a:ext>
+            </a:extLst>
+          </p:cNvPr>
+          <p:cNvSpPr/>
+          <p:nvPr/>
+        </p:nvSpPr>
+        <p:spPr>
+          <a:xfrm>
+            <a:off x="4975704" y="2883932"/>
+            <a:ext cx="1754704" cy="433426"/>
+          </a:xfrm>
+          <a:prstGeom prst="ellipse">
+            <a:avLst/>
+          </a:prstGeom>
+          <a:noFill/>
+          <a:ln w="57150">
+            <a:solidFill>
+              <a:schemeClr val="accent6"/>
+            </a:solidFill>
+          </a:ln>
+        </p:spPr>
+        <p:style>
+          <a:lnRef idx="2">
+            <a:schemeClr val="accent1">
+              <a:shade val="50000"/>
+            </a:schemeClr>
+          </a:lnRef>
+          <a:fillRef idx="1">
+            <a:schemeClr val="accent1"/>
+          </a:fillRef>
+          <a:effectRef idx="0">
+            <a:schemeClr val="accent1"/>
+          </a:effectRef>
+          <a:fontRef idx="minor">
+            <a:schemeClr val="lt1"/>
+          </a:fontRef>
+        </p:style>
+        <p:txBody>
+          <a:bodyPr rtlCol="0" anchor="ctr"/>
+          <a:lstStyle/>
+          <a:p>
+            <a:pPr algn="ctr"/>
+            <a:endParaRPr lang="es-ES"/>
+          </a:p>
+        </p:txBody>
+      </p:sp>
+      <p:sp>
+        <p:nvSpPr>
+          <p:cNvPr id="12" name="Elipse 11">
+            <a:extLst>
+              <a:ext uri="{FF2B5EF4-FFF2-40B4-BE49-F238E27FC236}">
+                <a16:creationId xmlns:a16="http://schemas.microsoft.com/office/drawing/2014/main" id="{7D6C43D1-1EB0-487F-8AC4-71FE9B7F6739}"/>
+              </a:ext>
+            </a:extLst>
+          </p:cNvPr>
+          <p:cNvSpPr/>
+          <p:nvPr/>
+        </p:nvSpPr>
+        <p:spPr>
+          <a:xfrm>
+            <a:off x="4975704" y="2469566"/>
+            <a:ext cx="1754704" cy="433426"/>
+          </a:xfrm>
+          <a:prstGeom prst="ellipse">
+            <a:avLst/>
+          </a:prstGeom>
+          <a:noFill/>
+          <a:ln w="57150">
+            <a:solidFill>
+              <a:schemeClr val="accent6"/>
+            </a:solidFill>
+          </a:ln>
+        </p:spPr>
+        <p:style>
+          <a:lnRef idx="2">
+            <a:schemeClr val="accent1">
+              <a:shade val="50000"/>
+            </a:schemeClr>
+          </a:lnRef>
+          <a:fillRef idx="1">
+            <a:schemeClr val="accent1"/>
+          </a:fillRef>
+          <a:effectRef idx="0">
+            <a:schemeClr val="accent1"/>
+          </a:effectRef>
+          <a:fontRef idx="minor">
+            <a:schemeClr val="lt1"/>
+          </a:fontRef>
+        </p:style>
+        <p:txBody>
+          <a:bodyPr rtlCol="0" anchor="ctr"/>
+          <a:lstStyle/>
+          <a:p>
+            <a:pPr algn="ctr"/>
+            <a:endParaRPr lang="es-ES"/>
+          </a:p>
+        </p:txBody>
+      </p:sp>
+      <p:sp>
+        <p:nvSpPr>
+          <p:cNvPr id="13" name="Elipse 12">
+            <a:extLst>
+              <a:ext uri="{FF2B5EF4-FFF2-40B4-BE49-F238E27FC236}">
+                <a16:creationId xmlns:a16="http://schemas.microsoft.com/office/drawing/2014/main" id="{B055AAE4-7EDF-4F7C-9919-0AE18CF172A0}"/>
+              </a:ext>
+            </a:extLst>
+          </p:cNvPr>
+          <p:cNvSpPr/>
+          <p:nvPr/>
+        </p:nvSpPr>
+        <p:spPr>
+          <a:xfrm>
+            <a:off x="9954696" y="1473974"/>
+            <a:ext cx="1754704" cy="3433057"/>
+          </a:xfrm>
+          <a:prstGeom prst="ellipse">
+            <a:avLst/>
+          </a:prstGeom>
+          <a:noFill/>
+          <a:ln w="57150">
+            <a:solidFill>
+              <a:schemeClr val="accent6"/>
+            </a:solidFill>
+          </a:ln>
+        </p:spPr>
+        <p:style>
+          <a:lnRef idx="2">
+            <a:schemeClr val="accent1">
+              <a:shade val="50000"/>
+            </a:schemeClr>
+          </a:lnRef>
+          <a:fillRef idx="1">
+            <a:schemeClr val="accent1"/>
+          </a:fillRef>
+          <a:effectRef idx="0">
+            <a:schemeClr val="accent1"/>
+          </a:effectRef>
+          <a:fontRef idx="minor">
+            <a:schemeClr val="lt1"/>
+          </a:fontRef>
+        </p:style>
+        <p:txBody>
+          <a:bodyPr vert="vert270" rtlCol="0" anchor="ctr"/>
+          <a:lstStyle/>
+          <a:p>
+            <a:pPr algn="ctr"/>
+            <a:endParaRPr lang="es-ES" sz="2800" dirty="0">
+              <a:solidFill>
+                <a:schemeClr val="accent6"/>
+              </a:solidFill>
+            </a:endParaRPr>
+          </a:p>
+          <a:p>
+            <a:pPr algn="ctr"/>
+            <a:r>
+              <a:rPr lang="es-ES" sz="2800" dirty="0">
+                <a:solidFill>
+                  <a:schemeClr val="accent6"/>
+                </a:solidFill>
+              </a:rPr>
+              <a:t>Temperatura</a:t>
             </a:r>
           </a:p>
         </p:txBody>
@@ -8447,10 +8988,202 @@
       </p:sp>
       <p:sp>
         <p:nvSpPr>
-          <p:cNvPr id="3" name="Marcador de contenido 2">
+          <p:cNvPr id="7" name="CuadroTexto 6">
             <a:extLst>
               <a:ext uri="{FF2B5EF4-FFF2-40B4-BE49-F238E27FC236}">
-                <a16:creationId xmlns:a16="http://schemas.microsoft.com/office/drawing/2014/main" id="{52181411-16DD-4714-8888-AA3FCFE00BA5}"/>
+                <a16:creationId xmlns:a16="http://schemas.microsoft.com/office/drawing/2014/main" id="{136DCAD6-2445-423A-BEBD-E7D501A4D50D}"/>
+              </a:ext>
+            </a:extLst>
+          </p:cNvPr>
+          <p:cNvSpPr txBox="1"/>
+          <p:nvPr/>
+        </p:nvSpPr>
+        <p:spPr>
+          <a:xfrm>
+            <a:off x="3397988" y="6108405"/>
+            <a:ext cx="8382886" cy="600164"/>
+          </a:xfrm>
+          <a:prstGeom prst="rect">
+            <a:avLst/>
+          </a:prstGeom>
+          <a:noFill/>
+        </p:spPr>
+        <p:txBody>
+          <a:bodyPr wrap="square">
+            <a:spAutoFit/>
+          </a:bodyPr>
+          <a:lstStyle/>
+          <a:p>
+            <a:r>
+              <a:rPr lang="es-ES" sz="1100" dirty="0"/>
+              <a:t>Mikel Lumbreras, Roberto Garay-Martinez, Beñat Arregi, Koldobika Martin-Escudero, Gonzalo Diarce, Margus Raud, Indrek Hagu, Data </a:t>
+            </a:r>
+            <a:r>
+              <a:rPr lang="es-ES" sz="1100" dirty="0" err="1"/>
+              <a:t>driven</a:t>
+            </a:r>
+            <a:r>
+              <a:rPr lang="es-ES" sz="1100" dirty="0"/>
+              <a:t> </a:t>
+            </a:r>
+            <a:r>
+              <a:rPr lang="es-ES" sz="1100" dirty="0" err="1"/>
+              <a:t>model</a:t>
+            </a:r>
+            <a:r>
+              <a:rPr lang="es-ES" sz="1100" dirty="0"/>
+              <a:t> </a:t>
+            </a:r>
+            <a:r>
+              <a:rPr lang="es-ES" sz="1100" dirty="0" err="1"/>
+              <a:t>for</a:t>
+            </a:r>
+            <a:r>
+              <a:rPr lang="es-ES" sz="1100" dirty="0"/>
+              <a:t> </a:t>
+            </a:r>
+            <a:r>
+              <a:rPr lang="es-ES" sz="1100" dirty="0" err="1"/>
+              <a:t>heat</a:t>
+            </a:r>
+            <a:r>
+              <a:rPr lang="es-ES" sz="1100" dirty="0"/>
+              <a:t> load </a:t>
+            </a:r>
+            <a:r>
+              <a:rPr lang="es-ES" sz="1100" dirty="0" err="1"/>
+              <a:t>prediction</a:t>
+            </a:r>
+            <a:r>
+              <a:rPr lang="es-ES" sz="1100" dirty="0"/>
+              <a:t> in </a:t>
+            </a:r>
+            <a:r>
+              <a:rPr lang="es-ES" sz="1100" dirty="0" err="1"/>
+              <a:t>buildings</a:t>
+            </a:r>
+            <a:r>
+              <a:rPr lang="es-ES" sz="1100" dirty="0"/>
+              <a:t> </a:t>
+            </a:r>
+            <a:r>
+              <a:rPr lang="es-ES" sz="1100" dirty="0" err="1"/>
+              <a:t>connected</a:t>
+            </a:r>
+            <a:r>
+              <a:rPr lang="es-ES" sz="1100" dirty="0"/>
+              <a:t> </a:t>
+            </a:r>
+            <a:r>
+              <a:rPr lang="es-ES" sz="1100" dirty="0" err="1"/>
+              <a:t>to</a:t>
+            </a:r>
+            <a:r>
+              <a:rPr lang="es-ES" sz="1100" dirty="0"/>
+              <a:t> </a:t>
+            </a:r>
+            <a:r>
+              <a:rPr lang="es-ES" sz="1100" dirty="0" err="1"/>
+              <a:t>District</a:t>
+            </a:r>
+            <a:r>
+              <a:rPr lang="es-ES" sz="1100" dirty="0"/>
+              <a:t> </a:t>
+            </a:r>
+            <a:r>
+              <a:rPr lang="es-ES" sz="1100" dirty="0" err="1"/>
+              <a:t>Heating</a:t>
+            </a:r>
+            <a:r>
+              <a:rPr lang="es-ES" sz="1100" dirty="0"/>
+              <a:t> </a:t>
+            </a:r>
+            <a:r>
+              <a:rPr lang="es-ES" sz="1100" dirty="0" err="1"/>
+              <a:t>by</a:t>
+            </a:r>
+            <a:r>
+              <a:rPr lang="es-ES" sz="1100" dirty="0"/>
+              <a:t> </a:t>
+            </a:r>
+            <a:r>
+              <a:rPr lang="es-ES" sz="1100" dirty="0" err="1"/>
+              <a:t>using</a:t>
+            </a:r>
+            <a:r>
+              <a:rPr lang="es-ES" sz="1100" dirty="0"/>
+              <a:t> </a:t>
+            </a:r>
+            <a:r>
+              <a:rPr lang="es-ES" sz="1100" dirty="0" err="1"/>
+              <a:t>smart</a:t>
+            </a:r>
+            <a:r>
+              <a:rPr lang="es-ES" sz="1100" dirty="0"/>
+              <a:t> </a:t>
+            </a:r>
+            <a:r>
+              <a:rPr lang="es-ES" sz="1100" dirty="0" err="1"/>
+              <a:t>heat</a:t>
+            </a:r>
+            <a:r>
+              <a:rPr lang="es-ES" sz="1100" dirty="0"/>
+              <a:t> </a:t>
+            </a:r>
+            <a:r>
+              <a:rPr lang="es-ES" sz="1100" dirty="0" err="1"/>
+              <a:t>meters</a:t>
+            </a:r>
+            <a:r>
+              <a:rPr lang="es-ES" sz="1100" dirty="0"/>
+              <a:t>, Energy, 2022, </a:t>
+            </a:r>
+            <a:r>
+              <a:rPr lang="es-ES" sz="1100" dirty="0">
+                <a:hlinkClick r:id="rId2"/>
+              </a:rPr>
+              <a:t>https://doi.org/10.1016/j.energy.2021.122318</a:t>
+            </a:r>
+            <a:endParaRPr lang="es-ES" sz="1100" dirty="0"/>
+          </a:p>
+        </p:txBody>
+      </p:sp>
+      <p:pic>
+        <p:nvPicPr>
+          <p:cNvPr id="11" name="Imagen 10">
+            <a:extLst>
+              <a:ext uri="{FF2B5EF4-FFF2-40B4-BE49-F238E27FC236}">
+                <a16:creationId xmlns:a16="http://schemas.microsoft.com/office/drawing/2014/main" id="{428E21F7-0535-4941-9089-0041E2C8DC4C}"/>
+              </a:ext>
+            </a:extLst>
+          </p:cNvPr>
+          <p:cNvPicPr>
+            <a:picLocks noChangeAspect="1"/>
+          </p:cNvPicPr>
+          <p:nvPr/>
+        </p:nvPicPr>
+        <p:blipFill>
+          <a:blip r:embed="rId3"/>
+          <a:stretch>
+            <a:fillRect/>
+          </a:stretch>
+        </p:blipFill>
+        <p:spPr>
+          <a:xfrm>
+            <a:off x="750285" y="1803400"/>
+            <a:ext cx="5295405" cy="3833812"/>
+          </a:xfrm>
+          <a:prstGeom prst="rect">
+            <a:avLst/>
+          </a:prstGeom>
+        </p:spPr>
+      </p:pic>
+      <p:sp>
+        <p:nvSpPr>
+          <p:cNvPr id="14" name="Marcador de contenido 2">
+            <a:extLst>
+              <a:ext uri="{FF2B5EF4-FFF2-40B4-BE49-F238E27FC236}">
+                <a16:creationId xmlns:a16="http://schemas.microsoft.com/office/drawing/2014/main" id="{1EA3BF18-FA17-4661-88FA-6A90CF5AD90D}"/>
               </a:ext>
             </a:extLst>
           </p:cNvPr>
@@ -8461,23 +9194,27 @@
             <p:ph idx="1"/>
           </p:nvPr>
         </p:nvSpPr>
-        <p:spPr/>
+        <p:spPr>
+          <a:xfrm>
+            <a:off x="6146312" y="1825626"/>
+            <a:ext cx="5207488" cy="4014736"/>
+          </a:xfrm>
+        </p:spPr>
         <p:txBody>
           <a:bodyPr>
             <a:normAutofit/>
           </a:bodyPr>
           <a:lstStyle/>
           <a:p>
-            <a:pPr marL="0" indent="0">
-              <a:buNone/>
-            </a:pPr>
-            <a:r>
-              <a:rPr lang="es-ES" sz="11500" dirty="0">
-                <a:highlight>
-                  <a:srgbClr val="FFFF00"/>
-                </a:highlight>
-              </a:rPr>
-              <a:t>Discusión</a:t>
+            <a:r>
+              <a:rPr lang="es-ES" sz="1600" dirty="0"/>
+              <a:t>Proceso completo</a:t>
+            </a:r>
+          </a:p>
+          <a:p>
+            <a:r>
+              <a:rPr lang="es-ES" sz="1600" dirty="0"/>
+              <a:t>Incorpora más información</a:t>
             </a:r>
           </a:p>
         </p:txBody>
@@ -8496,6 +9233,934 @@
 </file>
 
 <file path=ppt/slides/slide32.xml><?xml version="1.0" encoding="utf-8"?>
+<p:sld xmlns:a="http://schemas.openxmlformats.org/drawingml/2006/main" xmlns:r="http://schemas.openxmlformats.org/officeDocument/2006/relationships" xmlns:p="http://schemas.openxmlformats.org/presentationml/2006/main">
+  <p:cSld>
+    <p:spTree>
+      <p:nvGrpSpPr>
+        <p:cNvPr id="1" name=""/>
+        <p:cNvGrpSpPr/>
+        <p:nvPr/>
+      </p:nvGrpSpPr>
+      <p:grpSpPr>
+        <a:xfrm>
+          <a:off x="0" y="0"/>
+          <a:ext cx="0" cy="0"/>
+          <a:chOff x="0" y="0"/>
+          <a:chExt cx="0" cy="0"/>
+        </a:xfrm>
+      </p:grpSpPr>
+      <p:sp>
+        <p:nvSpPr>
+          <p:cNvPr id="2" name="Título 1">
+            <a:extLst>
+              <a:ext uri="{FF2B5EF4-FFF2-40B4-BE49-F238E27FC236}">
+                <a16:creationId xmlns:a16="http://schemas.microsoft.com/office/drawing/2014/main" id="{7AA7784B-A5CB-4BC9-BAD7-AC16D02BE565}"/>
+              </a:ext>
+            </a:extLst>
+          </p:cNvPr>
+          <p:cNvSpPr>
+            <a:spLocks noGrp="1"/>
+          </p:cNvSpPr>
+          <p:nvPr>
+            <p:ph type="title"/>
+          </p:nvPr>
+        </p:nvSpPr>
+        <p:spPr/>
+        <p:txBody>
+          <a:bodyPr/>
+          <a:lstStyle/>
+          <a:p>
+            <a:r>
+              <a:rPr lang="en-GB" dirty="0"/>
+              <a:t>Variables </a:t>
+            </a:r>
+            <a:r>
+              <a:rPr lang="en-GB" dirty="0" err="1"/>
+              <a:t>Relevantes</a:t>
+            </a:r>
+            <a:endParaRPr lang="en-GB" dirty="0"/>
+          </a:p>
+        </p:txBody>
+      </p:sp>
+      <p:sp>
+        <p:nvSpPr>
+          <p:cNvPr id="7" name="CuadroTexto 6">
+            <a:extLst>
+              <a:ext uri="{FF2B5EF4-FFF2-40B4-BE49-F238E27FC236}">
+                <a16:creationId xmlns:a16="http://schemas.microsoft.com/office/drawing/2014/main" id="{136DCAD6-2445-423A-BEBD-E7D501A4D50D}"/>
+              </a:ext>
+            </a:extLst>
+          </p:cNvPr>
+          <p:cNvSpPr txBox="1"/>
+          <p:nvPr/>
+        </p:nvSpPr>
+        <p:spPr>
+          <a:xfrm>
+            <a:off x="3397988" y="6108405"/>
+            <a:ext cx="8382886" cy="600164"/>
+          </a:xfrm>
+          <a:prstGeom prst="rect">
+            <a:avLst/>
+          </a:prstGeom>
+          <a:noFill/>
+        </p:spPr>
+        <p:txBody>
+          <a:bodyPr wrap="square">
+            <a:spAutoFit/>
+          </a:bodyPr>
+          <a:lstStyle/>
+          <a:p>
+            <a:r>
+              <a:rPr lang="es-ES" sz="1100" dirty="0"/>
+              <a:t>Mikel Lumbreras, Roberto Garay-Martinez, Beñat Arregi, Koldobika Martin-Escudero, Gonzalo Diarce, Margus Raud, Indrek Hagu, Data </a:t>
+            </a:r>
+            <a:r>
+              <a:rPr lang="es-ES" sz="1100" dirty="0" err="1"/>
+              <a:t>driven</a:t>
+            </a:r>
+            <a:r>
+              <a:rPr lang="es-ES" sz="1100" dirty="0"/>
+              <a:t> </a:t>
+            </a:r>
+            <a:r>
+              <a:rPr lang="es-ES" sz="1100" dirty="0" err="1"/>
+              <a:t>model</a:t>
+            </a:r>
+            <a:r>
+              <a:rPr lang="es-ES" sz="1100" dirty="0"/>
+              <a:t> </a:t>
+            </a:r>
+            <a:r>
+              <a:rPr lang="es-ES" sz="1100" dirty="0" err="1"/>
+              <a:t>for</a:t>
+            </a:r>
+            <a:r>
+              <a:rPr lang="es-ES" sz="1100" dirty="0"/>
+              <a:t> </a:t>
+            </a:r>
+            <a:r>
+              <a:rPr lang="es-ES" sz="1100" dirty="0" err="1"/>
+              <a:t>heat</a:t>
+            </a:r>
+            <a:r>
+              <a:rPr lang="es-ES" sz="1100" dirty="0"/>
+              <a:t> load </a:t>
+            </a:r>
+            <a:r>
+              <a:rPr lang="es-ES" sz="1100" dirty="0" err="1"/>
+              <a:t>prediction</a:t>
+            </a:r>
+            <a:r>
+              <a:rPr lang="es-ES" sz="1100" dirty="0"/>
+              <a:t> in </a:t>
+            </a:r>
+            <a:r>
+              <a:rPr lang="es-ES" sz="1100" dirty="0" err="1"/>
+              <a:t>buildings</a:t>
+            </a:r>
+            <a:r>
+              <a:rPr lang="es-ES" sz="1100" dirty="0"/>
+              <a:t> </a:t>
+            </a:r>
+            <a:r>
+              <a:rPr lang="es-ES" sz="1100" dirty="0" err="1"/>
+              <a:t>connected</a:t>
+            </a:r>
+            <a:r>
+              <a:rPr lang="es-ES" sz="1100" dirty="0"/>
+              <a:t> </a:t>
+            </a:r>
+            <a:r>
+              <a:rPr lang="es-ES" sz="1100" dirty="0" err="1"/>
+              <a:t>to</a:t>
+            </a:r>
+            <a:r>
+              <a:rPr lang="es-ES" sz="1100" dirty="0"/>
+              <a:t> </a:t>
+            </a:r>
+            <a:r>
+              <a:rPr lang="es-ES" sz="1100" dirty="0" err="1"/>
+              <a:t>District</a:t>
+            </a:r>
+            <a:r>
+              <a:rPr lang="es-ES" sz="1100" dirty="0"/>
+              <a:t> </a:t>
+            </a:r>
+            <a:r>
+              <a:rPr lang="es-ES" sz="1100" dirty="0" err="1"/>
+              <a:t>Heating</a:t>
+            </a:r>
+            <a:r>
+              <a:rPr lang="es-ES" sz="1100" dirty="0"/>
+              <a:t> </a:t>
+            </a:r>
+            <a:r>
+              <a:rPr lang="es-ES" sz="1100" dirty="0" err="1"/>
+              <a:t>by</a:t>
+            </a:r>
+            <a:r>
+              <a:rPr lang="es-ES" sz="1100" dirty="0"/>
+              <a:t> </a:t>
+            </a:r>
+            <a:r>
+              <a:rPr lang="es-ES" sz="1100" dirty="0" err="1"/>
+              <a:t>using</a:t>
+            </a:r>
+            <a:r>
+              <a:rPr lang="es-ES" sz="1100" dirty="0"/>
+              <a:t> </a:t>
+            </a:r>
+            <a:r>
+              <a:rPr lang="es-ES" sz="1100" dirty="0" err="1"/>
+              <a:t>smart</a:t>
+            </a:r>
+            <a:r>
+              <a:rPr lang="es-ES" sz="1100" dirty="0"/>
+              <a:t> </a:t>
+            </a:r>
+            <a:r>
+              <a:rPr lang="es-ES" sz="1100" dirty="0" err="1"/>
+              <a:t>heat</a:t>
+            </a:r>
+            <a:r>
+              <a:rPr lang="es-ES" sz="1100" dirty="0"/>
+              <a:t> </a:t>
+            </a:r>
+            <a:r>
+              <a:rPr lang="es-ES" sz="1100" dirty="0" err="1"/>
+              <a:t>meters</a:t>
+            </a:r>
+            <a:r>
+              <a:rPr lang="es-ES" sz="1100" dirty="0"/>
+              <a:t>, Energy, 2022, </a:t>
+            </a:r>
+            <a:r>
+              <a:rPr lang="es-ES" sz="1100" dirty="0">
+                <a:hlinkClick r:id="rId2"/>
+              </a:rPr>
+              <a:t>https://doi.org/10.1016/j.energy.2021.122318</a:t>
+            </a:r>
+            <a:endParaRPr lang="es-ES" sz="1100" dirty="0"/>
+          </a:p>
+        </p:txBody>
+      </p:sp>
+      <p:pic>
+        <p:nvPicPr>
+          <p:cNvPr id="4" name="Imagen 3" descr="Gráfico, Gráfico de dispersión&#10;&#10;Descripción generada automáticamente">
+            <a:extLst>
+              <a:ext uri="{FF2B5EF4-FFF2-40B4-BE49-F238E27FC236}">
+                <a16:creationId xmlns:a16="http://schemas.microsoft.com/office/drawing/2014/main" id="{34B98096-4F9D-4778-8634-316BB455FB88}"/>
+              </a:ext>
+            </a:extLst>
+          </p:cNvPr>
+          <p:cNvPicPr>
+            <a:picLocks noChangeAspect="1"/>
+          </p:cNvPicPr>
+          <p:nvPr/>
+        </p:nvPicPr>
+        <p:blipFill>
+          <a:blip r:embed="rId3">
+            <a:extLst>
+              <a:ext uri="{28A0092B-C50C-407E-A947-70E740481C1C}">
+                <a14:useLocalDpi xmlns:a14="http://schemas.microsoft.com/office/drawing/2010/main" val="0"/>
+              </a:ext>
+            </a:extLst>
+          </a:blip>
+          <a:stretch>
+            <a:fillRect/>
+          </a:stretch>
+        </p:blipFill>
+        <p:spPr>
+          <a:xfrm>
+            <a:off x="4308221" y="1893086"/>
+            <a:ext cx="7489397" cy="3999714"/>
+          </a:xfrm>
+          <a:prstGeom prst="rect">
+            <a:avLst/>
+          </a:prstGeom>
+        </p:spPr>
+      </p:pic>
+      <p:sp>
+        <p:nvSpPr>
+          <p:cNvPr id="8" name="Marcador de contenido 2">
+            <a:extLst>
+              <a:ext uri="{FF2B5EF4-FFF2-40B4-BE49-F238E27FC236}">
+                <a16:creationId xmlns:a16="http://schemas.microsoft.com/office/drawing/2014/main" id="{C492E578-F120-4641-B9E1-68F1E47CFDDF}"/>
+              </a:ext>
+            </a:extLst>
+          </p:cNvPr>
+          <p:cNvSpPr>
+            <a:spLocks noGrp="1"/>
+          </p:cNvSpPr>
+          <p:nvPr>
+            <p:ph idx="1"/>
+          </p:nvPr>
+        </p:nvSpPr>
+        <p:spPr>
+          <a:xfrm>
+            <a:off x="838200" y="1825626"/>
+            <a:ext cx="2968256" cy="4014736"/>
+          </a:xfrm>
+        </p:spPr>
+        <p:txBody>
+          <a:bodyPr>
+            <a:normAutofit/>
+          </a:bodyPr>
+          <a:lstStyle/>
+          <a:p>
+            <a:r>
+              <a:rPr lang="es-ES" sz="1600" dirty="0"/>
+              <a:t>Hora del día.</a:t>
+            </a:r>
+          </a:p>
+        </p:txBody>
+      </p:sp>
+    </p:spTree>
+    <p:extLst>
+      <p:ext uri="{BB962C8B-B14F-4D97-AF65-F5344CB8AC3E}">
+        <p14:creationId xmlns:p14="http://schemas.microsoft.com/office/powerpoint/2010/main" val="3287696614"/>
+      </p:ext>
+    </p:extLst>
+  </p:cSld>
+  <p:clrMapOvr>
+    <a:masterClrMapping/>
+  </p:clrMapOvr>
+</p:sld>
+</file>
+
+<file path=ppt/slides/slide33.xml><?xml version="1.0" encoding="utf-8"?>
+<p:sld xmlns:a="http://schemas.openxmlformats.org/drawingml/2006/main" xmlns:r="http://schemas.openxmlformats.org/officeDocument/2006/relationships" xmlns:p="http://schemas.openxmlformats.org/presentationml/2006/main">
+  <p:cSld>
+    <p:spTree>
+      <p:nvGrpSpPr>
+        <p:cNvPr id="1" name=""/>
+        <p:cNvGrpSpPr/>
+        <p:nvPr/>
+      </p:nvGrpSpPr>
+      <p:grpSpPr>
+        <a:xfrm>
+          <a:off x="0" y="0"/>
+          <a:ext cx="0" cy="0"/>
+          <a:chOff x="0" y="0"/>
+          <a:chExt cx="0" cy="0"/>
+        </a:xfrm>
+      </p:grpSpPr>
+      <p:sp>
+        <p:nvSpPr>
+          <p:cNvPr id="2" name="Título 1">
+            <a:extLst>
+              <a:ext uri="{FF2B5EF4-FFF2-40B4-BE49-F238E27FC236}">
+                <a16:creationId xmlns:a16="http://schemas.microsoft.com/office/drawing/2014/main" id="{7AA7784B-A5CB-4BC9-BAD7-AC16D02BE565}"/>
+              </a:ext>
+            </a:extLst>
+          </p:cNvPr>
+          <p:cNvSpPr>
+            <a:spLocks noGrp="1"/>
+          </p:cNvSpPr>
+          <p:nvPr>
+            <p:ph type="title"/>
+          </p:nvPr>
+        </p:nvSpPr>
+        <p:spPr/>
+        <p:txBody>
+          <a:bodyPr/>
+          <a:lstStyle/>
+          <a:p>
+            <a:r>
+              <a:rPr lang="en-GB" dirty="0"/>
+              <a:t>Variables </a:t>
+            </a:r>
+            <a:r>
+              <a:rPr lang="en-GB" dirty="0" err="1"/>
+              <a:t>Relevantes</a:t>
+            </a:r>
+            <a:endParaRPr lang="en-GB" dirty="0"/>
+          </a:p>
+        </p:txBody>
+      </p:sp>
+      <p:sp>
+        <p:nvSpPr>
+          <p:cNvPr id="7" name="CuadroTexto 6">
+            <a:extLst>
+              <a:ext uri="{FF2B5EF4-FFF2-40B4-BE49-F238E27FC236}">
+                <a16:creationId xmlns:a16="http://schemas.microsoft.com/office/drawing/2014/main" id="{136DCAD6-2445-423A-BEBD-E7D501A4D50D}"/>
+              </a:ext>
+            </a:extLst>
+          </p:cNvPr>
+          <p:cNvSpPr txBox="1"/>
+          <p:nvPr/>
+        </p:nvSpPr>
+        <p:spPr>
+          <a:xfrm>
+            <a:off x="3397988" y="6108405"/>
+            <a:ext cx="8382886" cy="600164"/>
+          </a:xfrm>
+          <a:prstGeom prst="rect">
+            <a:avLst/>
+          </a:prstGeom>
+          <a:noFill/>
+        </p:spPr>
+        <p:txBody>
+          <a:bodyPr wrap="square">
+            <a:spAutoFit/>
+          </a:bodyPr>
+          <a:lstStyle/>
+          <a:p>
+            <a:r>
+              <a:rPr lang="es-ES" sz="1100" dirty="0"/>
+              <a:t>Mikel Lumbreras, Roberto Garay-Martinez, Beñat Arregi, Koldobika Martin-Escudero, Gonzalo Diarce, Margus Raud, Indrek Hagu, Data </a:t>
+            </a:r>
+            <a:r>
+              <a:rPr lang="es-ES" sz="1100" dirty="0" err="1"/>
+              <a:t>driven</a:t>
+            </a:r>
+            <a:r>
+              <a:rPr lang="es-ES" sz="1100" dirty="0"/>
+              <a:t> </a:t>
+            </a:r>
+            <a:r>
+              <a:rPr lang="es-ES" sz="1100" dirty="0" err="1"/>
+              <a:t>model</a:t>
+            </a:r>
+            <a:r>
+              <a:rPr lang="es-ES" sz="1100" dirty="0"/>
+              <a:t> </a:t>
+            </a:r>
+            <a:r>
+              <a:rPr lang="es-ES" sz="1100" dirty="0" err="1"/>
+              <a:t>for</a:t>
+            </a:r>
+            <a:r>
+              <a:rPr lang="es-ES" sz="1100" dirty="0"/>
+              <a:t> </a:t>
+            </a:r>
+            <a:r>
+              <a:rPr lang="es-ES" sz="1100" dirty="0" err="1"/>
+              <a:t>heat</a:t>
+            </a:r>
+            <a:r>
+              <a:rPr lang="es-ES" sz="1100" dirty="0"/>
+              <a:t> load </a:t>
+            </a:r>
+            <a:r>
+              <a:rPr lang="es-ES" sz="1100" dirty="0" err="1"/>
+              <a:t>prediction</a:t>
+            </a:r>
+            <a:r>
+              <a:rPr lang="es-ES" sz="1100" dirty="0"/>
+              <a:t> in </a:t>
+            </a:r>
+            <a:r>
+              <a:rPr lang="es-ES" sz="1100" dirty="0" err="1"/>
+              <a:t>buildings</a:t>
+            </a:r>
+            <a:r>
+              <a:rPr lang="es-ES" sz="1100" dirty="0"/>
+              <a:t> </a:t>
+            </a:r>
+            <a:r>
+              <a:rPr lang="es-ES" sz="1100" dirty="0" err="1"/>
+              <a:t>connected</a:t>
+            </a:r>
+            <a:r>
+              <a:rPr lang="es-ES" sz="1100" dirty="0"/>
+              <a:t> </a:t>
+            </a:r>
+            <a:r>
+              <a:rPr lang="es-ES" sz="1100" dirty="0" err="1"/>
+              <a:t>to</a:t>
+            </a:r>
+            <a:r>
+              <a:rPr lang="es-ES" sz="1100" dirty="0"/>
+              <a:t> </a:t>
+            </a:r>
+            <a:r>
+              <a:rPr lang="es-ES" sz="1100" dirty="0" err="1"/>
+              <a:t>District</a:t>
+            </a:r>
+            <a:r>
+              <a:rPr lang="es-ES" sz="1100" dirty="0"/>
+              <a:t> </a:t>
+            </a:r>
+            <a:r>
+              <a:rPr lang="es-ES" sz="1100" dirty="0" err="1"/>
+              <a:t>Heating</a:t>
+            </a:r>
+            <a:r>
+              <a:rPr lang="es-ES" sz="1100" dirty="0"/>
+              <a:t> </a:t>
+            </a:r>
+            <a:r>
+              <a:rPr lang="es-ES" sz="1100" dirty="0" err="1"/>
+              <a:t>by</a:t>
+            </a:r>
+            <a:r>
+              <a:rPr lang="es-ES" sz="1100" dirty="0"/>
+              <a:t> </a:t>
+            </a:r>
+            <a:r>
+              <a:rPr lang="es-ES" sz="1100" dirty="0" err="1"/>
+              <a:t>using</a:t>
+            </a:r>
+            <a:r>
+              <a:rPr lang="es-ES" sz="1100" dirty="0"/>
+              <a:t> </a:t>
+            </a:r>
+            <a:r>
+              <a:rPr lang="es-ES" sz="1100" dirty="0" err="1"/>
+              <a:t>smart</a:t>
+            </a:r>
+            <a:r>
+              <a:rPr lang="es-ES" sz="1100" dirty="0"/>
+              <a:t> </a:t>
+            </a:r>
+            <a:r>
+              <a:rPr lang="es-ES" sz="1100" dirty="0" err="1"/>
+              <a:t>heat</a:t>
+            </a:r>
+            <a:r>
+              <a:rPr lang="es-ES" sz="1100" dirty="0"/>
+              <a:t> </a:t>
+            </a:r>
+            <a:r>
+              <a:rPr lang="es-ES" sz="1100" dirty="0" err="1"/>
+              <a:t>meters</a:t>
+            </a:r>
+            <a:r>
+              <a:rPr lang="es-ES" sz="1100" dirty="0"/>
+              <a:t>, Energy, 2022, </a:t>
+            </a:r>
+            <a:r>
+              <a:rPr lang="es-ES" sz="1100" dirty="0">
+                <a:hlinkClick r:id="rId2"/>
+              </a:rPr>
+              <a:t>https://doi.org/10.1016/j.energy.2021.122318</a:t>
+            </a:r>
+            <a:endParaRPr lang="es-ES" sz="1100" dirty="0"/>
+          </a:p>
+        </p:txBody>
+      </p:sp>
+      <p:pic>
+        <p:nvPicPr>
+          <p:cNvPr id="5" name="Imagen 4" descr="Gráfico, Gráfico de barras, Gráfico de cajas y bigotes&#10;&#10;Descripción generada automáticamente">
+            <a:extLst>
+              <a:ext uri="{FF2B5EF4-FFF2-40B4-BE49-F238E27FC236}">
+                <a16:creationId xmlns:a16="http://schemas.microsoft.com/office/drawing/2014/main" id="{E34F2C73-BBAB-42DB-8457-AB1D0D56B005}"/>
+              </a:ext>
+            </a:extLst>
+          </p:cNvPr>
+          <p:cNvPicPr>
+            <a:picLocks noChangeAspect="1"/>
+          </p:cNvPicPr>
+          <p:nvPr/>
+        </p:nvPicPr>
+        <p:blipFill>
+          <a:blip r:embed="rId3">
+            <a:extLst>
+              <a:ext uri="{28A0092B-C50C-407E-A947-70E740481C1C}">
+                <a14:useLocalDpi xmlns:a14="http://schemas.microsoft.com/office/drawing/2010/main" val="0"/>
+              </a:ext>
+            </a:extLst>
+          </a:blip>
+          <a:stretch>
+            <a:fillRect/>
+          </a:stretch>
+        </p:blipFill>
+        <p:spPr>
+          <a:xfrm>
+            <a:off x="3800222" y="2071273"/>
+            <a:ext cx="7794878" cy="4037132"/>
+          </a:xfrm>
+          <a:prstGeom prst="rect">
+            <a:avLst/>
+          </a:prstGeom>
+        </p:spPr>
+      </p:pic>
+      <p:sp>
+        <p:nvSpPr>
+          <p:cNvPr id="8" name="Marcador de contenido 2">
+            <a:extLst>
+              <a:ext uri="{FF2B5EF4-FFF2-40B4-BE49-F238E27FC236}">
+                <a16:creationId xmlns:a16="http://schemas.microsoft.com/office/drawing/2014/main" id="{D950F0FE-0892-4CEA-8F65-265D4036DB5B}"/>
+              </a:ext>
+            </a:extLst>
+          </p:cNvPr>
+          <p:cNvSpPr>
+            <a:spLocks noGrp="1"/>
+          </p:cNvSpPr>
+          <p:nvPr>
+            <p:ph idx="1"/>
+          </p:nvPr>
+        </p:nvSpPr>
+        <p:spPr>
+          <a:xfrm>
+            <a:off x="838200" y="1825626"/>
+            <a:ext cx="2968256" cy="4014736"/>
+          </a:xfrm>
+        </p:spPr>
+        <p:txBody>
+          <a:bodyPr>
+            <a:normAutofit/>
+          </a:bodyPr>
+          <a:lstStyle/>
+          <a:p>
+            <a:r>
+              <a:rPr lang="es-ES" sz="1600" dirty="0"/>
+              <a:t>Día de la semana</a:t>
+            </a:r>
+          </a:p>
+        </p:txBody>
+      </p:sp>
+    </p:spTree>
+    <p:extLst>
+      <p:ext uri="{BB962C8B-B14F-4D97-AF65-F5344CB8AC3E}">
+        <p14:creationId xmlns:p14="http://schemas.microsoft.com/office/powerpoint/2010/main" val="272489247"/>
+      </p:ext>
+    </p:extLst>
+  </p:cSld>
+  <p:clrMapOvr>
+    <a:masterClrMapping/>
+  </p:clrMapOvr>
+</p:sld>
+</file>
+
+<file path=ppt/slides/slide34.xml><?xml version="1.0" encoding="utf-8"?>
+<p:sld xmlns:a="http://schemas.openxmlformats.org/drawingml/2006/main" xmlns:r="http://schemas.openxmlformats.org/officeDocument/2006/relationships" xmlns:p="http://schemas.openxmlformats.org/presentationml/2006/main">
+  <p:cSld>
+    <p:spTree>
+      <p:nvGrpSpPr>
+        <p:cNvPr id="1" name=""/>
+        <p:cNvGrpSpPr/>
+        <p:nvPr/>
+      </p:nvGrpSpPr>
+      <p:grpSpPr>
+        <a:xfrm>
+          <a:off x="0" y="0"/>
+          <a:ext cx="0" cy="0"/>
+          <a:chOff x="0" y="0"/>
+          <a:chExt cx="0" cy="0"/>
+        </a:xfrm>
+      </p:grpSpPr>
+      <p:sp>
+        <p:nvSpPr>
+          <p:cNvPr id="2" name="Título 1">
+            <a:extLst>
+              <a:ext uri="{FF2B5EF4-FFF2-40B4-BE49-F238E27FC236}">
+                <a16:creationId xmlns:a16="http://schemas.microsoft.com/office/drawing/2014/main" id="{7AA7784B-A5CB-4BC9-BAD7-AC16D02BE565}"/>
+              </a:ext>
+            </a:extLst>
+          </p:cNvPr>
+          <p:cNvSpPr>
+            <a:spLocks noGrp="1"/>
+          </p:cNvSpPr>
+          <p:nvPr>
+            <p:ph type="title"/>
+          </p:nvPr>
+        </p:nvSpPr>
+        <p:spPr/>
+        <p:txBody>
+          <a:bodyPr/>
+          <a:lstStyle/>
+          <a:p>
+            <a:r>
+              <a:rPr lang="en-GB" dirty="0"/>
+              <a:t>Variables </a:t>
+            </a:r>
+            <a:r>
+              <a:rPr lang="en-GB" dirty="0" err="1"/>
+              <a:t>Relevantes</a:t>
+            </a:r>
+            <a:endParaRPr lang="en-GB" dirty="0"/>
+          </a:p>
+        </p:txBody>
+      </p:sp>
+      <p:sp>
+        <p:nvSpPr>
+          <p:cNvPr id="7" name="CuadroTexto 6">
+            <a:extLst>
+              <a:ext uri="{FF2B5EF4-FFF2-40B4-BE49-F238E27FC236}">
+                <a16:creationId xmlns:a16="http://schemas.microsoft.com/office/drawing/2014/main" id="{136DCAD6-2445-423A-BEBD-E7D501A4D50D}"/>
+              </a:ext>
+            </a:extLst>
+          </p:cNvPr>
+          <p:cNvSpPr txBox="1"/>
+          <p:nvPr/>
+        </p:nvSpPr>
+        <p:spPr>
+          <a:xfrm>
+            <a:off x="3397988" y="6108405"/>
+            <a:ext cx="8382886" cy="600164"/>
+          </a:xfrm>
+          <a:prstGeom prst="rect">
+            <a:avLst/>
+          </a:prstGeom>
+          <a:noFill/>
+        </p:spPr>
+        <p:txBody>
+          <a:bodyPr wrap="square">
+            <a:spAutoFit/>
+          </a:bodyPr>
+          <a:lstStyle/>
+          <a:p>
+            <a:r>
+              <a:rPr lang="es-ES" sz="1100" dirty="0"/>
+              <a:t>Mikel Lumbreras, Roberto Garay-Martinez, Beñat Arregi, Koldobika Martin-Escudero, Gonzalo Diarce, Margus Raud, Indrek Hagu, Data </a:t>
+            </a:r>
+            <a:r>
+              <a:rPr lang="es-ES" sz="1100" dirty="0" err="1"/>
+              <a:t>driven</a:t>
+            </a:r>
+            <a:r>
+              <a:rPr lang="es-ES" sz="1100" dirty="0"/>
+              <a:t> </a:t>
+            </a:r>
+            <a:r>
+              <a:rPr lang="es-ES" sz="1100" dirty="0" err="1"/>
+              <a:t>model</a:t>
+            </a:r>
+            <a:r>
+              <a:rPr lang="es-ES" sz="1100" dirty="0"/>
+              <a:t> </a:t>
+            </a:r>
+            <a:r>
+              <a:rPr lang="es-ES" sz="1100" dirty="0" err="1"/>
+              <a:t>for</a:t>
+            </a:r>
+            <a:r>
+              <a:rPr lang="es-ES" sz="1100" dirty="0"/>
+              <a:t> </a:t>
+            </a:r>
+            <a:r>
+              <a:rPr lang="es-ES" sz="1100" dirty="0" err="1"/>
+              <a:t>heat</a:t>
+            </a:r>
+            <a:r>
+              <a:rPr lang="es-ES" sz="1100" dirty="0"/>
+              <a:t> load </a:t>
+            </a:r>
+            <a:r>
+              <a:rPr lang="es-ES" sz="1100" dirty="0" err="1"/>
+              <a:t>prediction</a:t>
+            </a:r>
+            <a:r>
+              <a:rPr lang="es-ES" sz="1100" dirty="0"/>
+              <a:t> in </a:t>
+            </a:r>
+            <a:r>
+              <a:rPr lang="es-ES" sz="1100" dirty="0" err="1"/>
+              <a:t>buildings</a:t>
+            </a:r>
+            <a:r>
+              <a:rPr lang="es-ES" sz="1100" dirty="0"/>
+              <a:t> </a:t>
+            </a:r>
+            <a:r>
+              <a:rPr lang="es-ES" sz="1100" dirty="0" err="1"/>
+              <a:t>connected</a:t>
+            </a:r>
+            <a:r>
+              <a:rPr lang="es-ES" sz="1100" dirty="0"/>
+              <a:t> </a:t>
+            </a:r>
+            <a:r>
+              <a:rPr lang="es-ES" sz="1100" dirty="0" err="1"/>
+              <a:t>to</a:t>
+            </a:r>
+            <a:r>
+              <a:rPr lang="es-ES" sz="1100" dirty="0"/>
+              <a:t> </a:t>
+            </a:r>
+            <a:r>
+              <a:rPr lang="es-ES" sz="1100" dirty="0" err="1"/>
+              <a:t>District</a:t>
+            </a:r>
+            <a:r>
+              <a:rPr lang="es-ES" sz="1100" dirty="0"/>
+              <a:t> </a:t>
+            </a:r>
+            <a:r>
+              <a:rPr lang="es-ES" sz="1100" dirty="0" err="1"/>
+              <a:t>Heating</a:t>
+            </a:r>
+            <a:r>
+              <a:rPr lang="es-ES" sz="1100" dirty="0"/>
+              <a:t> </a:t>
+            </a:r>
+            <a:r>
+              <a:rPr lang="es-ES" sz="1100" dirty="0" err="1"/>
+              <a:t>by</a:t>
+            </a:r>
+            <a:r>
+              <a:rPr lang="es-ES" sz="1100" dirty="0"/>
+              <a:t> </a:t>
+            </a:r>
+            <a:r>
+              <a:rPr lang="es-ES" sz="1100" dirty="0" err="1"/>
+              <a:t>using</a:t>
+            </a:r>
+            <a:r>
+              <a:rPr lang="es-ES" sz="1100" dirty="0"/>
+              <a:t> </a:t>
+            </a:r>
+            <a:r>
+              <a:rPr lang="es-ES" sz="1100" dirty="0" err="1"/>
+              <a:t>smart</a:t>
+            </a:r>
+            <a:r>
+              <a:rPr lang="es-ES" sz="1100" dirty="0"/>
+              <a:t> </a:t>
+            </a:r>
+            <a:r>
+              <a:rPr lang="es-ES" sz="1100" dirty="0" err="1"/>
+              <a:t>heat</a:t>
+            </a:r>
+            <a:r>
+              <a:rPr lang="es-ES" sz="1100" dirty="0"/>
+              <a:t> </a:t>
+            </a:r>
+            <a:r>
+              <a:rPr lang="es-ES" sz="1100" dirty="0" err="1"/>
+              <a:t>meters</a:t>
+            </a:r>
+            <a:r>
+              <a:rPr lang="es-ES" sz="1100" dirty="0"/>
+              <a:t>, Energy, 2022, </a:t>
+            </a:r>
+            <a:r>
+              <a:rPr lang="es-ES" sz="1100" dirty="0">
+                <a:hlinkClick r:id="rId2"/>
+              </a:rPr>
+              <a:t>https://doi.org/10.1016/j.energy.2021.122318</a:t>
+            </a:r>
+            <a:endParaRPr lang="es-ES" sz="1100" dirty="0"/>
+          </a:p>
+        </p:txBody>
+      </p:sp>
+      <p:pic>
+        <p:nvPicPr>
+          <p:cNvPr id="4" name="Imagen 3" descr="Gráfico, Gráfico de barras, Histograma&#10;&#10;Descripción generada automáticamente">
+            <a:extLst>
+              <a:ext uri="{FF2B5EF4-FFF2-40B4-BE49-F238E27FC236}">
+                <a16:creationId xmlns:a16="http://schemas.microsoft.com/office/drawing/2014/main" id="{2BA76FE2-D698-4A5D-8E03-023974055C8C}"/>
+              </a:ext>
+            </a:extLst>
+          </p:cNvPr>
+          <p:cNvPicPr>
+            <a:picLocks noChangeAspect="1"/>
+          </p:cNvPicPr>
+          <p:nvPr/>
+        </p:nvPicPr>
+        <p:blipFill rotWithShape="1">
+          <a:blip r:embed="rId3">
+            <a:extLst>
+              <a:ext uri="{28A0092B-C50C-407E-A947-70E740481C1C}">
+                <a14:useLocalDpi xmlns:a14="http://schemas.microsoft.com/office/drawing/2010/main" val="0"/>
+              </a:ext>
+            </a:extLst>
+          </a:blip>
+          <a:srcRect b="50000"/>
+          <a:stretch/>
+        </p:blipFill>
+        <p:spPr>
+          <a:xfrm>
+            <a:off x="2097004" y="2679405"/>
+            <a:ext cx="4619792" cy="3429000"/>
+          </a:xfrm>
+          <a:prstGeom prst="rect">
+            <a:avLst/>
+          </a:prstGeom>
+        </p:spPr>
+      </p:pic>
+      <p:pic>
+        <p:nvPicPr>
+          <p:cNvPr id="8" name="Imagen 7" descr="Gráfico, Gráfico de barras, Histograma&#10;&#10;Descripción generada automáticamente">
+            <a:extLst>
+              <a:ext uri="{FF2B5EF4-FFF2-40B4-BE49-F238E27FC236}">
+                <a16:creationId xmlns:a16="http://schemas.microsoft.com/office/drawing/2014/main" id="{2EEE6ADD-4C08-4D51-8C4B-7CA3A6BA7B85}"/>
+              </a:ext>
+            </a:extLst>
+          </p:cNvPr>
+          <p:cNvPicPr>
+            <a:picLocks noChangeAspect="1"/>
+          </p:cNvPicPr>
+          <p:nvPr/>
+        </p:nvPicPr>
+        <p:blipFill rotWithShape="1">
+          <a:blip r:embed="rId3">
+            <a:extLst>
+              <a:ext uri="{28A0092B-C50C-407E-A947-70E740481C1C}">
+                <a14:useLocalDpi xmlns:a14="http://schemas.microsoft.com/office/drawing/2010/main" val="0"/>
+              </a:ext>
+            </a:extLst>
+          </a:blip>
+          <a:srcRect t="50000"/>
+          <a:stretch/>
+        </p:blipFill>
+        <p:spPr>
+          <a:xfrm>
+            <a:off x="7161082" y="2679403"/>
+            <a:ext cx="4619792" cy="3429001"/>
+          </a:xfrm>
+          <a:prstGeom prst="rect">
+            <a:avLst/>
+          </a:prstGeom>
+        </p:spPr>
+      </p:pic>
+      <p:sp>
+        <p:nvSpPr>
+          <p:cNvPr id="9" name="Marcador de contenido 2">
+            <a:extLst>
+              <a:ext uri="{FF2B5EF4-FFF2-40B4-BE49-F238E27FC236}">
+                <a16:creationId xmlns:a16="http://schemas.microsoft.com/office/drawing/2014/main" id="{09B3F640-8564-46E0-BCBE-0F098CE3706F}"/>
+              </a:ext>
+            </a:extLst>
+          </p:cNvPr>
+          <p:cNvSpPr>
+            <a:spLocks noGrp="1"/>
+          </p:cNvSpPr>
+          <p:nvPr>
+            <p:ph idx="1"/>
+          </p:nvPr>
+        </p:nvSpPr>
+        <p:spPr>
+          <a:xfrm>
+            <a:off x="838199" y="1825626"/>
+            <a:ext cx="10515599" cy="4014736"/>
+          </a:xfrm>
+        </p:spPr>
+        <p:txBody>
+          <a:bodyPr>
+            <a:normAutofit/>
+          </a:bodyPr>
+          <a:lstStyle/>
+          <a:p>
+            <a:r>
+              <a:rPr lang="es-ES" sz="1600" dirty="0"/>
+              <a:t>Los modelos son adecuados para algunos edificios</a:t>
+            </a:r>
+          </a:p>
+          <a:p>
+            <a:r>
+              <a:rPr lang="es-ES" sz="1600" dirty="0"/>
+              <a:t>Otros edificios presentan aún grandes errores de caracterización y predicción.</a:t>
+            </a:r>
+          </a:p>
+        </p:txBody>
+      </p:sp>
+    </p:spTree>
+    <p:extLst>
+      <p:ext uri="{BB962C8B-B14F-4D97-AF65-F5344CB8AC3E}">
+        <p14:creationId xmlns:p14="http://schemas.microsoft.com/office/powerpoint/2010/main" val="602263518"/>
+      </p:ext>
+    </p:extLst>
+  </p:cSld>
+  <p:clrMapOvr>
+    <a:masterClrMapping/>
+  </p:clrMapOvr>
+</p:sld>
+</file>
+
+<file path=ppt/slides/slide35.xml><?xml version="1.0" encoding="utf-8"?>
 <p:sld xmlns:a="http://schemas.openxmlformats.org/drawingml/2006/main" xmlns:r="http://schemas.openxmlformats.org/officeDocument/2006/relationships" xmlns:p="http://schemas.openxmlformats.org/presentationml/2006/main">
   <p:cSld>
     <p:spTree>
